--- a/부트캠프_07기_Multiprocessing_OS_1팀(김명균,박여현,김동현,김민제)_최종보고서 2.pptx
+++ b/부트캠프_07기_Multiprocessing_OS_1팀(김명균,박여현,김동현,김민제)_최종보고서 2.pptx
@@ -5,7 +5,7 @@
     <p:sldMasterId id="2147483648" r:id="rId1"/>
   </p:sldMasterIdLst>
   <p:notesMasterIdLst>
-    <p:notesMasterId r:id="rId19"/>
+    <p:notesMasterId r:id="rId20"/>
   </p:notesMasterIdLst>
   <p:sldIdLst>
     <p:sldId id="257" r:id="rId2"/>
@@ -21,10 +21,11 @@
     <p:sldId id="268" r:id="rId12"/>
     <p:sldId id="274" r:id="rId13"/>
     <p:sldId id="275" r:id="rId14"/>
-    <p:sldId id="277" r:id="rId15"/>
-    <p:sldId id="276" r:id="rId16"/>
-    <p:sldId id="263" r:id="rId17"/>
-    <p:sldId id="264" r:id="rId18"/>
+    <p:sldId id="279" r:id="rId15"/>
+    <p:sldId id="277" r:id="rId16"/>
+    <p:sldId id="276" r:id="rId17"/>
+    <p:sldId id="263" r:id="rId18"/>
+    <p:sldId id="264" r:id="rId19"/>
   </p:sldIdLst>
   <p:sldSz cx="17556163" cy="9875838"/>
   <p:notesSz cx="9875838" cy="17556163"/>
@@ -2032,14 +2033,584 @@
           <a:bodyPr/>
           <a:lstStyle/>
           <a:p>
-            <a:endParaRPr lang="ko-KR" altLang="en-US" dirty="0"/>
+            <a:r>
+              <a:rPr lang="ko-KR" altLang="en-US" dirty="0"/>
+              <a:t>핵심 기술</a:t>
+            </a:r>
+            <a:endParaRPr lang="en-US" altLang="ko-KR" dirty="0"/>
+          </a:p>
+          <a:p>
+            <a:endParaRPr lang="en-US" altLang="ko-KR" dirty="0"/>
+          </a:p>
+          <a:p>
+            <a:r>
+              <a:rPr lang="ko-KR" altLang="en-US" dirty="0" err="1"/>
+              <a:t>앱</a:t>
+            </a:r>
+            <a:r>
+              <a:rPr lang="ko-KR" altLang="en-US" dirty="0"/>
+              <a:t> 구성 최적화</a:t>
+            </a:r>
+            <a:endParaRPr lang="en-US" altLang="ko-KR" dirty="0"/>
+          </a:p>
+          <a:p>
+            <a:endParaRPr lang="en-US" altLang="ko-KR" dirty="0"/>
+          </a:p>
+          <a:p>
+            <a:r>
+              <a:rPr lang="ko-KR" altLang="en-US" dirty="0"/>
+              <a:t>화면 </a:t>
+            </a:r>
+            <a:r>
+              <a:rPr lang="en-US" altLang="ko-KR" dirty="0"/>
+              <a:t>-</a:t>
+            </a:r>
+            <a:r>
+              <a:rPr lang="ko-KR" altLang="en-US"/>
+              <a:t> 분할 사용 </a:t>
+            </a:r>
+            <a:r>
+              <a:rPr lang="en-US" altLang="ko-KR" dirty="0"/>
+              <a:t>: </a:t>
+            </a:r>
+          </a:p>
+          <a:p>
+            <a:r>
+              <a:rPr lang="en-US" altLang="ko-KR" dirty="0"/>
+              <a:t>- </a:t>
+            </a:r>
+            <a:r>
+              <a:rPr lang="ko-KR" altLang="en-US"/>
+              <a:t>목표 </a:t>
+            </a:r>
+            <a:r>
+              <a:rPr lang="en-US" altLang="ko-KR" dirty="0"/>
+              <a:t>: </a:t>
+            </a:r>
+            <a:r>
+              <a:rPr lang="ko-KR" altLang="en-US"/>
+              <a:t>하나의 화면에 두개의 </a:t>
+            </a:r>
+            <a:r>
+              <a:rPr lang="en-US" altLang="ko-KR" dirty="0"/>
+              <a:t>APP</a:t>
+            </a:r>
+            <a:r>
+              <a:rPr lang="ko-KR" altLang="en-US"/>
+              <a:t>을 모두 보여주고자 함</a:t>
+            </a:r>
+            <a:endParaRPr lang="en-US" altLang="ko-KR" dirty="0"/>
+          </a:p>
+          <a:p>
+            <a:r>
+              <a:rPr lang="en-US" altLang="ko-KR" dirty="0"/>
+              <a:t>- </a:t>
+            </a:r>
+            <a:r>
+              <a:rPr lang="ko-KR" altLang="en-US"/>
+              <a:t>액션 </a:t>
+            </a:r>
+            <a:r>
+              <a:rPr lang="en-US" altLang="ko-KR" dirty="0"/>
+              <a:t>: </a:t>
+            </a:r>
+            <a:r>
+              <a:rPr lang="ko-KR" altLang="en-US"/>
+              <a:t>상단은 </a:t>
+            </a:r>
+            <a:r>
+              <a:rPr lang="en-US" altLang="ko-KR" dirty="0"/>
+              <a:t>APP2</a:t>
+            </a:r>
+            <a:r>
+              <a:rPr lang="ko-KR" altLang="en-US"/>
+              <a:t> 출력용으로 사용하고</a:t>
+            </a:r>
+            <a:r>
+              <a:rPr lang="en-US" altLang="ko-KR" dirty="0"/>
+              <a:t>, </a:t>
+            </a:r>
+            <a:r>
+              <a:rPr lang="ko-KR" altLang="en-US"/>
+              <a:t>하단은 </a:t>
+            </a:r>
+            <a:r>
+              <a:rPr lang="en-US" altLang="ko-KR" dirty="0"/>
+              <a:t>APP1 </a:t>
+            </a:r>
+            <a:r>
+              <a:rPr lang="ko-KR" altLang="en-US"/>
+              <a:t>차량 시뮬레이션 시 차량의 움직임을 시각적으로 보여줌</a:t>
+            </a:r>
+            <a:endParaRPr lang="en-US" altLang="ko-KR" dirty="0"/>
+          </a:p>
+          <a:p>
+            <a:endParaRPr lang="en-US" altLang="ko-KR" dirty="0"/>
+          </a:p>
+          <a:p>
+            <a:r>
+              <a:rPr lang="ko-KR" altLang="en-US" dirty="0"/>
+              <a:t>용량 </a:t>
+            </a:r>
+            <a:r>
+              <a:rPr lang="en-US" altLang="ko-KR" dirty="0"/>
+              <a:t>- 6:2</a:t>
+            </a:r>
+            <a:r>
+              <a:rPr lang="ko-KR" altLang="en-US"/>
+              <a:t>로 분할 할당 </a:t>
+            </a:r>
+            <a:r>
+              <a:rPr lang="en-US" altLang="ko-KR" dirty="0"/>
+              <a:t>: </a:t>
+            </a:r>
+            <a:r>
+              <a:rPr lang="ko-KR" altLang="en-US"/>
+              <a:t> </a:t>
+            </a:r>
+            <a:endParaRPr lang="en-US" altLang="ko-KR" dirty="0"/>
+          </a:p>
+          <a:p>
+            <a:r>
+              <a:rPr lang="en-US" altLang="ko-KR" dirty="0"/>
+              <a:t>- </a:t>
+            </a:r>
+            <a:r>
+              <a:rPr lang="ko-KR" altLang="en-US"/>
+              <a:t>목표 </a:t>
+            </a:r>
+            <a:r>
+              <a:rPr lang="en-US" altLang="ko-KR" dirty="0"/>
+              <a:t>: </a:t>
+            </a:r>
+            <a:r>
+              <a:rPr lang="ko-KR" altLang="en-US"/>
+              <a:t>앱 별로 필요한 용량에 맞게 용량 할당해주고자 함</a:t>
+            </a:r>
+            <a:endParaRPr lang="en-US" altLang="ko-KR" dirty="0"/>
+          </a:p>
+          <a:p>
+            <a:r>
+              <a:rPr lang="en-US" altLang="ko-KR" dirty="0"/>
+              <a:t>- </a:t>
+            </a:r>
+            <a:r>
+              <a:rPr lang="ko-KR" altLang="en-US"/>
+              <a:t>액션 </a:t>
+            </a:r>
+            <a:r>
+              <a:rPr lang="en-US" altLang="ko-KR" dirty="0"/>
+              <a:t>: APP1 </a:t>
+            </a:r>
+            <a:r>
+              <a:rPr lang="ko-KR" altLang="en-US"/>
+              <a:t>차량 시뮬레이션을 위해 이미지가 다량 적재되어야 하므로 </a:t>
+            </a:r>
+            <a:r>
+              <a:rPr lang="en-US" altLang="ko-KR" dirty="0"/>
+              <a:t>APP1</a:t>
+            </a:r>
+            <a:r>
+              <a:rPr lang="ko-KR" altLang="en-US"/>
+              <a:t>에 </a:t>
+            </a:r>
+            <a:r>
+              <a:rPr lang="en-US" altLang="ko-KR" dirty="0"/>
+              <a:t>6MB, APP2</a:t>
+            </a:r>
+            <a:r>
+              <a:rPr lang="ko-KR" altLang="en-US"/>
+              <a:t>에 </a:t>
+            </a:r>
+            <a:r>
+              <a:rPr lang="en-US" altLang="ko-KR" dirty="0"/>
+              <a:t>2MB</a:t>
+            </a:r>
+            <a:r>
+              <a:rPr lang="ko-KR" altLang="en-US"/>
+              <a:t>를 할당함</a:t>
+            </a:r>
+            <a:r>
+              <a:rPr lang="en-US" altLang="ko-KR" dirty="0"/>
+              <a:t> - </a:t>
+            </a:r>
+            <a:r>
+              <a:rPr lang="ko-KR" altLang="en-US"/>
+              <a:t>이를 위해 </a:t>
+            </a:r>
+            <a:r>
+              <a:rPr lang="en-US" altLang="ko-KR" dirty="0"/>
+              <a:t>1st</a:t>
+            </a:r>
+            <a:r>
+              <a:rPr lang="ko-KR" altLang="en-US"/>
+              <a:t> </a:t>
+            </a:r>
+            <a:r>
+              <a:rPr lang="en-US" altLang="ko-KR" dirty="0"/>
+              <a:t>T/T,</a:t>
+            </a:r>
+            <a:r>
+              <a:rPr lang="ko-KR" altLang="en-US"/>
+              <a:t> </a:t>
+            </a:r>
+            <a:r>
+              <a:rPr lang="en-US" altLang="ko-KR" dirty="0"/>
+              <a:t>2nd T/T</a:t>
+            </a:r>
+            <a:r>
+              <a:rPr lang="ko-KR" altLang="en-US"/>
+              <a:t> 변경</a:t>
+            </a:r>
+            <a:endParaRPr lang="en-US" altLang="ko-KR" dirty="0"/>
+          </a:p>
+          <a:p>
+            <a:endParaRPr lang="en-US" altLang="ko-KR" dirty="0"/>
+          </a:p>
+          <a:p>
+            <a:r>
+              <a:rPr lang="en-US" altLang="ko-KR" dirty="0"/>
+              <a:t>DD handling - </a:t>
+            </a:r>
+            <a:r>
+              <a:rPr lang="ko-KR" altLang="en-US"/>
+              <a:t>인터럽트 신호에 대한 알림 등록 </a:t>
+            </a:r>
+            <a:r>
+              <a:rPr lang="en-US" altLang="ko-KR" dirty="0"/>
+              <a:t>: </a:t>
+            </a:r>
+          </a:p>
+          <a:p>
+            <a:r>
+              <a:rPr lang="en-US" altLang="ko-KR" dirty="0"/>
+              <a:t>- </a:t>
+            </a:r>
+            <a:r>
+              <a:rPr lang="ko-KR" altLang="en-US"/>
+              <a:t>목표 </a:t>
+            </a:r>
+            <a:r>
+              <a:rPr lang="en-US" altLang="ko-KR" dirty="0"/>
+              <a:t>: Key3, Key4</a:t>
+            </a:r>
+            <a:r>
+              <a:rPr lang="ko-KR" altLang="en-US"/>
+              <a:t>를 통해 변경되는 속도를 </a:t>
+            </a:r>
+            <a:r>
+              <a:rPr lang="en-US" altLang="ko-KR" dirty="0"/>
+              <a:t>APP0, APP1 </a:t>
+            </a:r>
+            <a:r>
+              <a:rPr lang="ko-KR" altLang="en-US"/>
+              <a:t>모두에 전달하고자 함</a:t>
+            </a:r>
+            <a:endParaRPr lang="en-US" altLang="ko-KR" dirty="0"/>
+          </a:p>
+          <a:p>
+            <a:r>
+              <a:rPr lang="en-US" altLang="ko-KR" dirty="0"/>
+              <a:t>- </a:t>
+            </a:r>
+            <a:r>
+              <a:rPr lang="ko-KR" altLang="en-US"/>
+              <a:t>액션 </a:t>
+            </a:r>
+            <a:r>
+              <a:rPr lang="en-US" altLang="ko-KR" dirty="0"/>
+              <a:t>: OS</a:t>
+            </a:r>
+            <a:r>
+              <a:rPr lang="ko-KR" altLang="en-US"/>
+              <a:t>에 </a:t>
+            </a:r>
+            <a:r>
+              <a:rPr lang="en-US" altLang="ko-KR" dirty="0"/>
+              <a:t>Key interrupt</a:t>
+            </a:r>
+            <a:r>
+              <a:rPr lang="ko-KR" altLang="en-US"/>
+              <a:t>가 발생했을 때 조절할 전역변수를 두고 해당 값을 </a:t>
+            </a:r>
+            <a:r>
+              <a:rPr lang="en-US" altLang="ko-KR" dirty="0"/>
+              <a:t>APP0, APP1</a:t>
+            </a:r>
+            <a:r>
+              <a:rPr lang="ko-KR" altLang="en-US"/>
+              <a:t>에서 접근하여 기존 커널의 </a:t>
+            </a:r>
+            <a:r>
+              <a:rPr lang="en-US" altLang="ko-KR" dirty="0"/>
+              <a:t>watchdog </a:t>
+            </a:r>
+            <a:r>
+              <a:rPr lang="ko-KR" altLang="en-US"/>
+              <a:t>역할을 수행함 </a:t>
+            </a:r>
+            <a:endParaRPr lang="en-US" altLang="ko-KR" dirty="0"/>
+          </a:p>
+          <a:p>
+            <a:endParaRPr lang="en-US" altLang="ko-KR" dirty="0"/>
+          </a:p>
+          <a:p>
+            <a:endParaRPr lang="en-US" altLang="ko-KR" dirty="0"/>
+          </a:p>
+          <a:p>
+            <a:r>
+              <a:rPr lang="en-US" altLang="ko-KR" dirty="0"/>
+              <a:t>APP1 : </a:t>
+            </a:r>
+          </a:p>
+          <a:p>
+            <a:r>
+              <a:rPr lang="en-US" altLang="ko-KR" dirty="0"/>
+              <a:t>- </a:t>
+            </a:r>
+            <a:r>
+              <a:rPr lang="ko-KR" altLang="en-US"/>
+              <a:t>역할 </a:t>
+            </a:r>
+            <a:r>
+              <a:rPr lang="en-US" altLang="ko-KR" dirty="0"/>
+              <a:t>: </a:t>
+            </a:r>
+            <a:r>
+              <a:rPr lang="ko-KR" altLang="en-US"/>
+              <a:t>차량 시뮬레이션</a:t>
+            </a:r>
+            <a:endParaRPr lang="en-US" altLang="ko-KR" dirty="0"/>
+          </a:p>
+          <a:p>
+            <a:r>
+              <a:rPr lang="en-US" altLang="ko-KR" dirty="0"/>
+              <a:t>- </a:t>
+            </a:r>
+            <a:r>
+              <a:rPr lang="ko-KR" altLang="en-US"/>
+              <a:t>기능 </a:t>
+            </a:r>
+            <a:r>
+              <a:rPr lang="en-US" altLang="ko-KR" dirty="0"/>
+              <a:t>: </a:t>
+            </a:r>
+            <a:r>
+              <a:rPr lang="ko-KR" altLang="en-US"/>
+              <a:t>차량의 움직임을 시각적으로 보여줌</a:t>
+            </a:r>
+            <a:endParaRPr lang="en-US" altLang="ko-KR" dirty="0"/>
+          </a:p>
+          <a:p>
+            <a:r>
+              <a:rPr lang="en-US" altLang="ko-KR" dirty="0"/>
+              <a:t>- </a:t>
+            </a:r>
+            <a:r>
+              <a:rPr lang="ko-KR" altLang="en-US"/>
+              <a:t>화면 </a:t>
+            </a:r>
+            <a:r>
+              <a:rPr lang="en-US" altLang="ko-KR" dirty="0"/>
+              <a:t>: </a:t>
+            </a:r>
+            <a:r>
+              <a:rPr lang="ko-KR" altLang="en-US"/>
+              <a:t>하단 사용</a:t>
+            </a:r>
+            <a:endParaRPr lang="en-US" altLang="ko-KR" dirty="0"/>
+          </a:p>
+          <a:p>
+            <a:r>
+              <a:rPr lang="en-US" altLang="ko-KR" dirty="0"/>
+              <a:t>- </a:t>
+            </a:r>
+            <a:r>
+              <a:rPr lang="ko-KR" altLang="en-US"/>
+              <a:t>최적화 </a:t>
+            </a:r>
+            <a:r>
+              <a:rPr lang="en-US" altLang="ko-KR" dirty="0"/>
+              <a:t>: </a:t>
+            </a:r>
+            <a:r>
+              <a:rPr lang="ko-KR" altLang="en-US"/>
+              <a:t>화면의</a:t>
+            </a:r>
+            <a:r>
+              <a:rPr lang="en-US" altLang="ko-KR" dirty="0"/>
+              <a:t> </a:t>
+            </a:r>
+            <a:r>
+              <a:rPr lang="ko-KR" altLang="en-US"/>
+              <a:t>하단만을 사용하여 이미지 크기를 최소화해 용량 감소</a:t>
+            </a:r>
+            <a:r>
+              <a:rPr lang="en-US" altLang="ko-KR" dirty="0"/>
+              <a:t>, </a:t>
+            </a:r>
+            <a:r>
+              <a:rPr lang="ko-KR" altLang="en-US"/>
+              <a:t>차량의 움직임을 보일 수 있는 최소한의 프레임 사용</a:t>
+            </a:r>
+            <a:r>
+              <a:rPr lang="en-US" altLang="ko-KR" dirty="0"/>
+              <a:t>(</a:t>
+            </a:r>
+            <a:r>
+              <a:rPr lang="ko-KR" altLang="en-US"/>
+              <a:t>낮과 밤 각각 </a:t>
+            </a:r>
+            <a:r>
+              <a:rPr lang="en-US" altLang="ko-KR" dirty="0"/>
+              <a:t>4</a:t>
+            </a:r>
+            <a:r>
+              <a:rPr lang="ko-KR" altLang="en-US"/>
+              <a:t>장</a:t>
+            </a:r>
+            <a:r>
+              <a:rPr lang="en-US" altLang="ko-KR" dirty="0"/>
+              <a:t>)</a:t>
+            </a:r>
+          </a:p>
+          <a:p>
+            <a:r>
+              <a:rPr lang="en-US" altLang="ko-KR" dirty="0"/>
+              <a:t>- </a:t>
+            </a:r>
+            <a:r>
+              <a:rPr lang="ko-KR" altLang="en-US"/>
+              <a:t>효과 </a:t>
+            </a:r>
+            <a:r>
+              <a:rPr lang="en-US" altLang="ko-KR" dirty="0"/>
+              <a:t>: APP2</a:t>
+            </a:r>
+            <a:r>
+              <a:rPr lang="ko-KR" altLang="en-US"/>
+              <a:t>의 기능을 확인할 수 있는 차량 시뮬레이션 제공</a:t>
+            </a:r>
+            <a:endParaRPr lang="en-US" altLang="ko-KR" dirty="0"/>
+          </a:p>
+          <a:p>
+            <a:endParaRPr lang="en-US" altLang="ko-KR" dirty="0"/>
+          </a:p>
+          <a:p>
+            <a:r>
+              <a:rPr lang="en-US" altLang="ko-KR" dirty="0"/>
+              <a:t>APP2 : </a:t>
+            </a:r>
+          </a:p>
+          <a:p>
+            <a:r>
+              <a:rPr lang="en-US" altLang="ko-KR" dirty="0"/>
+              <a:t>- </a:t>
+            </a:r>
+            <a:r>
+              <a:rPr lang="ko-KR" altLang="en-US"/>
+              <a:t>역할 </a:t>
+            </a:r>
+            <a:r>
+              <a:rPr lang="en-US" altLang="ko-KR" dirty="0"/>
+              <a:t>: </a:t>
+            </a:r>
+            <a:r>
+              <a:rPr lang="ko-KR" altLang="en-US"/>
+              <a:t>차량 엑셀 및 브레이크 이상 작동 알림</a:t>
+            </a:r>
+            <a:endParaRPr lang="en-US" altLang="ko-KR" dirty="0"/>
+          </a:p>
+          <a:p>
+            <a:r>
+              <a:rPr lang="en-US" altLang="ko-KR" dirty="0"/>
+              <a:t>- </a:t>
+            </a:r>
+            <a:r>
+              <a:rPr lang="ko-KR" altLang="en-US"/>
+              <a:t>기능 </a:t>
+            </a:r>
+            <a:r>
+              <a:rPr lang="en-US" altLang="ko-KR" dirty="0"/>
+              <a:t>: </a:t>
+            </a:r>
+            <a:r>
+              <a:rPr lang="ko-KR" altLang="en-US"/>
+              <a:t>차량의 속도와 함께 엑셀 및 브레이크 중 무엇이 작동중인지 알림</a:t>
+            </a:r>
+            <a:r>
+              <a:rPr lang="en-US" altLang="ko-KR" dirty="0"/>
+              <a:t>, </a:t>
+            </a:r>
+            <a:r>
+              <a:rPr lang="ko-KR" altLang="en-US"/>
+              <a:t>급발진 상황이나 운전자가 엑셀을 브레이크로 오인하고 작동 시 상황 안내 및 해결책 제안</a:t>
+            </a:r>
+            <a:endParaRPr lang="en-US" altLang="ko-KR" dirty="0"/>
+          </a:p>
+          <a:p>
+            <a:r>
+              <a:rPr lang="en-US" altLang="ko-KR" dirty="0"/>
+              <a:t>- </a:t>
+            </a:r>
+            <a:r>
+              <a:rPr lang="ko-KR" altLang="en-US"/>
+              <a:t>화면 </a:t>
+            </a:r>
+            <a:r>
+              <a:rPr lang="en-US" altLang="ko-KR" dirty="0"/>
+              <a:t>: </a:t>
+            </a:r>
+            <a:r>
+              <a:rPr lang="ko-KR" altLang="en-US"/>
+              <a:t>상단 사용 </a:t>
+            </a:r>
+            <a:endParaRPr lang="en-US" altLang="ko-KR" dirty="0"/>
+          </a:p>
+          <a:p>
+            <a:r>
+              <a:rPr lang="en-US" altLang="ko-KR" dirty="0"/>
+              <a:t>- </a:t>
+            </a:r>
+            <a:r>
+              <a:rPr lang="ko-KR" altLang="en-US"/>
+              <a:t>최적화 </a:t>
+            </a:r>
+            <a:r>
+              <a:rPr lang="en-US" altLang="ko-KR" dirty="0"/>
+              <a:t>: </a:t>
+            </a:r>
+            <a:r>
+              <a:rPr lang="ko-KR" altLang="en-US"/>
+              <a:t>화면의 상단만을 사용 </a:t>
+            </a:r>
+            <a:endParaRPr lang="en-US" altLang="ko-KR" dirty="0"/>
+          </a:p>
+          <a:p>
+            <a:r>
+              <a:rPr lang="en-US" altLang="ko-KR" dirty="0"/>
+              <a:t>- </a:t>
+            </a:r>
+            <a:r>
+              <a:rPr lang="ko-KR" altLang="en-US"/>
+              <a:t>효과 </a:t>
+            </a:r>
+            <a:r>
+              <a:rPr lang="en-US" altLang="ko-KR" dirty="0"/>
+              <a:t>: </a:t>
+            </a:r>
+            <a:r>
+              <a:rPr lang="ko-KR" altLang="en-US"/>
+              <a:t>사용자에게 현재 상황을 알리고 당황스러운 상황에 대한 해결방안을 제시하여 사고를 미연에 방지</a:t>
+            </a:r>
+            <a:endParaRPr lang="en-US" altLang="ko-KR" dirty="0"/>
           </a:p>
         </p:txBody>
       </p:sp>
     </p:spTree>
     <p:extLst>
       <p:ext uri="{BB962C8B-B14F-4D97-AF65-F5344CB8AC3E}">
-        <p14:creationId xmlns:p14="http://schemas.microsoft.com/office/powerpoint/2010/main" val="1237044824"/>
+        <p14:creationId xmlns:p14="http://schemas.microsoft.com/office/powerpoint/2010/main" val="4164054726"/>
       </p:ext>
     </p:extLst>
   </p:cSld>
@@ -2115,38 +2686,6 @@
           <a:bodyPr/>
           <a:lstStyle/>
           <a:p>
-            <a:r>
-              <a:rPr lang="ko-KR" altLang="en-US" dirty="0" smtClean="0"/>
-              <a:t>결과물에 대한 성능측정 또는 목표달성 여부 등 평가</a:t>
-            </a:r>
-          </a:p>
-          <a:p>
-            <a:r>
-              <a:rPr lang="ko-KR" altLang="en-US" dirty="0" smtClean="0"/>
-              <a:t>성능이 낮을 경우 원인 분석 및 개선책 검토 기록</a:t>
-            </a:r>
-          </a:p>
-          <a:p>
-            <a:r>
-              <a:rPr lang="ko-KR" altLang="en-US" dirty="0" smtClean="0"/>
-              <a:t>성능이 만족했을 경우 향후 활용 가능한 기대효과 기록</a:t>
-            </a:r>
-          </a:p>
-          <a:p>
-            <a:r>
-              <a:rPr lang="ko-KR" altLang="en-US" dirty="0" smtClean="0"/>
-              <a:t>가급적 </a:t>
-            </a:r>
-            <a:r>
-              <a:rPr lang="en-US" altLang="ko-KR" dirty="0" smtClean="0"/>
-              <a:t>1 </a:t>
-            </a:r>
-            <a:r>
-              <a:rPr lang="ko-KR" altLang="en-US" smtClean="0"/>
-              <a:t>페이지로 정리</a:t>
-            </a:r>
-          </a:p>
-          <a:p>
             <a:endParaRPr lang="ko-KR" altLang="en-US" dirty="0"/>
           </a:p>
         </p:txBody>
@@ -2154,7 +2693,7 @@
     </p:spTree>
     <p:extLst>
       <p:ext uri="{BB962C8B-B14F-4D97-AF65-F5344CB8AC3E}">
-        <p14:creationId xmlns:p14="http://schemas.microsoft.com/office/powerpoint/2010/main" val="1933405936"/>
+        <p14:creationId xmlns:p14="http://schemas.microsoft.com/office/powerpoint/2010/main" val="1237044824"/>
       </p:ext>
     </p:extLst>
   </p:cSld>
@@ -2232,6 +2771,121 @@
           <a:p>
             <a:r>
               <a:rPr lang="ko-KR" altLang="en-US" dirty="0" smtClean="0"/>
+              <a:t>결과물에 대한 성능측정 또는 목표달성 여부 등 평가</a:t>
+            </a:r>
+          </a:p>
+          <a:p>
+            <a:r>
+              <a:rPr lang="ko-KR" altLang="en-US" dirty="0" smtClean="0"/>
+              <a:t>성능이 낮을 경우 원인 분석 및 개선책 검토 기록</a:t>
+            </a:r>
+          </a:p>
+          <a:p>
+            <a:r>
+              <a:rPr lang="ko-KR" altLang="en-US" dirty="0" smtClean="0"/>
+              <a:t>성능이 만족했을 경우 향후 활용 가능한 기대효과 기록</a:t>
+            </a:r>
+          </a:p>
+          <a:p>
+            <a:r>
+              <a:rPr lang="ko-KR" altLang="en-US" dirty="0" smtClean="0"/>
+              <a:t>가급적 </a:t>
+            </a:r>
+            <a:r>
+              <a:rPr lang="en-US" altLang="ko-KR" dirty="0" smtClean="0"/>
+              <a:t>1 </a:t>
+            </a:r>
+            <a:r>
+              <a:rPr lang="ko-KR" altLang="en-US" smtClean="0"/>
+              <a:t>페이지로 정리</a:t>
+            </a:r>
+          </a:p>
+          <a:p>
+            <a:endParaRPr lang="ko-KR" altLang="en-US" dirty="0"/>
+          </a:p>
+        </p:txBody>
+      </p:sp>
+    </p:spTree>
+    <p:extLst>
+      <p:ext uri="{BB962C8B-B14F-4D97-AF65-F5344CB8AC3E}">
+        <p14:creationId xmlns:p14="http://schemas.microsoft.com/office/powerpoint/2010/main" val="1933405936"/>
+      </p:ext>
+    </p:extLst>
+  </p:cSld>
+  <p:clrMapOvr>
+    <a:masterClrMapping/>
+  </p:clrMapOvr>
+</p:notes>
+</file>
+
+<file path=ppt/notesSlides/notesSlide17.xml><?xml version="1.0" encoding="utf-8"?>
+<p:notes xmlns:a="http://schemas.openxmlformats.org/drawingml/2006/main" xmlns:r="http://schemas.openxmlformats.org/officeDocument/2006/relationships" xmlns:p="http://schemas.openxmlformats.org/presentationml/2006/main">
+  <p:cSld>
+    <p:spTree>
+      <p:nvGrpSpPr>
+        <p:cNvPr id="1" name=""/>
+        <p:cNvGrpSpPr/>
+        <p:nvPr/>
+      </p:nvGrpSpPr>
+      <p:grpSpPr>
+        <a:xfrm>
+          <a:off x="0" y="0"/>
+          <a:ext cx="0" cy="0"/>
+          <a:chOff x="0" y="0"/>
+          <a:chExt cx="0" cy="0"/>
+        </a:xfrm>
+      </p:grpSpPr>
+      <p:sp>
+        <p:nvSpPr>
+          <p:cNvPr id="2" name="슬라이드 이미지 개체 틀 1"/>
+          <p:cNvSpPr>
+            <a:spLocks noGrp="1" noRot="1" noChangeAspect="1"/>
+          </p:cNvSpPr>
+          <p:nvPr>
+            <p:ph type="sldImg"/>
+          </p:nvPr>
+        </p:nvSpPr>
+        <p:spPr>
+          <a:xfrm>
+            <a:off x="-328613" y="2193925"/>
+            <a:ext cx="10533063" cy="5926138"/>
+          </a:xfrm>
+          <a:prstGeom prst="rect">
+            <a:avLst/>
+          </a:prstGeom>
+          <a:noFill/>
+          <a:ln w="12700">
+            <a:solidFill>
+              <a:prstClr val="black"/>
+            </a:solidFill>
+          </a:ln>
+        </p:spPr>
+      </p:sp>
+      <p:sp>
+        <p:nvSpPr>
+          <p:cNvPr id="3" name="슬라이드 노트 개체 틀 2"/>
+          <p:cNvSpPr>
+            <a:spLocks noGrp="1"/>
+          </p:cNvSpPr>
+          <p:nvPr>
+            <p:ph type="body" idx="1"/>
+          </p:nvPr>
+        </p:nvSpPr>
+        <p:spPr>
+          <a:xfrm>
+            <a:off x="987425" y="8448675"/>
+            <a:ext cx="7900988" cy="6913563"/>
+          </a:xfrm>
+          <a:prstGeom prst="rect">
+            <a:avLst/>
+          </a:prstGeom>
+        </p:spPr>
+        <p:txBody>
+          <a:bodyPr/>
+          <a:lstStyle/>
+          <a:p>
+            <a:r>
+              <a:rPr lang="ko-KR" altLang="en-US" dirty="0" smtClean="0"/>
               <a:t>개발 결과물의 추후 개선점</a:t>
             </a:r>
             <a:r>
@@ -2275,7 +2929,7 @@
 </p:notes>
 </file>
 
-<file path=ppt/notesSlides/notesSlide17.xml><?xml version="1.0" encoding="utf-8"?>
+<file path=ppt/notesSlides/notesSlide18.xml><?xml version="1.0" encoding="utf-8"?>
 <p:notes xmlns:a="http://schemas.openxmlformats.org/drawingml/2006/main" xmlns:r="http://schemas.openxmlformats.org/officeDocument/2006/relationships" xmlns:p="http://schemas.openxmlformats.org/presentationml/2006/main">
   <p:cSld>
     <p:spTree>
@@ -2787,25 +3441,25 @@
           <a:lstStyle/>
           <a:p>
             <a:r>
-              <a:rPr lang="ko-KR" altLang="en-US"/>
+              <a:rPr lang="ko-KR" altLang="en-US" dirty="0"/>
               <a:t>개발 목표</a:t>
             </a:r>
-            <a:endParaRPr lang="en-US" altLang="ko-KR"/>
-          </a:p>
-          <a:p>
-            <a:r>
-              <a:rPr lang="en-US" altLang="ko-KR"/>
+            <a:endParaRPr lang="en-US" altLang="ko-KR" dirty="0"/>
+          </a:p>
+          <a:p>
+            <a:r>
+              <a:rPr lang="en-US" altLang="ko-KR" dirty="0"/>
               <a:t>- </a:t>
             </a:r>
             <a:r>
               <a:rPr lang="ko-KR" altLang="en-US"/>
               <a:t>급발진 상황을 판별하고 운전자에게 알림을 전달하는 기능</a:t>
             </a:r>
-            <a:endParaRPr lang="en-US" altLang="ko-KR"/>
-          </a:p>
-          <a:p>
-            <a:r>
-              <a:rPr lang="en-US" altLang="ko-KR"/>
+            <a:endParaRPr lang="en-US" altLang="ko-KR" dirty="0"/>
+          </a:p>
+          <a:p>
+            <a:r>
+              <a:rPr lang="en-US" altLang="ko-KR" dirty="0"/>
               <a:t>- APP1 : </a:t>
             </a:r>
             <a:r>
@@ -2813,7 +3467,7 @@
               <a:t>자동차 주행 및 속도 제어 </a:t>
             </a:r>
             <a:r>
-              <a:rPr lang="en-US" altLang="ko-KR"/>
+              <a:rPr lang="en-US" altLang="ko-KR" dirty="0"/>
               <a:t>( </a:t>
             </a:r>
             <a:r>
@@ -2821,13 +3475,13 @@
               <a:t>운전자 </a:t>
             </a:r>
             <a:r>
-              <a:rPr lang="en-US" altLang="ko-KR"/>
+              <a:rPr lang="en-US" altLang="ko-KR" dirty="0"/>
               <a:t>)</a:t>
             </a:r>
           </a:p>
           <a:p>
             <a:r>
-              <a:rPr lang="en-US" altLang="ko-KR"/>
+              <a:rPr lang="en-US" altLang="ko-KR" dirty="0"/>
               <a:t>- APP2 : </a:t>
             </a:r>
             <a:r>
@@ -3047,25 +3701,25 @@
           <a:lstStyle/>
           <a:p>
             <a:r>
-              <a:rPr lang="ko-KR" altLang="en-US"/>
+              <a:rPr lang="ko-KR" altLang="en-US" dirty="0"/>
               <a:t>개발 목표</a:t>
             </a:r>
-            <a:endParaRPr lang="en-US" altLang="ko-KR"/>
-          </a:p>
-          <a:p>
-            <a:r>
-              <a:rPr lang="en-US" altLang="ko-KR"/>
+            <a:endParaRPr lang="en-US" altLang="ko-KR" dirty="0"/>
+          </a:p>
+          <a:p>
+            <a:r>
+              <a:rPr lang="en-US" altLang="ko-KR" dirty="0"/>
               <a:t>- </a:t>
             </a:r>
             <a:r>
               <a:rPr lang="ko-KR" altLang="en-US"/>
               <a:t>급발진 상황을 판별하고 운전자에게 알림을 전달하는 기능</a:t>
             </a:r>
-            <a:endParaRPr lang="en-US" altLang="ko-KR"/>
-          </a:p>
-          <a:p>
-            <a:r>
-              <a:rPr lang="en-US" altLang="ko-KR"/>
+            <a:endParaRPr lang="en-US" altLang="ko-KR" dirty="0"/>
+          </a:p>
+          <a:p>
+            <a:r>
+              <a:rPr lang="en-US" altLang="ko-KR" dirty="0"/>
               <a:t>- APP1 : </a:t>
             </a:r>
             <a:r>
@@ -3073,7 +3727,7 @@
               <a:t>자동차 주행 및 속도 제어 </a:t>
             </a:r>
             <a:r>
-              <a:rPr lang="en-US" altLang="ko-KR"/>
+              <a:rPr lang="en-US" altLang="ko-KR" dirty="0"/>
               <a:t>( </a:t>
             </a:r>
             <a:r>
@@ -3081,13 +3735,13 @@
               <a:t>운전자 </a:t>
             </a:r>
             <a:r>
-              <a:rPr lang="en-US" altLang="ko-KR"/>
+              <a:rPr lang="en-US" altLang="ko-KR" dirty="0"/>
               <a:t>)</a:t>
             </a:r>
           </a:p>
           <a:p>
             <a:r>
-              <a:rPr lang="en-US" altLang="ko-KR"/>
+              <a:rPr lang="en-US" altLang="ko-KR" dirty="0"/>
               <a:t>- APP2 : </a:t>
             </a:r>
             <a:r>
@@ -7658,7 +8312,7 @@
           <p:cNvPr id="13" name="TextBox 12">
             <a:extLst>
               <a:ext uri="{FF2B5EF4-FFF2-40B4-BE49-F238E27FC236}">
-                <a16:creationId xmlns:a16="http://schemas.microsoft.com/office/drawing/2014/main" xmlns="" id="{9491652D-8A95-E0C6-2980-5777CA440E20}"/>
+                <a16:creationId xmlns="" xmlns:a16="http://schemas.microsoft.com/office/drawing/2014/main" id="{9491652D-8A95-E0C6-2980-5777CA440E20}"/>
               </a:ext>
             </a:extLst>
           </p:cNvPr>
@@ -7731,7 +8385,7 @@
           <p:cNvPr id="14" name="TextBox 13">
             <a:extLst>
               <a:ext uri="{FF2B5EF4-FFF2-40B4-BE49-F238E27FC236}">
-                <a16:creationId xmlns:a16="http://schemas.microsoft.com/office/drawing/2014/main" xmlns="" id="{678781DF-9097-114B-57BD-B9E1ABE8563C}"/>
+                <a16:creationId xmlns="" xmlns:a16="http://schemas.microsoft.com/office/drawing/2014/main" id="{678781DF-9097-114B-57BD-B9E1ABE8563C}"/>
               </a:ext>
             </a:extLst>
           </p:cNvPr>
@@ -7773,14 +8427,7 @@
                 <a:latin typeface="LG스마트체2.0 Regular" panose="020B0600000101010101" pitchFamily="50" charset="-127"/>
                 <a:ea typeface="LG스마트체2.0 Regular" panose="020B0600000101010101" pitchFamily="50" charset="-127"/>
               </a:rPr>
-              <a:t>– </a:t>
-            </a:r>
-            <a:r>
-              <a:rPr lang="en-US" altLang="ko-KR" sz="2400" dirty="0" smtClean="0">
-                <a:latin typeface="LG스마트체2.0 Regular" panose="020B0600000101010101" pitchFamily="50" charset="-127"/>
-                <a:ea typeface="LG스마트체2.0 Regular" panose="020B0600000101010101" pitchFamily="50" charset="-127"/>
-              </a:rPr>
-              <a:t>8:</a:t>
+              <a:t>– 8:</a:t>
             </a:r>
             <a:r>
               <a:rPr lang="en-US" altLang="ko-KR" sz="2400" dirty="0">
@@ -7811,7 +8458,7 @@
           <p:cNvPr id="15" name="TextBox 14">
             <a:extLst>
               <a:ext uri="{FF2B5EF4-FFF2-40B4-BE49-F238E27FC236}">
-                <a16:creationId xmlns:a16="http://schemas.microsoft.com/office/drawing/2014/main" xmlns="" id="{791DB990-84B1-B6E5-A44C-83C0392AE119}"/>
+                <a16:creationId xmlns="" xmlns:a16="http://schemas.microsoft.com/office/drawing/2014/main" id="{791DB990-84B1-B6E5-A44C-83C0392AE119}"/>
               </a:ext>
             </a:extLst>
           </p:cNvPr>
@@ -7877,7 +8524,7 @@
           <p:cNvPr id="16" name="직사각형 15">
             <a:extLst>
               <a:ext uri="{FF2B5EF4-FFF2-40B4-BE49-F238E27FC236}">
-                <a16:creationId xmlns:a16="http://schemas.microsoft.com/office/drawing/2014/main" xmlns="" id="{4FAD2333-B152-2130-A8EE-A8D509CD5FA4}"/>
+                <a16:creationId xmlns="" xmlns:a16="http://schemas.microsoft.com/office/drawing/2014/main" id="{4FAD2333-B152-2130-A8EE-A8D509CD5FA4}"/>
               </a:ext>
             </a:extLst>
           </p:cNvPr>
@@ -7933,7 +8580,7 @@
           <p:cNvPr id="17" name="그림 16">
             <a:extLst>
               <a:ext uri="{FF2B5EF4-FFF2-40B4-BE49-F238E27FC236}">
-                <a16:creationId xmlns:a16="http://schemas.microsoft.com/office/drawing/2014/main" xmlns="" id="{271BC2EB-B4BA-DA83-AC43-B9519D9301B7}"/>
+                <a16:creationId xmlns="" xmlns:a16="http://schemas.microsoft.com/office/drawing/2014/main" id="{271BC2EB-B4BA-DA83-AC43-B9519D9301B7}"/>
               </a:ext>
             </a:extLst>
           </p:cNvPr>
@@ -7970,7 +8617,7 @@
           <p:cNvPr id="18" name="더하기 기호 17">
             <a:extLst>
               <a:ext uri="{FF2B5EF4-FFF2-40B4-BE49-F238E27FC236}">
-                <a16:creationId xmlns:a16="http://schemas.microsoft.com/office/drawing/2014/main" xmlns="" id="{518117C6-A2B9-79C9-C527-0E2C7F64BA2F}"/>
+                <a16:creationId xmlns="" xmlns:a16="http://schemas.microsoft.com/office/drawing/2014/main" id="{518117C6-A2B9-79C9-C527-0E2C7F64BA2F}"/>
               </a:ext>
             </a:extLst>
           </p:cNvPr>
@@ -8416,13 +9063,6 @@
                         </a:rPr>
                         <a:t>차량 시뮬레이션을 위해 이미지가 다량 적재되어야 함</a:t>
                       </a:r>
-                      <a:endParaRPr lang="en-US" altLang="ko-KR" sz="2000" b="0" dirty="0" smtClean="0">
-                        <a:solidFill>
-                          <a:schemeClr val="tx1"/>
-                        </a:solidFill>
-                        <a:latin typeface="LG스마트체2.0 Regular" panose="020B0600000101010101" pitchFamily="50" charset="-127"/>
-                        <a:ea typeface="LG스마트체2.0 Regular" panose="020B0600000101010101" pitchFamily="50" charset="-127"/>
-                      </a:endParaRPr>
                     </a:p>
                     <a:p>
                       <a:pPr marL="0" marR="0" lvl="0" indent="0" algn="l" defTabSz="914400" rtl="0" eaLnBrk="1" fontAlgn="auto" latinLnBrk="1" hangingPunct="1">
@@ -8995,7 +9635,7 @@
           <p:cNvPr id="13" name="TextBox 12">
             <a:extLst>
               <a:ext uri="{FF2B5EF4-FFF2-40B4-BE49-F238E27FC236}">
-                <a16:creationId xmlns:a16="http://schemas.microsoft.com/office/drawing/2014/main" xmlns="" id="{9491652D-8A95-E0C6-2980-5777CA440E20}"/>
+                <a16:creationId xmlns="" xmlns:a16="http://schemas.microsoft.com/office/drawing/2014/main" id="{9491652D-8A95-E0C6-2980-5777CA440E20}"/>
               </a:ext>
             </a:extLst>
           </p:cNvPr>
@@ -9040,7 +9680,7 @@
           <p:cNvPr id="7" name="TextBox 6">
             <a:extLst>
               <a:ext uri="{FF2B5EF4-FFF2-40B4-BE49-F238E27FC236}">
-                <a16:creationId xmlns:a16="http://schemas.microsoft.com/office/drawing/2014/main" xmlns="" id="{753DE1DB-96DA-F55F-40F4-E023F2749E01}"/>
+                <a16:creationId xmlns="" xmlns:a16="http://schemas.microsoft.com/office/drawing/2014/main" id="{753DE1DB-96DA-F55F-40F4-E023F2749E01}"/>
               </a:ext>
             </a:extLst>
           </p:cNvPr>
@@ -9671,7 +10311,7 @@
           <p:cNvPr id="19" name="직사각형 18">
             <a:extLst>
               <a:ext uri="{FF2B5EF4-FFF2-40B4-BE49-F238E27FC236}">
-                <a16:creationId xmlns:a16="http://schemas.microsoft.com/office/drawing/2014/main" xmlns="" id="{4FAD2333-B152-2130-A8EE-A8D509CD5FA4}"/>
+                <a16:creationId xmlns="" xmlns:a16="http://schemas.microsoft.com/office/drawing/2014/main" id="{4FAD2333-B152-2130-A8EE-A8D509CD5FA4}"/>
               </a:ext>
             </a:extLst>
           </p:cNvPr>
@@ -9727,7 +10367,7 @@
           <p:cNvPr id="20" name="그림 19">
             <a:extLst>
               <a:ext uri="{FF2B5EF4-FFF2-40B4-BE49-F238E27FC236}">
-                <a16:creationId xmlns:a16="http://schemas.microsoft.com/office/drawing/2014/main" xmlns="" id="{271BC2EB-B4BA-DA83-AC43-B9519D9301B7}"/>
+                <a16:creationId xmlns="" xmlns:a16="http://schemas.microsoft.com/office/drawing/2014/main" id="{271BC2EB-B4BA-DA83-AC43-B9519D9301B7}"/>
               </a:ext>
             </a:extLst>
           </p:cNvPr>
@@ -9764,7 +10404,7 @@
           <p:cNvPr id="21" name="더하기 기호 17">
             <a:extLst>
               <a:ext uri="{FF2B5EF4-FFF2-40B4-BE49-F238E27FC236}">
-                <a16:creationId xmlns:a16="http://schemas.microsoft.com/office/drawing/2014/main" xmlns="" id="{518117C6-A2B9-79C9-C527-0E2C7F64BA2F}"/>
+                <a16:creationId xmlns="" xmlns:a16="http://schemas.microsoft.com/office/drawing/2014/main" id="{518117C6-A2B9-79C9-C527-0E2C7F64BA2F}"/>
               </a:ext>
             </a:extLst>
           </p:cNvPr>
@@ -9826,6 +10466,1785 @@
 </file>
 
 <file path=ppt/slides/slide14.xml><?xml version="1.0" encoding="utf-8"?>
+<p:sld xmlns:a="http://schemas.openxmlformats.org/drawingml/2006/main" xmlns:r="http://schemas.openxmlformats.org/officeDocument/2006/relationships" xmlns:p="http://schemas.openxmlformats.org/presentationml/2006/main">
+  <p:cSld>
+    <p:spTree>
+      <p:nvGrpSpPr>
+        <p:cNvPr id="1" name=""/>
+        <p:cNvGrpSpPr/>
+        <p:nvPr/>
+      </p:nvGrpSpPr>
+      <p:grpSpPr>
+        <a:xfrm>
+          <a:off x="0" y="0"/>
+          <a:ext cx="0" cy="0"/>
+          <a:chOff x="0" y="0"/>
+          <a:chExt cx="0" cy="0"/>
+        </a:xfrm>
+      </p:grpSpPr>
+      <p:sp>
+        <p:nvSpPr>
+          <p:cNvPr id="2" name="TextBox 1"/>
+          <p:cNvSpPr txBox="1"/>
+          <p:nvPr/>
+        </p:nvSpPr>
+        <p:spPr>
+          <a:xfrm>
+            <a:off x="244862" y="238662"/>
+            <a:ext cx="14190667" cy="923330"/>
+          </a:xfrm>
+          <a:prstGeom prst="rect">
+            <a:avLst/>
+          </a:prstGeom>
+          <a:noFill/>
+        </p:spPr>
+        <p:txBody>
+          <a:bodyPr wrap="square" rtlCol="0">
+            <a:spAutoFit/>
+          </a:bodyPr>
+          <a:lstStyle/>
+          <a:p>
+            <a:r>
+              <a:rPr lang="en-US" altLang="ko-KR" sz="5400" b="1" dirty="0">
+                <a:solidFill>
+                  <a:schemeClr val="bg1"/>
+                </a:solidFill>
+                <a:latin typeface="LG스마트체2.0 Regular" panose="020B0600000101010101" pitchFamily="50" charset="-127"/>
+                <a:ea typeface="LG스마트체2.0 Regular" panose="020B0600000101010101" pitchFamily="50" charset="-127"/>
+              </a:rPr>
+              <a:t>3. </a:t>
+            </a:r>
+            <a:r>
+              <a:rPr lang="ko-KR" altLang="en-US" sz="5400" b="1">
+                <a:solidFill>
+                  <a:schemeClr val="bg1"/>
+                </a:solidFill>
+                <a:latin typeface="LG스마트체2.0 Regular" panose="020B0600000101010101" pitchFamily="50" charset="-127"/>
+                <a:ea typeface="LG스마트체2.0 Regular" panose="020B0600000101010101" pitchFamily="50" charset="-127"/>
+              </a:rPr>
+              <a:t>핵심 </a:t>
+            </a:r>
+            <a:r>
+              <a:rPr lang="ko-KR" altLang="en-US" sz="5400" b="1" smtClean="0">
+                <a:solidFill>
+                  <a:schemeClr val="bg1"/>
+                </a:solidFill>
+                <a:latin typeface="LG스마트체2.0 Regular" panose="020B0600000101010101" pitchFamily="50" charset="-127"/>
+                <a:ea typeface="LG스마트체2.0 Regular" panose="020B0600000101010101" pitchFamily="50" charset="-127"/>
+              </a:rPr>
+              <a:t>기술</a:t>
+            </a:r>
+            <a:r>
+              <a:rPr lang="en-US" altLang="ko-KR" sz="5400" b="1" dirty="0" smtClean="0">
+                <a:solidFill>
+                  <a:schemeClr val="bg1"/>
+                </a:solidFill>
+                <a:latin typeface="LG스마트체2.0 Regular" panose="020B0600000101010101" pitchFamily="50" charset="-127"/>
+                <a:ea typeface="LG스마트체2.0 Regular" panose="020B0600000101010101" pitchFamily="50" charset="-127"/>
+              </a:rPr>
+              <a:t>: </a:t>
+            </a:r>
+            <a:r>
+              <a:rPr lang="ko-KR" altLang="en-US" sz="5400" b="1" smtClean="0">
+                <a:solidFill>
+                  <a:schemeClr val="bg1"/>
+                </a:solidFill>
+                <a:latin typeface="LG스마트체2.0 Regular" panose="020B0600000101010101" pitchFamily="50" charset="-127"/>
+                <a:ea typeface="LG스마트체2.0 Regular" panose="020B0600000101010101" pitchFamily="50" charset="-127"/>
+              </a:rPr>
+              <a:t>앱 </a:t>
+            </a:r>
+            <a:r>
+              <a:rPr lang="ko-KR" altLang="en-US" sz="5400" b="1" smtClean="0">
+                <a:solidFill>
+                  <a:schemeClr val="bg1"/>
+                </a:solidFill>
+                <a:latin typeface="LG스마트체2.0 Regular" panose="020B0600000101010101" pitchFamily="50" charset="-127"/>
+                <a:ea typeface="LG스마트체2.0 Regular" panose="020B0600000101010101" pitchFamily="50" charset="-127"/>
+              </a:rPr>
+              <a:t>동작 시나리오 </a:t>
+            </a:r>
+            <a:endParaRPr lang="ko-KR" altLang="en-US" sz="5400" b="1" dirty="0">
+              <a:solidFill>
+                <a:schemeClr val="bg1"/>
+              </a:solidFill>
+              <a:latin typeface="LG스마트체2.0 Regular" panose="020B0600000101010101" pitchFamily="50" charset="-127"/>
+              <a:ea typeface="LG스마트체2.0 Regular" panose="020B0600000101010101" pitchFamily="50" charset="-127"/>
+            </a:endParaRPr>
+          </a:p>
+        </p:txBody>
+      </p:sp>
+      <p:grpSp>
+        <p:nvGrpSpPr>
+          <p:cNvPr id="10" name="그룹 9"/>
+          <p:cNvGrpSpPr/>
+          <p:nvPr/>
+        </p:nvGrpSpPr>
+        <p:grpSpPr>
+          <a:xfrm>
+            <a:off x="706420" y="1983783"/>
+            <a:ext cx="1518834" cy="7315200"/>
+            <a:chOff x="706420" y="1983783"/>
+            <a:chExt cx="1518834" cy="7020732"/>
+          </a:xfrm>
+        </p:grpSpPr>
+        <p:sp>
+          <p:nvSpPr>
+            <p:cNvPr id="11" name="모서리가 둥근 직사각형 10"/>
+            <p:cNvSpPr/>
+            <p:nvPr/>
+          </p:nvSpPr>
+          <p:spPr>
+            <a:xfrm>
+              <a:off x="835837" y="1983783"/>
+              <a:ext cx="1260000" cy="7020732"/>
+            </a:xfrm>
+            <a:prstGeom prst="roundRect">
+              <a:avLst/>
+            </a:prstGeom>
+            <a:noFill/>
+            <a:ln w="28575">
+              <a:solidFill>
+                <a:schemeClr val="accent5">
+                  <a:lumMod val="60000"/>
+                  <a:lumOff val="40000"/>
+                </a:schemeClr>
+              </a:solidFill>
+            </a:ln>
+          </p:spPr>
+          <p:style>
+            <a:lnRef idx="2">
+              <a:schemeClr val="accent1">
+                <a:shade val="50000"/>
+              </a:schemeClr>
+            </a:lnRef>
+            <a:fillRef idx="1">
+              <a:schemeClr val="accent1"/>
+            </a:fillRef>
+            <a:effectRef idx="0">
+              <a:schemeClr val="accent1"/>
+            </a:effectRef>
+            <a:fontRef idx="minor">
+              <a:schemeClr val="lt1"/>
+            </a:fontRef>
+          </p:style>
+          <p:txBody>
+            <a:bodyPr rtlCol="0" anchor="ctr"/>
+            <a:lstStyle/>
+            <a:p>
+              <a:pPr algn="ctr"/>
+              <a:endParaRPr lang="ko-KR" altLang="en-US"/>
+            </a:p>
+          </p:txBody>
+        </p:sp>
+        <p:sp>
+          <p:nvSpPr>
+            <p:cNvPr id="12" name="TextBox 11"/>
+            <p:cNvSpPr txBox="1"/>
+            <p:nvPr/>
+          </p:nvSpPr>
+          <p:spPr>
+            <a:xfrm>
+              <a:off x="706420" y="1983783"/>
+              <a:ext cx="1518834" cy="502158"/>
+            </a:xfrm>
+            <a:prstGeom prst="rect">
+              <a:avLst/>
+            </a:prstGeom>
+            <a:noFill/>
+          </p:spPr>
+          <p:txBody>
+            <a:bodyPr wrap="square" rtlCol="0">
+              <a:spAutoFit/>
+            </a:bodyPr>
+            <a:lstStyle/>
+            <a:p>
+              <a:pPr algn="ctr"/>
+              <a:r>
+                <a:rPr lang="en-US" altLang="ko-KR" sz="2800" b="1" dirty="0" smtClean="0">
+                  <a:solidFill>
+                    <a:schemeClr val="accent1">
+                      <a:lumMod val="50000"/>
+                    </a:schemeClr>
+                  </a:solidFill>
+                </a:rPr>
+                <a:t>APP0</a:t>
+              </a:r>
+              <a:endParaRPr lang="ko-KR" altLang="en-US" sz="2000" b="1">
+                <a:solidFill>
+                  <a:schemeClr val="accent1">
+                    <a:lumMod val="50000"/>
+                  </a:schemeClr>
+                </a:solidFill>
+              </a:endParaRPr>
+            </a:p>
+          </p:txBody>
+        </p:sp>
+        <p:cxnSp>
+          <p:nvCxnSpPr>
+            <p:cNvPr id="14" name="직선 연결선 13"/>
+            <p:cNvCxnSpPr/>
+            <p:nvPr/>
+          </p:nvCxnSpPr>
+          <p:spPr>
+            <a:xfrm>
+              <a:off x="1465837" y="2507003"/>
+              <a:ext cx="27267" cy="6327032"/>
+            </a:xfrm>
+            <a:prstGeom prst="line">
+              <a:avLst/>
+            </a:prstGeom>
+            <a:ln w="57150">
+              <a:solidFill>
+                <a:schemeClr val="accent5">
+                  <a:lumMod val="50000"/>
+                </a:schemeClr>
+              </a:solidFill>
+            </a:ln>
+          </p:spPr>
+          <p:style>
+            <a:lnRef idx="1">
+              <a:schemeClr val="accent1"/>
+            </a:lnRef>
+            <a:fillRef idx="0">
+              <a:schemeClr val="accent1"/>
+            </a:fillRef>
+            <a:effectRef idx="0">
+              <a:schemeClr val="accent1"/>
+            </a:effectRef>
+            <a:fontRef idx="minor">
+              <a:schemeClr val="tx1"/>
+            </a:fontRef>
+          </p:style>
+        </p:cxnSp>
+      </p:grpSp>
+      <p:grpSp>
+        <p:nvGrpSpPr>
+          <p:cNvPr id="22" name="그룹 21"/>
+          <p:cNvGrpSpPr/>
+          <p:nvPr/>
+        </p:nvGrpSpPr>
+        <p:grpSpPr>
+          <a:xfrm>
+            <a:off x="7574584" y="2285604"/>
+            <a:ext cx="2214785" cy="7147956"/>
+            <a:chOff x="5484980" y="2200172"/>
+            <a:chExt cx="2214785" cy="3476786"/>
+          </a:xfrm>
+        </p:grpSpPr>
+        <p:sp>
+          <p:nvSpPr>
+            <p:cNvPr id="23" name="모서리가 둥근 직사각형 22"/>
+            <p:cNvSpPr/>
+            <p:nvPr/>
+          </p:nvSpPr>
+          <p:spPr>
+            <a:xfrm>
+              <a:off x="5602960" y="2200172"/>
+              <a:ext cx="1978824" cy="3476786"/>
+            </a:xfrm>
+            <a:prstGeom prst="roundRect">
+              <a:avLst/>
+            </a:prstGeom>
+            <a:noFill/>
+            <a:ln w="38100">
+              <a:solidFill>
+                <a:schemeClr val="accent2">
+                  <a:lumMod val="60000"/>
+                  <a:lumOff val="40000"/>
+                </a:schemeClr>
+              </a:solidFill>
+            </a:ln>
+          </p:spPr>
+          <p:style>
+            <a:lnRef idx="2">
+              <a:schemeClr val="accent1">
+                <a:shade val="50000"/>
+              </a:schemeClr>
+            </a:lnRef>
+            <a:fillRef idx="1">
+              <a:schemeClr val="accent1"/>
+            </a:fillRef>
+            <a:effectRef idx="0">
+              <a:schemeClr val="accent1"/>
+            </a:effectRef>
+            <a:fontRef idx="minor">
+              <a:schemeClr val="lt1"/>
+            </a:fontRef>
+          </p:style>
+          <p:txBody>
+            <a:bodyPr rtlCol="0" anchor="ctr"/>
+            <a:lstStyle/>
+            <a:p>
+              <a:pPr algn="ctr"/>
+              <a:endParaRPr lang="ko-KR" altLang="en-US"/>
+            </a:p>
+          </p:txBody>
+        </p:sp>
+        <p:sp>
+          <p:nvSpPr>
+            <p:cNvPr id="24" name="TextBox 23"/>
+            <p:cNvSpPr txBox="1"/>
+            <p:nvPr/>
+          </p:nvSpPr>
+          <p:spPr>
+            <a:xfrm>
+              <a:off x="5484980" y="2233780"/>
+              <a:ext cx="2214785" cy="213463"/>
+            </a:xfrm>
+            <a:prstGeom prst="rect">
+              <a:avLst/>
+            </a:prstGeom>
+            <a:noFill/>
+          </p:spPr>
+          <p:txBody>
+            <a:bodyPr wrap="square" rtlCol="0">
+              <a:spAutoFit/>
+            </a:bodyPr>
+            <a:lstStyle/>
+            <a:p>
+              <a:pPr algn="ctr"/>
+              <a:r>
+                <a:rPr lang="en-US" altLang="ko-KR" sz="2000" b="1" dirty="0" smtClean="0">
+                  <a:solidFill>
+                    <a:schemeClr val="bg2">
+                      <a:lumMod val="25000"/>
+                    </a:schemeClr>
+                  </a:solidFill>
+                </a:rPr>
+                <a:t>OS</a:t>
+              </a:r>
+              <a:endParaRPr lang="ko-KR" altLang="en-US" sz="2000" b="1">
+                <a:solidFill>
+                  <a:schemeClr val="bg2">
+                    <a:lumMod val="25000"/>
+                  </a:schemeClr>
+                </a:solidFill>
+              </a:endParaRPr>
+            </a:p>
+          </p:txBody>
+        </p:sp>
+        <p:cxnSp>
+          <p:nvCxnSpPr>
+            <p:cNvPr id="25" name="직선 연결선 24"/>
+            <p:cNvCxnSpPr/>
+            <p:nvPr/>
+          </p:nvCxnSpPr>
+          <p:spPr>
+            <a:xfrm>
+              <a:off x="6577499" y="2529082"/>
+              <a:ext cx="34928" cy="2973895"/>
+            </a:xfrm>
+            <a:prstGeom prst="line">
+              <a:avLst/>
+            </a:prstGeom>
+            <a:ln w="57150">
+              <a:solidFill>
+                <a:schemeClr val="accent1">
+                  <a:lumMod val="50000"/>
+                </a:schemeClr>
+              </a:solidFill>
+            </a:ln>
+          </p:spPr>
+          <p:style>
+            <a:lnRef idx="1">
+              <a:schemeClr val="accent1"/>
+            </a:lnRef>
+            <a:fillRef idx="0">
+              <a:schemeClr val="accent1"/>
+            </a:fillRef>
+            <a:effectRef idx="0">
+              <a:schemeClr val="accent1"/>
+            </a:effectRef>
+            <a:fontRef idx="minor">
+              <a:schemeClr val="tx1"/>
+            </a:fontRef>
+          </p:style>
+        </p:cxnSp>
+      </p:grpSp>
+      <p:sp>
+        <p:nvSpPr>
+          <p:cNvPr id="26" name="TextBox 25"/>
+          <p:cNvSpPr txBox="1"/>
+          <p:nvPr/>
+        </p:nvSpPr>
+        <p:spPr>
+          <a:xfrm>
+            <a:off x="3697487" y="3113486"/>
+            <a:ext cx="2372435" cy="369332"/>
+          </a:xfrm>
+          <a:prstGeom prst="rect">
+            <a:avLst/>
+          </a:prstGeom>
+          <a:solidFill>
+            <a:schemeClr val="accent6">
+              <a:lumMod val="20000"/>
+              <a:lumOff val="80000"/>
+            </a:schemeClr>
+          </a:solidFill>
+        </p:spPr>
+        <p:txBody>
+          <a:bodyPr wrap="square" rtlCol="0">
+            <a:spAutoFit/>
+          </a:bodyPr>
+          <a:lstStyle/>
+          <a:p>
+            <a:pPr algn="ctr"/>
+            <a:r>
+              <a:rPr lang="en-US" altLang="ko-KR" b="1" dirty="0" err="1" smtClean="0">
+                <a:solidFill>
+                  <a:schemeClr val="accent6">
+                    <a:lumMod val="50000"/>
+                  </a:schemeClr>
+                </a:solidFill>
+              </a:rPr>
+              <a:t>Get_Speed</a:t>
+            </a:r>
+            <a:endParaRPr lang="ko-KR" altLang="en-US" b="1">
+              <a:solidFill>
+                <a:schemeClr val="accent6">
+                  <a:lumMod val="50000"/>
+                </a:schemeClr>
+              </a:solidFill>
+            </a:endParaRPr>
+          </a:p>
+        </p:txBody>
+      </p:sp>
+      <p:grpSp>
+        <p:nvGrpSpPr>
+          <p:cNvPr id="31" name="그룹 30"/>
+          <p:cNvGrpSpPr/>
+          <p:nvPr/>
+        </p:nvGrpSpPr>
+        <p:grpSpPr>
+          <a:xfrm>
+            <a:off x="15138700" y="1983783"/>
+            <a:ext cx="1518834" cy="7315200"/>
+            <a:chOff x="706420" y="1983783"/>
+            <a:chExt cx="1518834" cy="7020732"/>
+          </a:xfrm>
+        </p:grpSpPr>
+        <p:sp>
+          <p:nvSpPr>
+            <p:cNvPr id="32" name="모서리가 둥근 직사각형 31"/>
+            <p:cNvSpPr/>
+            <p:nvPr/>
+          </p:nvSpPr>
+          <p:spPr>
+            <a:xfrm>
+              <a:off x="835837" y="1983783"/>
+              <a:ext cx="1260000" cy="7020732"/>
+            </a:xfrm>
+            <a:prstGeom prst="roundRect">
+              <a:avLst/>
+            </a:prstGeom>
+            <a:noFill/>
+            <a:ln w="28575">
+              <a:solidFill>
+                <a:schemeClr val="accent5">
+                  <a:lumMod val="60000"/>
+                  <a:lumOff val="40000"/>
+                </a:schemeClr>
+              </a:solidFill>
+            </a:ln>
+          </p:spPr>
+          <p:style>
+            <a:lnRef idx="2">
+              <a:schemeClr val="accent1">
+                <a:shade val="50000"/>
+              </a:schemeClr>
+            </a:lnRef>
+            <a:fillRef idx="1">
+              <a:schemeClr val="accent1"/>
+            </a:fillRef>
+            <a:effectRef idx="0">
+              <a:schemeClr val="accent1"/>
+            </a:effectRef>
+            <a:fontRef idx="minor">
+              <a:schemeClr val="lt1"/>
+            </a:fontRef>
+          </p:style>
+          <p:txBody>
+            <a:bodyPr rtlCol="0" anchor="ctr"/>
+            <a:lstStyle/>
+            <a:p>
+              <a:pPr algn="ctr"/>
+              <a:endParaRPr lang="ko-KR" altLang="en-US"/>
+            </a:p>
+          </p:txBody>
+        </p:sp>
+        <p:sp>
+          <p:nvSpPr>
+            <p:cNvPr id="33" name="TextBox 32"/>
+            <p:cNvSpPr txBox="1"/>
+            <p:nvPr/>
+          </p:nvSpPr>
+          <p:spPr>
+            <a:xfrm>
+              <a:off x="706420" y="1983783"/>
+              <a:ext cx="1518834" cy="502158"/>
+            </a:xfrm>
+            <a:prstGeom prst="rect">
+              <a:avLst/>
+            </a:prstGeom>
+            <a:noFill/>
+          </p:spPr>
+          <p:txBody>
+            <a:bodyPr wrap="square" rtlCol="0">
+              <a:spAutoFit/>
+            </a:bodyPr>
+            <a:lstStyle/>
+            <a:p>
+              <a:pPr algn="ctr"/>
+              <a:r>
+                <a:rPr lang="en-US" altLang="ko-KR" sz="2800" b="1" dirty="0" smtClean="0">
+                  <a:solidFill>
+                    <a:schemeClr val="accent1">
+                      <a:lumMod val="50000"/>
+                    </a:schemeClr>
+                  </a:solidFill>
+                </a:rPr>
+                <a:t>APP1</a:t>
+              </a:r>
+              <a:endParaRPr lang="ko-KR" altLang="en-US" sz="2000" b="1">
+                <a:solidFill>
+                  <a:schemeClr val="accent1">
+                    <a:lumMod val="50000"/>
+                  </a:schemeClr>
+                </a:solidFill>
+              </a:endParaRPr>
+            </a:p>
+          </p:txBody>
+        </p:sp>
+        <p:cxnSp>
+          <p:nvCxnSpPr>
+            <p:cNvPr id="34" name="직선 연결선 33"/>
+            <p:cNvCxnSpPr/>
+            <p:nvPr/>
+          </p:nvCxnSpPr>
+          <p:spPr>
+            <a:xfrm>
+              <a:off x="1465837" y="2507003"/>
+              <a:ext cx="0" cy="6327032"/>
+            </a:xfrm>
+            <a:prstGeom prst="line">
+              <a:avLst/>
+            </a:prstGeom>
+            <a:ln w="57150">
+              <a:solidFill>
+                <a:schemeClr val="accent5">
+                  <a:lumMod val="50000"/>
+                </a:schemeClr>
+              </a:solidFill>
+            </a:ln>
+          </p:spPr>
+          <p:style>
+            <a:lnRef idx="1">
+              <a:schemeClr val="accent1"/>
+            </a:lnRef>
+            <a:fillRef idx="0">
+              <a:schemeClr val="accent1"/>
+            </a:fillRef>
+            <a:effectRef idx="0">
+              <a:schemeClr val="accent1"/>
+            </a:effectRef>
+            <a:fontRef idx="minor">
+              <a:schemeClr val="tx1"/>
+            </a:fontRef>
+          </p:style>
+        </p:cxnSp>
+      </p:grpSp>
+      <p:sp>
+        <p:nvSpPr>
+          <p:cNvPr id="4" name="오른쪽으로 구부러진 화살표 3"/>
+          <p:cNvSpPr/>
+          <p:nvPr/>
+        </p:nvSpPr>
+        <p:spPr>
+          <a:xfrm flipH="1" flipV="1">
+            <a:off x="1465837" y="2548653"/>
+            <a:ext cx="1260000" cy="780141"/>
+          </a:xfrm>
+          <a:prstGeom prst="curvedRightArrow">
+            <a:avLst/>
+          </a:prstGeom>
+          <a:solidFill>
+            <a:srgbClr val="FFD966"/>
+          </a:solidFill>
+        </p:spPr>
+        <p:style>
+          <a:lnRef idx="2">
+            <a:schemeClr val="accent4">
+              <a:shade val="50000"/>
+            </a:schemeClr>
+          </a:lnRef>
+          <a:fillRef idx="1">
+            <a:schemeClr val="accent4"/>
+          </a:fillRef>
+          <a:effectRef idx="0">
+            <a:schemeClr val="accent4"/>
+          </a:effectRef>
+          <a:fontRef idx="minor">
+            <a:schemeClr val="lt1"/>
+          </a:fontRef>
+        </p:style>
+        <p:txBody>
+          <a:bodyPr rtlCol="0" anchor="ctr"/>
+          <a:lstStyle/>
+          <a:p>
+            <a:pPr algn="ctr"/>
+            <a:endParaRPr lang="ko-KR" altLang="en-US">
+              <a:solidFill>
+                <a:schemeClr val="tx1"/>
+              </a:solidFill>
+            </a:endParaRPr>
+          </a:p>
+        </p:txBody>
+      </p:sp>
+      <p:sp>
+        <p:nvSpPr>
+          <p:cNvPr id="39" name="TextBox 38"/>
+          <p:cNvSpPr txBox="1"/>
+          <p:nvPr/>
+        </p:nvSpPr>
+        <p:spPr>
+          <a:xfrm>
+            <a:off x="1947010" y="4060936"/>
+            <a:ext cx="6232823" cy="2862322"/>
+          </a:xfrm>
+          <a:prstGeom prst="rect">
+            <a:avLst/>
+          </a:prstGeom>
+          <a:solidFill>
+            <a:schemeClr val="bg1"/>
+          </a:solidFill>
+          <a:ln>
+            <a:solidFill>
+              <a:schemeClr val="bg2">
+                <a:lumMod val="75000"/>
+              </a:schemeClr>
+            </a:solidFill>
+          </a:ln>
+        </p:spPr>
+        <p:txBody>
+          <a:bodyPr wrap="square" rtlCol="0" anchor="ctr">
+            <a:spAutoFit/>
+          </a:bodyPr>
+          <a:lstStyle/>
+          <a:p>
+            <a:r>
+              <a:rPr lang="en-US" altLang="ko-KR" sz="2000" b="1" dirty="0">
+                <a:latin typeface="LG스마트체 Regular" panose="020B0600000101010101" pitchFamily="50" charset="-127"/>
+                <a:ea typeface="LG스마트체 Regular" panose="020B0600000101010101" pitchFamily="50" charset="-127"/>
+              </a:rPr>
+              <a:t>for(;;)</a:t>
+            </a:r>
+          </a:p>
+          <a:p>
+            <a:r>
+              <a:rPr lang="en-US" altLang="ko-KR" sz="2000" dirty="0" smtClean="0">
+                <a:latin typeface="LG스마트체 Regular" panose="020B0600000101010101" pitchFamily="50" charset="-127"/>
+                <a:ea typeface="LG스마트체 Regular" panose="020B0600000101010101" pitchFamily="50" charset="-127"/>
+              </a:rPr>
+              <a:t>{</a:t>
+            </a:r>
+          </a:p>
+          <a:p>
+            <a:r>
+              <a:rPr lang="en-US" altLang="ko-KR" sz="2000" dirty="0">
+                <a:latin typeface="LG스마트체 Regular" panose="020B0600000101010101" pitchFamily="50" charset="-127"/>
+                <a:ea typeface="LG스마트체 Regular" panose="020B0600000101010101" pitchFamily="50" charset="-127"/>
+              </a:rPr>
+              <a:t> </a:t>
+            </a:r>
+            <a:r>
+              <a:rPr lang="en-US" altLang="ko-KR" sz="2000" dirty="0" smtClean="0">
+                <a:latin typeface="LG스마트체 Regular" panose="020B0600000101010101" pitchFamily="50" charset="-127"/>
+                <a:ea typeface="LG스마트체 Regular" panose="020B0600000101010101" pitchFamily="50" charset="-127"/>
+              </a:rPr>
+              <a:t>1. </a:t>
+            </a:r>
+            <a:r>
+              <a:rPr lang="en-US" altLang="ko-KR" sz="2000" dirty="0" err="1" smtClean="0">
+                <a:latin typeface="LG스마트체 Regular" panose="020B0600000101010101" pitchFamily="50" charset="-127"/>
+                <a:ea typeface="LG스마트체 Regular" panose="020B0600000101010101" pitchFamily="50" charset="-127"/>
+              </a:rPr>
+              <a:t>car_speed</a:t>
+            </a:r>
+            <a:r>
+              <a:rPr lang="ko-KR" altLang="en-US" sz="2000" smtClean="0">
+                <a:latin typeface="LG스마트체 Regular" panose="020B0600000101010101" pitchFamily="50" charset="-127"/>
+                <a:ea typeface="LG스마트체 Regular" panose="020B0600000101010101" pitchFamily="50" charset="-127"/>
+              </a:rPr>
+              <a:t>를 통한 전진</a:t>
+            </a:r>
+            <a:r>
+              <a:rPr lang="en-US" altLang="ko-KR" sz="2000" dirty="0" smtClean="0">
+                <a:latin typeface="LG스마트체 Regular" panose="020B0600000101010101" pitchFamily="50" charset="-127"/>
+                <a:ea typeface="LG스마트체 Regular" panose="020B0600000101010101" pitchFamily="50" charset="-127"/>
+              </a:rPr>
+              <a:t>, </a:t>
+            </a:r>
+            <a:r>
+              <a:rPr lang="ko-KR" altLang="en-US" sz="2000" smtClean="0">
+                <a:latin typeface="LG스마트체 Regular" panose="020B0600000101010101" pitchFamily="50" charset="-127"/>
+                <a:ea typeface="LG스마트체 Regular" panose="020B0600000101010101" pitchFamily="50" charset="-127"/>
+              </a:rPr>
+              <a:t>후진 판단</a:t>
+            </a:r>
+            <a:endParaRPr lang="en-US" altLang="ko-KR" sz="2000" dirty="0" smtClean="0">
+              <a:latin typeface="LG스마트체 Regular" panose="020B0600000101010101" pitchFamily="50" charset="-127"/>
+              <a:ea typeface="LG스마트체 Regular" panose="020B0600000101010101" pitchFamily="50" charset="-127"/>
+            </a:endParaRPr>
+          </a:p>
+          <a:p>
+            <a:r>
+              <a:rPr lang="en-US" altLang="ko-KR" sz="2000" dirty="0">
+                <a:latin typeface="LG스마트체 Regular" panose="020B0600000101010101" pitchFamily="50" charset="-127"/>
+                <a:ea typeface="LG스마트체 Regular" panose="020B0600000101010101" pitchFamily="50" charset="-127"/>
+              </a:rPr>
+              <a:t> </a:t>
+            </a:r>
+            <a:r>
+              <a:rPr lang="en-US" altLang="ko-KR" sz="2000" dirty="0" smtClean="0">
+                <a:latin typeface="LG스마트체 Regular" panose="020B0600000101010101" pitchFamily="50" charset="-127"/>
+                <a:ea typeface="LG스마트체 Regular" panose="020B0600000101010101" pitchFamily="50" charset="-127"/>
+              </a:rPr>
+              <a:t>2. </a:t>
+            </a:r>
+            <a:r>
+              <a:rPr lang="ko-KR" altLang="en-US" sz="2000" smtClean="0">
+                <a:latin typeface="LG스마트체 Regular" panose="020B0600000101010101" pitchFamily="50" charset="-127"/>
+                <a:ea typeface="LG스마트체 Regular" panose="020B0600000101010101" pitchFamily="50" charset="-127"/>
+              </a:rPr>
+              <a:t>단위 변환 </a:t>
+            </a:r>
+            <a:r>
+              <a:rPr lang="en-US" altLang="ko-KR" sz="2000" dirty="0" smtClean="0">
+                <a:latin typeface="LG스마트체 Regular" panose="020B0600000101010101" pitchFamily="50" charset="-127"/>
+                <a:ea typeface="LG스마트체 Regular" panose="020B0600000101010101" pitchFamily="50" charset="-127"/>
+              </a:rPr>
+              <a:t>(100</a:t>
+            </a:r>
+            <a:r>
+              <a:rPr lang="ko-KR" altLang="en-US" sz="2000" smtClean="0">
+                <a:latin typeface="LG스마트체 Regular" panose="020B0600000101010101" pitchFamily="50" charset="-127"/>
+                <a:ea typeface="LG스마트체 Regular" panose="020B0600000101010101" pitchFamily="50" charset="-127"/>
+              </a:rPr>
+              <a:t>자리 </a:t>
+            </a:r>
+            <a:r>
+              <a:rPr lang="en-US" altLang="ko-KR" sz="2000" dirty="0" smtClean="0">
+                <a:latin typeface="LG스마트체 Regular" panose="020B0600000101010101" pitchFamily="50" charset="-127"/>
+                <a:ea typeface="LG스마트체 Regular" panose="020B0600000101010101" pitchFamily="50" charset="-127"/>
+              </a:rPr>
+              <a:t>&lt;-&gt; 10</a:t>
+            </a:r>
+            <a:r>
+              <a:rPr lang="ko-KR" altLang="en-US" sz="2000" smtClean="0">
+                <a:latin typeface="LG스마트체 Regular" panose="020B0600000101010101" pitchFamily="50" charset="-127"/>
+                <a:ea typeface="LG스마트체 Regular" panose="020B0600000101010101" pitchFamily="50" charset="-127"/>
+              </a:rPr>
+              <a:t>자리</a:t>
+            </a:r>
+            <a:r>
+              <a:rPr lang="en-US" altLang="ko-KR" sz="2000" dirty="0" smtClean="0">
+                <a:latin typeface="LG스마트체 Regular" panose="020B0600000101010101" pitchFamily="50" charset="-127"/>
+                <a:ea typeface="LG스마트체 Regular" panose="020B0600000101010101" pitchFamily="50" charset="-127"/>
+              </a:rPr>
+              <a:t>)</a:t>
+            </a:r>
+            <a:r>
+              <a:rPr lang="ko-KR" altLang="en-US" sz="2000">
+                <a:latin typeface="LG스마트체 Regular" panose="020B0600000101010101" pitchFamily="50" charset="-127"/>
+                <a:ea typeface="LG스마트체 Regular" panose="020B0600000101010101" pitchFamily="50" charset="-127"/>
+              </a:rPr>
+              <a:t> </a:t>
+            </a:r>
+            <a:r>
+              <a:rPr lang="en-US" altLang="ko-KR" sz="2000" dirty="0" smtClean="0">
+                <a:latin typeface="LG스마트체 Regular" panose="020B0600000101010101" pitchFamily="50" charset="-127"/>
+                <a:ea typeface="LG스마트체 Regular" panose="020B0600000101010101" pitchFamily="50" charset="-127"/>
+              </a:rPr>
+              <a:t>LCD </a:t>
+            </a:r>
+            <a:r>
+              <a:rPr lang="ko-KR" altLang="en-US" sz="2000" smtClean="0">
+                <a:latin typeface="LG스마트체 Regular" panose="020B0600000101010101" pitchFamily="50" charset="-127"/>
+                <a:ea typeface="LG스마트체 Regular" panose="020B0600000101010101" pitchFamily="50" charset="-127"/>
+              </a:rPr>
+              <a:t>처리</a:t>
+            </a:r>
+            <a:endParaRPr lang="en-US" altLang="ko-KR" sz="2000" dirty="0" smtClean="0">
+              <a:latin typeface="LG스마트체 Regular" panose="020B0600000101010101" pitchFamily="50" charset="-127"/>
+              <a:ea typeface="LG스마트체 Regular" panose="020B0600000101010101" pitchFamily="50" charset="-127"/>
+            </a:endParaRPr>
+          </a:p>
+          <a:p>
+            <a:r>
+              <a:rPr lang="en-US" altLang="ko-KR" sz="2000" dirty="0">
+                <a:latin typeface="LG스마트체 Regular" panose="020B0600000101010101" pitchFamily="50" charset="-127"/>
+                <a:ea typeface="LG스마트체 Regular" panose="020B0600000101010101" pitchFamily="50" charset="-127"/>
+              </a:rPr>
+              <a:t>  </a:t>
+            </a:r>
+            <a:r>
+              <a:rPr lang="en-US" altLang="ko-KR" sz="2000" dirty="0" smtClean="0">
+                <a:latin typeface="LG스마트체 Regular" panose="020B0600000101010101" pitchFamily="50" charset="-127"/>
+                <a:ea typeface="LG스마트체 Regular" panose="020B0600000101010101" pitchFamily="50" charset="-127"/>
+              </a:rPr>
+              <a:t>* </a:t>
+            </a:r>
+            <a:r>
+              <a:rPr lang="en-US" altLang="ko-KR" sz="2000" b="1" dirty="0">
+                <a:latin typeface="LG스마트체 Regular" panose="020B0600000101010101" pitchFamily="50" charset="-127"/>
+                <a:ea typeface="LG스마트체 Regular" panose="020B0600000101010101" pitchFamily="50" charset="-127"/>
+              </a:rPr>
+              <a:t>if</a:t>
+            </a:r>
+            <a:r>
+              <a:rPr lang="en-US" altLang="ko-KR" sz="2000" b="1" dirty="0" smtClean="0">
+                <a:latin typeface="LG스마트체 Regular" panose="020B0600000101010101" pitchFamily="50" charset="-127"/>
+                <a:ea typeface="LG스마트체 Regular" panose="020B0600000101010101" pitchFamily="50" charset="-127"/>
+              </a:rPr>
+              <a:t>((</a:t>
+            </a:r>
+            <a:r>
+              <a:rPr lang="en-US" altLang="ko-KR" sz="2000" b="1" dirty="0" err="1" smtClean="0">
+                <a:latin typeface="LG스마트체 Regular" panose="020B0600000101010101" pitchFamily="50" charset="-127"/>
+                <a:ea typeface="LG스마트체 Regular" panose="020B0600000101010101" pitchFamily="50" charset="-127"/>
+              </a:rPr>
+              <a:t>car_speed</a:t>
+            </a:r>
+            <a:r>
+              <a:rPr lang="en-US" altLang="ko-KR" sz="2000" b="1" dirty="0" smtClean="0">
+                <a:latin typeface="LG스마트체 Regular" panose="020B0600000101010101" pitchFamily="50" charset="-127"/>
+                <a:ea typeface="LG스마트체 Regular" panose="020B0600000101010101" pitchFamily="50" charset="-127"/>
+              </a:rPr>
+              <a:t> </a:t>
+            </a:r>
+            <a:r>
+              <a:rPr lang="en-US" altLang="ko-KR" sz="2000" b="1" dirty="0">
+                <a:latin typeface="LG스마트체 Regular" panose="020B0600000101010101" pitchFamily="50" charset="-127"/>
+                <a:ea typeface="LG스마트체 Regular" panose="020B0600000101010101" pitchFamily="50" charset="-127"/>
+              </a:rPr>
+              <a:t>!= </a:t>
+            </a:r>
+            <a:r>
+              <a:rPr lang="en-US" altLang="ko-KR" sz="2000" b="1" dirty="0" err="1" smtClean="0">
+                <a:latin typeface="LG스마트체 Regular" panose="020B0600000101010101" pitchFamily="50" charset="-127"/>
+                <a:ea typeface="LG스마트체 Regular" panose="020B0600000101010101" pitchFamily="50" charset="-127"/>
+              </a:rPr>
+              <a:t>car_speed_prv</a:t>
+            </a:r>
+            <a:r>
+              <a:rPr lang="en-US" altLang="ko-KR" sz="2000" b="1" dirty="0">
+                <a:latin typeface="LG스마트체 Regular" panose="020B0600000101010101" pitchFamily="50" charset="-127"/>
+                <a:ea typeface="LG스마트체 Regular" panose="020B0600000101010101" pitchFamily="50" charset="-127"/>
+              </a:rPr>
+              <a:t>) </a:t>
+            </a:r>
+            <a:r>
+              <a:rPr lang="en-US" altLang="ko-KR" sz="2000" b="1" dirty="0" smtClean="0">
+                <a:latin typeface="LG스마트체 Regular" panose="020B0600000101010101" pitchFamily="50" charset="-127"/>
+                <a:ea typeface="LG스마트체 Regular" panose="020B0600000101010101" pitchFamily="50" charset="-127"/>
+              </a:rPr>
+              <a:t> &amp;&amp; </a:t>
+            </a:r>
+          </a:p>
+          <a:p>
+            <a:r>
+              <a:rPr lang="en-US" altLang="ko-KR" sz="2000" b="1" dirty="0">
+                <a:latin typeface="LG스마트체 Regular" panose="020B0600000101010101" pitchFamily="50" charset="-127"/>
+                <a:ea typeface="LG스마트체 Regular" panose="020B0600000101010101" pitchFamily="50" charset="-127"/>
+              </a:rPr>
+              <a:t> </a:t>
+            </a:r>
+            <a:r>
+              <a:rPr lang="en-US" altLang="ko-KR" sz="2000" b="1" dirty="0" smtClean="0">
+                <a:latin typeface="LG스마트체 Regular" panose="020B0600000101010101" pitchFamily="50" charset="-127"/>
+                <a:ea typeface="LG스마트체 Regular" panose="020B0600000101010101" pitchFamily="50" charset="-127"/>
+              </a:rPr>
+              <a:t>        (</a:t>
+            </a:r>
+            <a:r>
+              <a:rPr lang="en-US" altLang="ko-KR" sz="2000" b="1" dirty="0" err="1" smtClean="0">
+                <a:latin typeface="LG스마트체 Regular" panose="020B0600000101010101" pitchFamily="50" charset="-127"/>
+                <a:ea typeface="LG스마트체 Regular" panose="020B0600000101010101" pitchFamily="50" charset="-127"/>
+              </a:rPr>
+              <a:t>car_speed_prv</a:t>
+            </a:r>
+            <a:r>
+              <a:rPr lang="en-US" altLang="ko-KR" sz="2000" b="1" dirty="0" smtClean="0">
+                <a:latin typeface="LG스마트체 Regular" panose="020B0600000101010101" pitchFamily="50" charset="-127"/>
+                <a:ea typeface="LG스마트체 Regular" panose="020B0600000101010101" pitchFamily="50" charset="-127"/>
+              </a:rPr>
+              <a:t> </a:t>
+            </a:r>
+            <a:r>
+              <a:rPr lang="en-US" altLang="ko-KR" sz="2000" b="1" dirty="0">
+                <a:latin typeface="LG스마트체 Regular" panose="020B0600000101010101" pitchFamily="50" charset="-127"/>
+                <a:ea typeface="LG스마트체 Regular" panose="020B0600000101010101" pitchFamily="50" charset="-127"/>
+              </a:rPr>
+              <a:t>== 100</a:t>
+            </a:r>
+            <a:r>
+              <a:rPr lang="en-US" altLang="ko-KR" sz="2000" b="1" dirty="0" smtClean="0">
+                <a:latin typeface="LG스마트체 Regular" panose="020B0600000101010101" pitchFamily="50" charset="-127"/>
+                <a:ea typeface="LG스마트체 Regular" panose="020B0600000101010101" pitchFamily="50" charset="-127"/>
+              </a:rPr>
+              <a:t>))</a:t>
+            </a:r>
+            <a:endParaRPr lang="en-US" altLang="ko-KR" sz="2000" dirty="0" smtClean="0">
+              <a:latin typeface="LG스마트체 Regular" panose="020B0600000101010101" pitchFamily="50" charset="-127"/>
+              <a:ea typeface="LG스마트체 Regular" panose="020B0600000101010101" pitchFamily="50" charset="-127"/>
+            </a:endParaRPr>
+          </a:p>
+          <a:p>
+            <a:r>
+              <a:rPr lang="en-US" altLang="ko-KR" sz="2000" dirty="0">
+                <a:latin typeface="LG스마트체 Regular" panose="020B0600000101010101" pitchFamily="50" charset="-127"/>
+                <a:ea typeface="LG스마트체 Regular" panose="020B0600000101010101" pitchFamily="50" charset="-127"/>
+              </a:rPr>
+              <a:t> </a:t>
+            </a:r>
+            <a:r>
+              <a:rPr lang="en-US" altLang="ko-KR" sz="2000" dirty="0" smtClean="0">
+                <a:latin typeface="LG스마트체 Regular" panose="020B0600000101010101" pitchFamily="50" charset="-127"/>
+                <a:ea typeface="LG스마트체 Regular" panose="020B0600000101010101" pitchFamily="50" charset="-127"/>
+              </a:rPr>
+              <a:t>3. </a:t>
+            </a:r>
+            <a:r>
+              <a:rPr lang="ko-KR" altLang="en-US" sz="2000" smtClean="0">
+                <a:latin typeface="LG스마트체 Regular" panose="020B0600000101010101" pitchFamily="50" charset="-127"/>
+                <a:ea typeface="LG스마트체 Regular" panose="020B0600000101010101" pitchFamily="50" charset="-127"/>
+              </a:rPr>
+              <a:t>차량 이미지 처리 </a:t>
+            </a:r>
+            <a:endParaRPr lang="en-US" altLang="ko-KR" sz="2000" dirty="0" smtClean="0">
+              <a:latin typeface="LG스마트체 Regular" panose="020B0600000101010101" pitchFamily="50" charset="-127"/>
+              <a:ea typeface="LG스마트체 Regular" panose="020B0600000101010101" pitchFamily="50" charset="-127"/>
+            </a:endParaRPr>
+          </a:p>
+          <a:p>
+            <a:r>
+              <a:rPr lang="en-US" altLang="ko-KR" sz="2000" dirty="0">
+                <a:latin typeface="LG스마트체 Regular" panose="020B0600000101010101" pitchFamily="50" charset="-127"/>
+                <a:ea typeface="LG스마트체 Regular" panose="020B0600000101010101" pitchFamily="50" charset="-127"/>
+              </a:rPr>
+              <a:t> </a:t>
+            </a:r>
+            <a:r>
+              <a:rPr lang="en-US" altLang="ko-KR" sz="2000" dirty="0" smtClean="0">
+                <a:latin typeface="LG스마트체 Regular" panose="020B0600000101010101" pitchFamily="50" charset="-127"/>
+                <a:ea typeface="LG스마트체 Regular" panose="020B0600000101010101" pitchFamily="50" charset="-127"/>
+              </a:rPr>
+              <a:t>4. </a:t>
+            </a:r>
+            <a:r>
+              <a:rPr lang="en-US" altLang="ko-KR" sz="2000" dirty="0" err="1" smtClean="0">
+                <a:latin typeface="LG스마트체 Regular" panose="020B0600000101010101" pitchFamily="50" charset="-127"/>
+                <a:ea typeface="LG스마트체 Regular" panose="020B0600000101010101" pitchFamily="50" charset="-127"/>
+              </a:rPr>
+              <a:t>car_speed</a:t>
+            </a:r>
+            <a:r>
+              <a:rPr lang="ko-KR" altLang="en-US" sz="2000" smtClean="0">
+                <a:latin typeface="LG스마트체 Regular" panose="020B0600000101010101" pitchFamily="50" charset="-127"/>
+                <a:ea typeface="LG스마트체 Regular" panose="020B0600000101010101" pitchFamily="50" charset="-127"/>
+              </a:rPr>
+              <a:t>에 따른 이미지 전환 지연 처리</a:t>
+            </a:r>
+            <a:endParaRPr lang="en-US" altLang="ko-KR" sz="2000" dirty="0">
+              <a:latin typeface="LG스마트체 Regular" panose="020B0600000101010101" pitchFamily="50" charset="-127"/>
+              <a:ea typeface="LG스마트체 Regular" panose="020B0600000101010101" pitchFamily="50" charset="-127"/>
+            </a:endParaRPr>
+          </a:p>
+          <a:p>
+            <a:r>
+              <a:rPr lang="en-US" altLang="ko-KR" sz="2000" b="1" dirty="0" smtClean="0">
+                <a:latin typeface="LG스마트체 Regular" panose="020B0600000101010101" pitchFamily="50" charset="-127"/>
+                <a:ea typeface="LG스마트체 Regular" panose="020B0600000101010101" pitchFamily="50" charset="-127"/>
+              </a:rPr>
+              <a:t>}</a:t>
+            </a:r>
+            <a:endParaRPr lang="en-US" altLang="ko-KR" sz="2000" b="1" dirty="0">
+              <a:latin typeface="LG스마트체 Regular" panose="020B0600000101010101" pitchFamily="50" charset="-127"/>
+              <a:ea typeface="LG스마트체 Regular" panose="020B0600000101010101" pitchFamily="50" charset="-127"/>
+            </a:endParaRPr>
+          </a:p>
+        </p:txBody>
+      </p:sp>
+      <p:sp>
+        <p:nvSpPr>
+          <p:cNvPr id="40" name="TextBox 39"/>
+          <p:cNvSpPr txBox="1"/>
+          <p:nvPr/>
+        </p:nvSpPr>
+        <p:spPr>
+          <a:xfrm>
+            <a:off x="2398067" y="2292104"/>
+            <a:ext cx="2372435" cy="369332"/>
+          </a:xfrm>
+          <a:prstGeom prst="rect">
+            <a:avLst/>
+          </a:prstGeom>
+          <a:solidFill>
+            <a:schemeClr val="accent6">
+              <a:lumMod val="20000"/>
+              <a:lumOff val="80000"/>
+            </a:schemeClr>
+          </a:solidFill>
+        </p:spPr>
+        <p:txBody>
+          <a:bodyPr wrap="square" rtlCol="0">
+            <a:spAutoFit/>
+          </a:bodyPr>
+          <a:lstStyle/>
+          <a:p>
+            <a:pPr algn="ctr"/>
+            <a:r>
+              <a:rPr lang="en-US" altLang="ko-KR" b="1" dirty="0"/>
+              <a:t>if(</a:t>
+            </a:r>
+            <a:r>
+              <a:rPr lang="en-US" altLang="ko-KR" b="1" dirty="0" err="1"/>
+              <a:t>car_speed</a:t>
+            </a:r>
+            <a:r>
+              <a:rPr lang="en-US" altLang="ko-KR" b="1" dirty="0"/>
+              <a:t> != 8000)</a:t>
+            </a:r>
+            <a:endParaRPr lang="ko-KR" altLang="en-US" b="1">
+              <a:solidFill>
+                <a:schemeClr val="accent6">
+                  <a:lumMod val="50000"/>
+                </a:schemeClr>
+              </a:solidFill>
+            </a:endParaRPr>
+          </a:p>
+        </p:txBody>
+      </p:sp>
+      <p:sp>
+        <p:nvSpPr>
+          <p:cNvPr id="44" name="왼쪽/오른쪽 화살표 43"/>
+          <p:cNvSpPr/>
+          <p:nvPr/>
+        </p:nvSpPr>
+        <p:spPr>
+          <a:xfrm>
+            <a:off x="1524514" y="3549842"/>
+            <a:ext cx="7142589" cy="241706"/>
+          </a:xfrm>
+          <a:prstGeom prst="leftRightArrow">
+            <a:avLst/>
+          </a:prstGeom>
+          <a:solidFill>
+            <a:srgbClr val="FFD966"/>
+          </a:solidFill>
+          <a:ln>
+            <a:solidFill>
+              <a:schemeClr val="bg1">
+                <a:lumMod val="50000"/>
+              </a:schemeClr>
+            </a:solidFill>
+          </a:ln>
+        </p:spPr>
+        <p:style>
+          <a:lnRef idx="2">
+            <a:schemeClr val="accent1">
+              <a:shade val="50000"/>
+            </a:schemeClr>
+          </a:lnRef>
+          <a:fillRef idx="1">
+            <a:schemeClr val="accent1"/>
+          </a:fillRef>
+          <a:effectRef idx="0">
+            <a:schemeClr val="accent1"/>
+          </a:effectRef>
+          <a:fontRef idx="minor">
+            <a:schemeClr val="lt1"/>
+          </a:fontRef>
+        </p:style>
+        <p:txBody>
+          <a:bodyPr rtlCol="0" anchor="ctr"/>
+          <a:lstStyle/>
+          <a:p>
+            <a:pPr algn="ctr"/>
+            <a:endParaRPr lang="ko-KR" altLang="en-US"/>
+          </a:p>
+        </p:txBody>
+      </p:sp>
+      <p:sp>
+        <p:nvSpPr>
+          <p:cNvPr id="45" name="왼쪽/오른쪽 화살표 44"/>
+          <p:cNvSpPr/>
+          <p:nvPr/>
+        </p:nvSpPr>
+        <p:spPr>
+          <a:xfrm>
+            <a:off x="8747043" y="4297529"/>
+            <a:ext cx="7142589" cy="241706"/>
+          </a:xfrm>
+          <a:prstGeom prst="leftRightArrow">
+            <a:avLst/>
+          </a:prstGeom>
+          <a:solidFill>
+            <a:srgbClr val="FFD966"/>
+          </a:solidFill>
+          <a:ln>
+            <a:solidFill>
+              <a:schemeClr val="bg1">
+                <a:lumMod val="50000"/>
+              </a:schemeClr>
+            </a:solidFill>
+          </a:ln>
+        </p:spPr>
+        <p:style>
+          <a:lnRef idx="2">
+            <a:schemeClr val="accent1">
+              <a:shade val="50000"/>
+            </a:schemeClr>
+          </a:lnRef>
+          <a:fillRef idx="1">
+            <a:schemeClr val="accent1"/>
+          </a:fillRef>
+          <a:effectRef idx="0">
+            <a:schemeClr val="accent1"/>
+          </a:effectRef>
+          <a:fontRef idx="minor">
+            <a:schemeClr val="lt1"/>
+          </a:fontRef>
+        </p:style>
+        <p:txBody>
+          <a:bodyPr rtlCol="0" anchor="ctr"/>
+          <a:lstStyle/>
+          <a:p>
+            <a:pPr algn="ctr"/>
+            <a:endParaRPr lang="ko-KR" altLang="en-US"/>
+          </a:p>
+        </p:txBody>
+      </p:sp>
+      <p:sp>
+        <p:nvSpPr>
+          <p:cNvPr id="46" name="TextBox 45"/>
+          <p:cNvSpPr txBox="1"/>
+          <p:nvPr/>
+        </p:nvSpPr>
+        <p:spPr>
+          <a:xfrm>
+            <a:off x="11132119" y="3097200"/>
+            <a:ext cx="2372435" cy="1200329"/>
+          </a:xfrm>
+          <a:prstGeom prst="rect">
+            <a:avLst/>
+          </a:prstGeom>
+          <a:solidFill>
+            <a:schemeClr val="accent6">
+              <a:lumMod val="20000"/>
+              <a:lumOff val="80000"/>
+            </a:schemeClr>
+          </a:solidFill>
+        </p:spPr>
+        <p:txBody>
+          <a:bodyPr wrap="square" rtlCol="0">
+            <a:spAutoFit/>
+          </a:bodyPr>
+          <a:lstStyle/>
+          <a:p>
+            <a:pPr algn="ctr"/>
+            <a:r>
+              <a:rPr lang="en-US" altLang="ko-KR" b="1" dirty="0" err="1" smtClean="0">
+                <a:solidFill>
+                  <a:schemeClr val="accent6">
+                    <a:lumMod val="50000"/>
+                  </a:schemeClr>
+                </a:solidFill>
+              </a:rPr>
+              <a:t>Get_Speed</a:t>
+            </a:r>
+            <a:endParaRPr lang="en-US" altLang="ko-KR" b="1" dirty="0" smtClean="0">
+              <a:solidFill>
+                <a:schemeClr val="accent6">
+                  <a:lumMod val="50000"/>
+                </a:schemeClr>
+              </a:solidFill>
+            </a:endParaRPr>
+          </a:p>
+          <a:p>
+            <a:pPr algn="ctr"/>
+            <a:r>
+              <a:rPr lang="en-US" altLang="ko-KR" b="1" dirty="0" err="1" smtClean="0">
+                <a:solidFill>
+                  <a:schemeClr val="accent6">
+                    <a:lumMod val="50000"/>
+                  </a:schemeClr>
+                </a:solidFill>
+              </a:rPr>
+              <a:t>Check_Break</a:t>
+            </a:r>
+            <a:r>
+              <a:rPr lang="en-US" altLang="ko-KR" b="1" dirty="0" smtClean="0">
+                <a:solidFill>
+                  <a:schemeClr val="accent6">
+                    <a:lumMod val="50000"/>
+                  </a:schemeClr>
+                </a:solidFill>
+              </a:rPr>
+              <a:t/>
+            </a:r>
+            <a:br>
+              <a:rPr lang="en-US" altLang="ko-KR" b="1" dirty="0" smtClean="0">
+                <a:solidFill>
+                  <a:schemeClr val="accent6">
+                    <a:lumMod val="50000"/>
+                  </a:schemeClr>
+                </a:solidFill>
+              </a:rPr>
+            </a:br>
+            <a:r>
+              <a:rPr lang="en-US" altLang="ko-KR" b="1" dirty="0" err="1" smtClean="0">
+                <a:solidFill>
+                  <a:schemeClr val="accent6">
+                    <a:lumMod val="50000"/>
+                  </a:schemeClr>
+                </a:solidFill>
+              </a:rPr>
+              <a:t>Check_Accel</a:t>
+            </a:r>
+            <a:endParaRPr lang="en-US" altLang="ko-KR" b="1" dirty="0" smtClean="0">
+              <a:solidFill>
+                <a:schemeClr val="accent6">
+                  <a:lumMod val="50000"/>
+                </a:schemeClr>
+              </a:solidFill>
+            </a:endParaRPr>
+          </a:p>
+          <a:p>
+            <a:pPr algn="ctr"/>
+            <a:r>
+              <a:rPr lang="en-US" altLang="ko-KR" b="1" dirty="0" err="1" smtClean="0">
+                <a:solidFill>
+                  <a:schemeClr val="accent6">
+                    <a:lumMod val="50000"/>
+                  </a:schemeClr>
+                </a:solidFill>
+              </a:rPr>
+              <a:t>Check_SuddenAccel</a:t>
+            </a:r>
+            <a:endParaRPr lang="ko-KR" altLang="en-US" b="1">
+              <a:solidFill>
+                <a:schemeClr val="accent6">
+                  <a:lumMod val="50000"/>
+                </a:schemeClr>
+              </a:solidFill>
+            </a:endParaRPr>
+          </a:p>
+        </p:txBody>
+      </p:sp>
+      <p:sp>
+        <p:nvSpPr>
+          <p:cNvPr id="47" name="TextBox 46"/>
+          <p:cNvSpPr txBox="1"/>
+          <p:nvPr/>
+        </p:nvSpPr>
+        <p:spPr>
+          <a:xfrm>
+            <a:off x="9353341" y="4901805"/>
+            <a:ext cx="6232823" cy="4062651"/>
+          </a:xfrm>
+          <a:prstGeom prst="rect">
+            <a:avLst/>
+          </a:prstGeom>
+          <a:solidFill>
+            <a:schemeClr val="bg1"/>
+          </a:solidFill>
+          <a:ln>
+            <a:solidFill>
+              <a:schemeClr val="bg2">
+                <a:lumMod val="75000"/>
+              </a:schemeClr>
+            </a:solidFill>
+          </a:ln>
+        </p:spPr>
+        <p:txBody>
+          <a:bodyPr wrap="square" rtlCol="0" anchor="ctr">
+            <a:spAutoFit/>
+          </a:bodyPr>
+          <a:lstStyle/>
+          <a:p>
+            <a:r>
+              <a:rPr lang="en-US" altLang="ko-KR" sz="2000" b="1" dirty="0">
+                <a:latin typeface="LG스마트체 Regular" panose="020B0600000101010101" pitchFamily="50" charset="-127"/>
+                <a:ea typeface="LG스마트체 Regular" panose="020B0600000101010101" pitchFamily="50" charset="-127"/>
+              </a:rPr>
+              <a:t>for(;;)</a:t>
+            </a:r>
+          </a:p>
+          <a:p>
+            <a:r>
+              <a:rPr lang="en-US" altLang="ko-KR" sz="2000" dirty="0" smtClean="0">
+                <a:latin typeface="LG스마트체 Regular" panose="020B0600000101010101" pitchFamily="50" charset="-127"/>
+                <a:ea typeface="LG스마트체 Regular" panose="020B0600000101010101" pitchFamily="50" charset="-127"/>
+              </a:rPr>
+              <a:t>{</a:t>
+            </a:r>
+          </a:p>
+          <a:p>
+            <a:r>
+              <a:rPr lang="en-US" altLang="ko-KR" sz="2000" dirty="0">
+                <a:latin typeface="LG스마트체 Regular" panose="020B0600000101010101" pitchFamily="50" charset="-127"/>
+                <a:ea typeface="LG스마트체 Regular" panose="020B0600000101010101" pitchFamily="50" charset="-127"/>
+              </a:rPr>
+              <a:t> </a:t>
+            </a:r>
+            <a:r>
+              <a:rPr lang="en-US" altLang="ko-KR" sz="2000" dirty="0" smtClean="0">
+                <a:latin typeface="LG스마트체 Regular" panose="020B0600000101010101" pitchFamily="50" charset="-127"/>
+                <a:ea typeface="LG스마트체 Regular" panose="020B0600000101010101" pitchFamily="50" charset="-127"/>
+              </a:rPr>
+              <a:t>1. </a:t>
+            </a:r>
+            <a:r>
+              <a:rPr lang="en-US" altLang="ko-KR" sz="2000" dirty="0">
+                <a:latin typeface="LG스마트체 Regular" panose="020B0600000101010101" pitchFamily="50" charset="-127"/>
+                <a:ea typeface="LG스마트체 Regular" panose="020B0600000101010101" pitchFamily="50" charset="-127"/>
+              </a:rPr>
+              <a:t>Timer Interrupt</a:t>
+            </a:r>
+            <a:r>
+              <a:rPr lang="ko-KR" altLang="en-US" sz="2000">
+                <a:latin typeface="LG스마트체 Regular" panose="020B0600000101010101" pitchFamily="50" charset="-127"/>
+                <a:ea typeface="LG스마트체 Regular" panose="020B0600000101010101" pitchFamily="50" charset="-127"/>
+              </a:rPr>
+              <a:t>를 통한 급발진 </a:t>
+            </a:r>
+            <a:r>
+              <a:rPr lang="ko-KR" altLang="en-US" sz="2000">
+                <a:latin typeface="LG스마트체 Regular" panose="020B0600000101010101" pitchFamily="50" charset="-127"/>
+                <a:ea typeface="LG스마트체 Regular" panose="020B0600000101010101" pitchFamily="50" charset="-127"/>
+              </a:rPr>
+              <a:t>동작 </a:t>
+            </a:r>
+            <a:r>
+              <a:rPr lang="ko-KR" altLang="en-US" sz="2000" smtClean="0">
+                <a:latin typeface="LG스마트체 Regular" panose="020B0600000101010101" pitchFamily="50" charset="-127"/>
+                <a:ea typeface="LG스마트체 Regular" panose="020B0600000101010101" pitchFamily="50" charset="-127"/>
+              </a:rPr>
+              <a:t>체크</a:t>
+            </a:r>
+            <a:endParaRPr lang="en-US" altLang="ko-KR" sz="2000" dirty="0" smtClean="0">
+              <a:latin typeface="LG스마트체 Regular" panose="020B0600000101010101" pitchFamily="50" charset="-127"/>
+              <a:ea typeface="LG스마트체 Regular" panose="020B0600000101010101" pitchFamily="50" charset="-127"/>
+            </a:endParaRPr>
+          </a:p>
+          <a:p>
+            <a:r>
+              <a:rPr lang="en-US" altLang="ko-KR" sz="2000" b="1" dirty="0" smtClean="0">
+                <a:latin typeface="LG스마트체 Regular" panose="020B0600000101010101" pitchFamily="50" charset="-127"/>
+                <a:ea typeface="LG스마트체 Regular" panose="020B0600000101010101" pitchFamily="50" charset="-127"/>
+              </a:rPr>
+              <a:t> * </a:t>
+            </a:r>
+            <a:r>
+              <a:rPr lang="en-US" altLang="ko-KR" sz="2000" b="1" dirty="0" err="1" smtClean="0">
+                <a:latin typeface="LG스마트체 Regular" panose="020B0600000101010101" pitchFamily="50" charset="-127"/>
+                <a:ea typeface="LG스마트체 Regular" panose="020B0600000101010101" pitchFamily="50" charset="-127"/>
+              </a:rPr>
+              <a:t>Macro_Write_Block</a:t>
+            </a:r>
+            <a:r>
+              <a:rPr lang="en-US" altLang="ko-KR" sz="2000" b="1" dirty="0" smtClean="0">
+                <a:latin typeface="LG스마트체 Regular" panose="020B0600000101010101" pitchFamily="50" charset="-127"/>
+                <a:ea typeface="LG스마트체 Regular" panose="020B0600000101010101" pitchFamily="50" charset="-127"/>
+              </a:rPr>
+              <a:t>(rTCFG1,0xf,4,4);</a:t>
+            </a:r>
+          </a:p>
+          <a:p>
+            <a:r>
+              <a:rPr lang="en-US" altLang="ko-KR" sz="2000" b="1" dirty="0" smtClean="0">
+                <a:latin typeface="LG스마트체 Regular" panose="020B0600000101010101" pitchFamily="50" charset="-127"/>
+                <a:ea typeface="LG스마트체 Regular" panose="020B0600000101010101" pitchFamily="50" charset="-127"/>
+              </a:rPr>
+              <a:t>    </a:t>
+            </a:r>
+            <a:r>
+              <a:rPr lang="en-US" altLang="ko-KR" sz="2000" b="1" dirty="0" err="1" smtClean="0">
+                <a:latin typeface="LG스마트체 Regular" panose="020B0600000101010101" pitchFamily="50" charset="-127"/>
+                <a:ea typeface="LG스마트체 Regular" panose="020B0600000101010101" pitchFamily="50" charset="-127"/>
+              </a:rPr>
+              <a:t>Macro_Write_Block</a:t>
+            </a:r>
+            <a:r>
+              <a:rPr lang="en-US" altLang="ko-KR" sz="2000" b="1" dirty="0" smtClean="0">
+                <a:latin typeface="LG스마트체 Regular" panose="020B0600000101010101" pitchFamily="50" charset="-127"/>
+                <a:ea typeface="LG스마트체 Regular" panose="020B0600000101010101" pitchFamily="50" charset="-127"/>
+              </a:rPr>
+              <a:t>(rTCON,0xf,0xa,8);</a:t>
+            </a:r>
+          </a:p>
+          <a:p>
+            <a:r>
+              <a:rPr lang="en-US" altLang="ko-KR" sz="2000" b="1" dirty="0" smtClean="0">
+                <a:latin typeface="LG스마트체 Regular" panose="020B0600000101010101" pitchFamily="50" charset="-127"/>
+                <a:ea typeface="LG스마트체 Regular" panose="020B0600000101010101" pitchFamily="50" charset="-127"/>
+              </a:rPr>
+              <a:t>    </a:t>
+            </a:r>
+            <a:r>
+              <a:rPr lang="en-US" altLang="ko-KR" sz="2000" b="1" dirty="0" err="1" smtClean="0">
+                <a:latin typeface="LG스마트체 Regular" panose="020B0600000101010101" pitchFamily="50" charset="-127"/>
+                <a:ea typeface="LG스마트체 Regular" panose="020B0600000101010101" pitchFamily="50" charset="-127"/>
+              </a:rPr>
+              <a:t>Macro_Write_Block</a:t>
+            </a:r>
+            <a:r>
+              <a:rPr lang="en-US" altLang="ko-KR" sz="2000" b="1" dirty="0" smtClean="0">
+                <a:latin typeface="LG스마트체 Regular" panose="020B0600000101010101" pitchFamily="50" charset="-127"/>
+                <a:ea typeface="LG스마트체 Regular" panose="020B0600000101010101" pitchFamily="50" charset="-127"/>
+              </a:rPr>
+              <a:t>(rTCON,0xf,0x9,8);</a:t>
+            </a:r>
+          </a:p>
+          <a:p>
+            <a:r>
+              <a:rPr lang="en-US" altLang="ko-KR" sz="2000" dirty="0" smtClean="0">
+                <a:latin typeface="LG스마트체 Regular" panose="020B0600000101010101" pitchFamily="50" charset="-127"/>
+                <a:ea typeface="LG스마트체 Regular" panose="020B0600000101010101" pitchFamily="50" charset="-127"/>
+              </a:rPr>
+              <a:t> 2. Key Interrupt</a:t>
+            </a:r>
+            <a:r>
+              <a:rPr lang="ko-KR" altLang="en-US" sz="2000" smtClean="0">
+                <a:latin typeface="LG스마트체 Regular" panose="020B0600000101010101" pitchFamily="50" charset="-127"/>
+                <a:ea typeface="LG스마트체 Regular" panose="020B0600000101010101" pitchFamily="50" charset="-127"/>
+              </a:rPr>
+              <a:t>를 통한 </a:t>
+            </a:r>
+            <a:r>
+              <a:rPr lang="en-US" altLang="ko-KR" sz="2000" dirty="0" err="1" smtClean="0">
+                <a:latin typeface="LG스마트체 Regular" panose="020B0600000101010101" pitchFamily="50" charset="-127"/>
+                <a:ea typeface="LG스마트체 Regular" panose="020B0600000101010101" pitchFamily="50" charset="-127"/>
+              </a:rPr>
+              <a:t>Accel</a:t>
+            </a:r>
+            <a:r>
+              <a:rPr lang="en-US" altLang="ko-KR" sz="2000" dirty="0" smtClean="0">
+                <a:latin typeface="LG스마트체 Regular" panose="020B0600000101010101" pitchFamily="50" charset="-127"/>
+                <a:ea typeface="LG스마트체 Regular" panose="020B0600000101010101" pitchFamily="50" charset="-127"/>
+              </a:rPr>
+              <a:t>, Break </a:t>
+            </a:r>
+            <a:r>
+              <a:rPr lang="ko-KR" altLang="en-US" sz="2000" smtClean="0">
+                <a:latin typeface="LG스마트체 Regular" panose="020B0600000101010101" pitchFamily="50" charset="-127"/>
+                <a:ea typeface="LG스마트체 Regular" panose="020B0600000101010101" pitchFamily="50" charset="-127"/>
+              </a:rPr>
+              <a:t>동작 체크</a:t>
+            </a:r>
+            <a:endParaRPr lang="en-US" altLang="ko-KR" sz="2000" dirty="0" smtClean="0">
+              <a:latin typeface="LG스마트체 Regular" panose="020B0600000101010101" pitchFamily="50" charset="-127"/>
+              <a:ea typeface="LG스마트체 Regular" panose="020B0600000101010101" pitchFamily="50" charset="-127"/>
+            </a:endParaRPr>
+          </a:p>
+          <a:p>
+            <a:r>
+              <a:rPr lang="en-US" altLang="ko-KR" sz="2000" dirty="0" smtClean="0">
+                <a:latin typeface="LG스마트체 Regular" panose="020B0600000101010101" pitchFamily="50" charset="-127"/>
+                <a:ea typeface="LG스마트체 Regular" panose="020B0600000101010101" pitchFamily="50" charset="-127"/>
+              </a:rPr>
+              <a:t> 3. </a:t>
+            </a:r>
+            <a:r>
+              <a:rPr lang="ko-KR" altLang="en-US" sz="2000" smtClean="0">
+                <a:latin typeface="LG스마트체 Regular" panose="020B0600000101010101" pitchFamily="50" charset="-127"/>
+                <a:ea typeface="LG스마트체 Regular" panose="020B0600000101010101" pitchFamily="50" charset="-127"/>
+              </a:rPr>
+              <a:t>오동작</a:t>
+            </a:r>
+            <a:r>
+              <a:rPr lang="en-US" altLang="ko-KR" sz="2000" dirty="0" smtClean="0">
+                <a:latin typeface="LG스마트체 Regular" panose="020B0600000101010101" pitchFamily="50" charset="-127"/>
+                <a:ea typeface="LG스마트체 Regular" panose="020B0600000101010101" pitchFamily="50" charset="-127"/>
+              </a:rPr>
+              <a:t>(</a:t>
+            </a:r>
+            <a:r>
+              <a:rPr lang="ko-KR" altLang="en-US" sz="2000" smtClean="0">
+                <a:latin typeface="LG스마트체 Regular" panose="020B0600000101010101" pitchFamily="50" charset="-127"/>
+                <a:ea typeface="LG스마트체 Regular" panose="020B0600000101010101" pitchFamily="50" charset="-127"/>
+              </a:rPr>
+              <a:t>발진 </a:t>
+            </a:r>
+            <a:r>
+              <a:rPr lang="en-US" altLang="ko-KR" sz="2000" dirty="0" smtClean="0">
+                <a:latin typeface="LG스마트체 Regular" panose="020B0600000101010101" pitchFamily="50" charset="-127"/>
+                <a:ea typeface="LG스마트체 Regular" panose="020B0600000101010101" pitchFamily="50" charset="-127"/>
+              </a:rPr>
+              <a:t>x, </a:t>
+            </a:r>
+            <a:r>
+              <a:rPr lang="ko-KR" altLang="en-US" sz="2000" smtClean="0">
+                <a:latin typeface="LG스마트체 Regular" panose="020B0600000101010101" pitchFamily="50" charset="-127"/>
+                <a:ea typeface="LG스마트체 Regular" panose="020B0600000101010101" pitchFamily="50" charset="-127"/>
+              </a:rPr>
+              <a:t>단순 </a:t>
+            </a:r>
+            <a:r>
+              <a:rPr lang="en-US" altLang="ko-KR" sz="2000" dirty="0" err="1" smtClean="0">
+                <a:latin typeface="LG스마트체 Regular" panose="020B0600000101010101" pitchFamily="50" charset="-127"/>
+                <a:ea typeface="LG스마트체 Regular" panose="020B0600000101010101" pitchFamily="50" charset="-127"/>
+              </a:rPr>
+              <a:t>Accel</a:t>
+            </a:r>
+            <a:r>
+              <a:rPr lang="en-US" altLang="ko-KR" sz="2000" dirty="0" smtClean="0">
+                <a:latin typeface="LG스마트체 Regular" panose="020B0600000101010101" pitchFamily="50" charset="-127"/>
+                <a:ea typeface="LG스마트체 Regular" panose="020B0600000101010101" pitchFamily="50" charset="-127"/>
+              </a:rPr>
+              <a:t> </a:t>
+            </a:r>
+            <a:r>
+              <a:rPr lang="ko-KR" altLang="en-US" sz="2000" smtClean="0">
+                <a:latin typeface="LG스마트체 Regular" panose="020B0600000101010101" pitchFamily="50" charset="-127"/>
+                <a:ea typeface="LG스마트체 Regular" panose="020B0600000101010101" pitchFamily="50" charset="-127"/>
+              </a:rPr>
+              <a:t>동작</a:t>
+            </a:r>
+            <a:r>
+              <a:rPr lang="en-US" altLang="ko-KR" sz="2000" dirty="0" smtClean="0">
+                <a:latin typeface="LG스마트체 Regular" panose="020B0600000101010101" pitchFamily="50" charset="-127"/>
+                <a:ea typeface="LG스마트체 Regular" panose="020B0600000101010101" pitchFamily="50" charset="-127"/>
+              </a:rPr>
+              <a:t>)</a:t>
+            </a:r>
+            <a:r>
+              <a:rPr lang="ko-KR" altLang="en-US" sz="2000">
+                <a:latin typeface="LG스마트체 Regular" panose="020B0600000101010101" pitchFamily="50" charset="-127"/>
+                <a:ea typeface="LG스마트체 Regular" panose="020B0600000101010101" pitchFamily="50" charset="-127"/>
+              </a:rPr>
+              <a:t> </a:t>
+            </a:r>
+            <a:r>
+              <a:rPr lang="ko-KR" altLang="en-US" sz="2000" smtClean="0">
+                <a:latin typeface="LG스마트체 Regular" panose="020B0600000101010101" pitchFamily="50" charset="-127"/>
+                <a:ea typeface="LG스마트체 Regular" panose="020B0600000101010101" pitchFamily="50" charset="-127"/>
+              </a:rPr>
+              <a:t>체크</a:t>
+            </a:r>
+            <a:endParaRPr lang="en-US" altLang="ko-KR" sz="2000" dirty="0" smtClean="0">
+              <a:latin typeface="LG스마트체 Regular" panose="020B0600000101010101" pitchFamily="50" charset="-127"/>
+              <a:ea typeface="LG스마트체 Regular" panose="020B0600000101010101" pitchFamily="50" charset="-127"/>
+            </a:endParaRPr>
+          </a:p>
+          <a:p>
+            <a:r>
+              <a:rPr lang="en-US" altLang="ko-KR" sz="2000" dirty="0">
+                <a:latin typeface="LG스마트체 Regular" panose="020B0600000101010101" pitchFamily="50" charset="-127"/>
+                <a:ea typeface="LG스마트체 Regular" panose="020B0600000101010101" pitchFamily="50" charset="-127"/>
+              </a:rPr>
+              <a:t> </a:t>
+            </a:r>
+            <a:r>
+              <a:rPr lang="en-US" altLang="ko-KR" sz="2000" dirty="0" smtClean="0">
+                <a:latin typeface="LG스마트체 Regular" panose="020B0600000101010101" pitchFamily="50" charset="-127"/>
+                <a:ea typeface="LG스마트체 Regular" panose="020B0600000101010101" pitchFamily="50" charset="-127"/>
+              </a:rPr>
+              <a:t>4. </a:t>
+            </a:r>
+            <a:r>
+              <a:rPr lang="ko-KR" altLang="en-US" sz="2000" smtClean="0">
+                <a:latin typeface="LG스마트체 Regular" panose="020B0600000101010101" pitchFamily="50" charset="-127"/>
+                <a:ea typeface="LG스마트체 Regular" panose="020B0600000101010101" pitchFamily="50" charset="-127"/>
+              </a:rPr>
+              <a:t>확인된 동작에 따른 </a:t>
+            </a:r>
+            <a:r>
+              <a:rPr lang="en-US" altLang="ko-KR" sz="2000" dirty="0" smtClean="0">
+                <a:latin typeface="LG스마트체 Regular" panose="020B0600000101010101" pitchFamily="50" charset="-127"/>
+                <a:ea typeface="LG스마트체 Regular" panose="020B0600000101010101" pitchFamily="50" charset="-127"/>
+              </a:rPr>
+              <a:t>LCD </a:t>
+            </a:r>
+            <a:r>
+              <a:rPr lang="ko-KR" altLang="en-US" sz="2000" smtClean="0">
+                <a:latin typeface="LG스마트체 Regular" panose="020B0600000101010101" pitchFamily="50" charset="-127"/>
+                <a:ea typeface="LG스마트체 Regular" panose="020B0600000101010101" pitchFamily="50" charset="-127"/>
+              </a:rPr>
+              <a:t>처리</a:t>
+            </a:r>
+            <a:endParaRPr lang="en-US" altLang="ko-KR" sz="2000" dirty="0" smtClean="0">
+              <a:latin typeface="LG스마트체 Regular" panose="020B0600000101010101" pitchFamily="50" charset="-127"/>
+              <a:ea typeface="LG스마트체 Regular" panose="020B0600000101010101" pitchFamily="50" charset="-127"/>
+            </a:endParaRPr>
+          </a:p>
+          <a:p>
+            <a:r>
+              <a:rPr lang="en-US" altLang="ko-KR" sz="2000" dirty="0">
+                <a:latin typeface="LG스마트체 Regular" panose="020B0600000101010101" pitchFamily="50" charset="-127"/>
+                <a:ea typeface="LG스마트체 Regular" panose="020B0600000101010101" pitchFamily="50" charset="-127"/>
+              </a:rPr>
+              <a:t> </a:t>
+            </a:r>
+            <a:r>
+              <a:rPr lang="en-US" altLang="ko-KR" sz="2000" dirty="0" smtClean="0">
+                <a:latin typeface="LG스마트체 Regular" panose="020B0600000101010101" pitchFamily="50" charset="-127"/>
+                <a:ea typeface="LG스마트체 Regular" panose="020B0600000101010101" pitchFamily="50" charset="-127"/>
+              </a:rPr>
+              <a:t> * </a:t>
+            </a:r>
+            <a:r>
+              <a:rPr lang="ko-KR" altLang="en-US" sz="2000" smtClean="0">
+                <a:latin typeface="LG스마트체 Regular" panose="020B0600000101010101" pitchFamily="50" charset="-127"/>
+                <a:ea typeface="LG스마트체 Regular" panose="020B0600000101010101" pitchFamily="50" charset="-127"/>
+              </a:rPr>
+              <a:t>기능 알림</a:t>
+            </a:r>
+            <a:r>
+              <a:rPr lang="en-US" altLang="ko-KR" sz="2000" dirty="0" smtClean="0">
+                <a:latin typeface="LG스마트체 Regular" panose="020B0600000101010101" pitchFamily="50" charset="-127"/>
+                <a:ea typeface="LG스마트체 Regular" panose="020B0600000101010101" pitchFamily="50" charset="-127"/>
+              </a:rPr>
+              <a:t>(</a:t>
+            </a:r>
+            <a:r>
+              <a:rPr lang="ko-KR" altLang="en-US" sz="2000" smtClean="0">
+                <a:latin typeface="LG스마트체 Regular" panose="020B0600000101010101" pitchFamily="50" charset="-127"/>
+                <a:ea typeface="LG스마트체 Regular" panose="020B0600000101010101" pitchFamily="50" charset="-127"/>
+              </a:rPr>
+              <a:t>급발진</a:t>
+            </a:r>
+            <a:r>
+              <a:rPr lang="en-US" altLang="ko-KR" sz="2000" dirty="0" smtClean="0">
+                <a:latin typeface="LG스마트체 Regular" panose="020B0600000101010101" pitchFamily="50" charset="-127"/>
+                <a:ea typeface="LG스마트체 Regular" panose="020B0600000101010101" pitchFamily="50" charset="-127"/>
+              </a:rPr>
+              <a:t>, </a:t>
+            </a:r>
+            <a:r>
+              <a:rPr lang="ko-KR" altLang="en-US" sz="2000" smtClean="0">
+                <a:latin typeface="LG스마트체 Regular" panose="020B0600000101010101" pitchFamily="50" charset="-127"/>
+                <a:ea typeface="LG스마트체 Regular" panose="020B0600000101010101" pitchFamily="50" charset="-127"/>
+              </a:rPr>
+              <a:t>오동작</a:t>
+            </a:r>
+            <a:r>
+              <a:rPr lang="en-US" altLang="ko-KR" sz="2000" dirty="0" smtClean="0">
+                <a:latin typeface="LG스마트체 Regular" panose="020B0600000101010101" pitchFamily="50" charset="-127"/>
+                <a:ea typeface="LG스마트체 Regular" panose="020B0600000101010101" pitchFamily="50" charset="-127"/>
+              </a:rPr>
+              <a:t>, </a:t>
+            </a:r>
+            <a:r>
+              <a:rPr lang="en-US" altLang="ko-KR" sz="2000" dirty="0" err="1" smtClean="0">
+                <a:latin typeface="LG스마트체 Regular" panose="020B0600000101010101" pitchFamily="50" charset="-127"/>
+                <a:ea typeface="LG스마트체 Regular" panose="020B0600000101010101" pitchFamily="50" charset="-127"/>
+              </a:rPr>
+              <a:t>Accel</a:t>
+            </a:r>
+            <a:r>
+              <a:rPr lang="en-US" altLang="ko-KR" sz="2000" dirty="0" smtClean="0">
+                <a:latin typeface="LG스마트체 Regular" panose="020B0600000101010101" pitchFamily="50" charset="-127"/>
+                <a:ea typeface="LG스마트체 Regular" panose="020B0600000101010101" pitchFamily="50" charset="-127"/>
+              </a:rPr>
+              <a:t>, Break, </a:t>
+            </a:r>
+          </a:p>
+          <a:p>
+            <a:r>
+              <a:rPr lang="ko-KR" altLang="en-US" sz="2000" dirty="0" smtClean="0">
+                <a:latin typeface="LG스마트체 Regular" panose="020B0600000101010101" pitchFamily="50" charset="-127"/>
+                <a:ea typeface="LG스마트체 Regular" panose="020B0600000101010101" pitchFamily="50" charset="-127"/>
+              </a:rPr>
+              <a:t>                         정상주행</a:t>
+            </a:r>
+            <a:r>
+              <a:rPr lang="en-US" altLang="ko-KR" sz="2000" dirty="0" smtClean="0">
+                <a:latin typeface="LG스마트체 Regular" panose="020B0600000101010101" pitchFamily="50" charset="-127"/>
+                <a:ea typeface="LG스마트체 Regular" panose="020B0600000101010101" pitchFamily="50" charset="-127"/>
+              </a:rPr>
+              <a:t>, </a:t>
+            </a:r>
+            <a:r>
+              <a:rPr lang="ko-KR" altLang="en-US" sz="2000" smtClean="0">
+                <a:latin typeface="LG스마트체 Regular" panose="020B0600000101010101" pitchFamily="50" charset="-127"/>
+                <a:ea typeface="LG스마트체 Regular" panose="020B0600000101010101" pitchFamily="50" charset="-127"/>
+              </a:rPr>
+              <a:t>후진</a:t>
+            </a:r>
+            <a:r>
+              <a:rPr lang="en-US" altLang="ko-KR" sz="2000" dirty="0" smtClean="0">
+                <a:latin typeface="LG스마트체 Regular" panose="020B0600000101010101" pitchFamily="50" charset="-127"/>
+                <a:ea typeface="LG스마트체 Regular" panose="020B0600000101010101" pitchFamily="50" charset="-127"/>
+              </a:rPr>
+              <a:t>)</a:t>
+            </a:r>
+          </a:p>
+          <a:p>
+            <a:r>
+              <a:rPr lang="en-US" altLang="ko-KR" sz="2000" dirty="0">
+                <a:latin typeface="LG스마트체 Regular" panose="020B0600000101010101" pitchFamily="50" charset="-127"/>
+                <a:ea typeface="LG스마트체 Regular" panose="020B0600000101010101" pitchFamily="50" charset="-127"/>
+              </a:rPr>
+              <a:t> </a:t>
+            </a:r>
+            <a:r>
+              <a:rPr lang="en-US" altLang="ko-KR" sz="2000" dirty="0" smtClean="0">
+                <a:latin typeface="LG스마트체 Regular" panose="020B0600000101010101" pitchFamily="50" charset="-127"/>
+                <a:ea typeface="LG스마트체 Regular" panose="020B0600000101010101" pitchFamily="50" charset="-127"/>
+              </a:rPr>
+              <a:t> *  </a:t>
+            </a:r>
+            <a:r>
+              <a:rPr lang="ko-KR" altLang="en-US" sz="2000" smtClean="0">
+                <a:latin typeface="LG스마트체 Regular" panose="020B0600000101010101" pitchFamily="50" charset="-127"/>
+                <a:ea typeface="LG스마트체 Regular" panose="020B0600000101010101" pitchFamily="50" charset="-127"/>
+              </a:rPr>
+              <a:t>기능 복귀 처리</a:t>
+            </a:r>
+            <a:endParaRPr lang="en-US" altLang="ko-KR" sz="2000" dirty="0">
+              <a:latin typeface="LG스마트체 Regular" panose="020B0600000101010101" pitchFamily="50" charset="-127"/>
+              <a:ea typeface="LG스마트체 Regular" panose="020B0600000101010101" pitchFamily="50" charset="-127"/>
+            </a:endParaRPr>
+          </a:p>
+          <a:p>
+            <a:r>
+              <a:rPr lang="en-US" altLang="ko-KR" sz="2000" b="1" dirty="0" smtClean="0">
+                <a:latin typeface="LG스마트체 Regular" panose="020B0600000101010101" pitchFamily="50" charset="-127"/>
+                <a:ea typeface="LG스마트체 Regular" panose="020B0600000101010101" pitchFamily="50" charset="-127"/>
+              </a:rPr>
+              <a:t>}</a:t>
+            </a:r>
+            <a:endParaRPr lang="en-US" altLang="ko-KR" sz="2000" b="1" dirty="0">
+              <a:latin typeface="LG스마트체 Regular" panose="020B0600000101010101" pitchFamily="50" charset="-127"/>
+              <a:ea typeface="LG스마트체 Regular" panose="020B0600000101010101" pitchFamily="50" charset="-127"/>
+            </a:endParaRPr>
+          </a:p>
+        </p:txBody>
+      </p:sp>
+    </p:spTree>
+    <p:extLst>
+      <p:ext uri="{BB962C8B-B14F-4D97-AF65-F5344CB8AC3E}">
+        <p14:creationId xmlns:p14="http://schemas.microsoft.com/office/powerpoint/2010/main" val="1639349372"/>
+      </p:ext>
+    </p:extLst>
+  </p:cSld>
+  <p:clrMapOvr>
+    <a:masterClrMapping/>
+  </p:clrMapOvr>
+  <p:timing>
+    <p:tnLst>
+      <p:par>
+        <p:cTn id="1" dur="indefinite" restart="never" nodeType="tmRoot"/>
+      </p:par>
+    </p:tnLst>
+  </p:timing>
+</p:sld>
+</file>
+
+<file path=ppt/slides/slide15.xml><?xml version="1.0" encoding="utf-8"?>
 <p:sld xmlns:a="http://schemas.openxmlformats.org/drawingml/2006/main" xmlns:r="http://schemas.openxmlformats.org/officeDocument/2006/relationships" xmlns:p="http://schemas.openxmlformats.org/presentationml/2006/main">
   <p:cSld>
     <p:spTree>
@@ -11549,7 +13968,7 @@
           <p:cNvPr id="53" name="그림 52">
             <a:extLst>
               <a:ext uri="{FF2B5EF4-FFF2-40B4-BE49-F238E27FC236}">
-                <a16:creationId xmlns:a16="http://schemas.microsoft.com/office/drawing/2014/main" xmlns="" id="{271BC2EB-B4BA-DA83-AC43-B9519D9301B7}"/>
+                <a16:creationId xmlns="" xmlns:a16="http://schemas.microsoft.com/office/drawing/2014/main" id="{271BC2EB-B4BA-DA83-AC43-B9519D9301B7}"/>
               </a:ext>
             </a:extLst>
           </p:cNvPr>
@@ -11582,7 +14001,7 @@
           <p:cNvPr id="55" name="그림 54">
             <a:extLst>
               <a:ext uri="{FF2B5EF4-FFF2-40B4-BE49-F238E27FC236}">
-                <a16:creationId xmlns:a16="http://schemas.microsoft.com/office/drawing/2014/main" xmlns="" id="{271BC2EB-B4BA-DA83-AC43-B9519D9301B7}"/>
+                <a16:creationId xmlns="" xmlns:a16="http://schemas.microsoft.com/office/drawing/2014/main" id="{271BC2EB-B4BA-DA83-AC43-B9519D9301B7}"/>
               </a:ext>
             </a:extLst>
           </p:cNvPr>
@@ -11615,7 +14034,7 @@
           <p:cNvPr id="56" name="그림 55">
             <a:extLst>
               <a:ext uri="{FF2B5EF4-FFF2-40B4-BE49-F238E27FC236}">
-                <a16:creationId xmlns:a16="http://schemas.microsoft.com/office/drawing/2014/main" xmlns="" id="{271BC2EB-B4BA-DA83-AC43-B9519D9301B7}"/>
+                <a16:creationId xmlns="" xmlns:a16="http://schemas.microsoft.com/office/drawing/2014/main" id="{271BC2EB-B4BA-DA83-AC43-B9519D9301B7}"/>
               </a:ext>
             </a:extLst>
           </p:cNvPr>
@@ -11648,7 +14067,7 @@
           <p:cNvPr id="58" name="그림 57">
             <a:extLst>
               <a:ext uri="{FF2B5EF4-FFF2-40B4-BE49-F238E27FC236}">
-                <a16:creationId xmlns:a16="http://schemas.microsoft.com/office/drawing/2014/main" xmlns="" id="{271BC2EB-B4BA-DA83-AC43-B9519D9301B7}"/>
+                <a16:creationId xmlns="" xmlns:a16="http://schemas.microsoft.com/office/drawing/2014/main" id="{271BC2EB-B4BA-DA83-AC43-B9519D9301B7}"/>
               </a:ext>
             </a:extLst>
           </p:cNvPr>
@@ -11733,7 +14152,7 @@
           <p:cNvPr id="59" name="직사각형 58">
             <a:extLst>
               <a:ext uri="{FF2B5EF4-FFF2-40B4-BE49-F238E27FC236}">
-                <a16:creationId xmlns:a16="http://schemas.microsoft.com/office/drawing/2014/main" xmlns="" id="{4FAD2333-B152-2130-A8EE-A8D509CD5FA4}"/>
+                <a16:creationId xmlns="" xmlns:a16="http://schemas.microsoft.com/office/drawing/2014/main" id="{4FAD2333-B152-2130-A8EE-A8D509CD5FA4}"/>
               </a:ext>
             </a:extLst>
           </p:cNvPr>
@@ -11785,7 +14204,7 @@
           <p:cNvPr id="61" name="TextBox 60">
             <a:extLst>
               <a:ext uri="{FF2B5EF4-FFF2-40B4-BE49-F238E27FC236}">
-                <a16:creationId xmlns:a16="http://schemas.microsoft.com/office/drawing/2014/main" xmlns="" id="{25E09C9A-EFEF-1EA7-7D36-BE5B74A96E4E}"/>
+                <a16:creationId xmlns="" xmlns:a16="http://schemas.microsoft.com/office/drawing/2014/main" id="{25E09C9A-EFEF-1EA7-7D36-BE5B74A96E4E}"/>
               </a:ext>
             </a:extLst>
           </p:cNvPr>
@@ -11850,7 +14269,7 @@
           <p:cNvPr id="63" name="TextBox 62">
             <a:extLst>
               <a:ext uri="{FF2B5EF4-FFF2-40B4-BE49-F238E27FC236}">
-                <a16:creationId xmlns:a16="http://schemas.microsoft.com/office/drawing/2014/main" xmlns="" id="{D8FD2CCF-6B9C-3E5A-FB57-6CE3CBFC3DDC}"/>
+                <a16:creationId xmlns="" xmlns:a16="http://schemas.microsoft.com/office/drawing/2014/main" id="{D8FD2CCF-6B9C-3E5A-FB57-6CE3CBFC3DDC}"/>
               </a:ext>
             </a:extLst>
           </p:cNvPr>
@@ -11938,394 +14357,6 @@
     <p:extLst>
       <p:ext uri="{BB962C8B-B14F-4D97-AF65-F5344CB8AC3E}">
         <p14:creationId xmlns:p14="http://schemas.microsoft.com/office/powerpoint/2010/main" val="3445190875"/>
-      </p:ext>
-    </p:extLst>
-  </p:cSld>
-  <p:clrMapOvr>
-    <a:masterClrMapping/>
-  </p:clrMapOvr>
-  <p:timing>
-    <p:tnLst>
-      <p:par>
-        <p:cTn id="1" dur="indefinite" restart="never" nodeType="tmRoot"/>
-      </p:par>
-    </p:tnLst>
-  </p:timing>
-</p:sld>
-</file>
-
-<file path=ppt/slides/slide15.xml><?xml version="1.0" encoding="utf-8"?>
-<p:sld xmlns:a="http://schemas.openxmlformats.org/drawingml/2006/main" xmlns:r="http://schemas.openxmlformats.org/officeDocument/2006/relationships" xmlns:p="http://schemas.openxmlformats.org/presentationml/2006/main">
-  <p:cSld>
-    <p:spTree>
-      <p:nvGrpSpPr>
-        <p:cNvPr id="1" name=""/>
-        <p:cNvGrpSpPr/>
-        <p:nvPr/>
-      </p:nvGrpSpPr>
-      <p:grpSpPr>
-        <a:xfrm>
-          <a:off x="0" y="0"/>
-          <a:ext cx="0" cy="0"/>
-          <a:chOff x="0" y="0"/>
-          <a:chExt cx="0" cy="0"/>
-        </a:xfrm>
-      </p:grpSpPr>
-      <p:sp>
-        <p:nvSpPr>
-          <p:cNvPr id="2" name="TextBox 1"/>
-          <p:cNvSpPr txBox="1"/>
-          <p:nvPr/>
-        </p:nvSpPr>
-        <p:spPr>
-          <a:xfrm>
-            <a:off x="244862" y="238662"/>
-            <a:ext cx="14190667" cy="923330"/>
-          </a:xfrm>
-          <a:prstGeom prst="rect">
-            <a:avLst/>
-          </a:prstGeom>
-          <a:noFill/>
-        </p:spPr>
-        <p:txBody>
-          <a:bodyPr wrap="square" rtlCol="0">
-            <a:spAutoFit/>
-          </a:bodyPr>
-          <a:lstStyle/>
-          <a:p>
-            <a:r>
-              <a:rPr lang="en-US" altLang="ko-KR" sz="5400" b="1" dirty="0">
-                <a:solidFill>
-                  <a:schemeClr val="bg1"/>
-                </a:solidFill>
-                <a:latin typeface="LG스마트체2.0 Regular" panose="020B0600000101010101" pitchFamily="50" charset="-127"/>
-                <a:ea typeface="LG스마트체2.0 Regular" panose="020B0600000101010101" pitchFamily="50" charset="-127"/>
-              </a:rPr>
-              <a:t>4. </a:t>
-            </a:r>
-            <a:r>
-              <a:rPr lang="ko-KR" altLang="en-US" sz="5400" b="1" dirty="0">
-                <a:solidFill>
-                  <a:schemeClr val="bg1"/>
-                </a:solidFill>
-                <a:latin typeface="LG스마트체2.0 Regular" panose="020B0600000101010101" pitchFamily="50" charset="-127"/>
-                <a:ea typeface="LG스마트체2.0 Regular" panose="020B0600000101010101" pitchFamily="50" charset="-127"/>
-              </a:rPr>
-              <a:t>결과 분석 및 기대 효과</a:t>
-            </a:r>
-          </a:p>
-        </p:txBody>
-      </p:sp>
-      <p:sp>
-        <p:nvSpPr>
-          <p:cNvPr id="4" name="직사각형 3"/>
-          <p:cNvSpPr/>
-          <p:nvPr/>
-        </p:nvSpPr>
-        <p:spPr>
-          <a:xfrm>
-            <a:off x="1007389" y="2184667"/>
-            <a:ext cx="15294155" cy="4462760"/>
-          </a:xfrm>
-          <a:prstGeom prst="rect">
-            <a:avLst/>
-          </a:prstGeom>
-        </p:spPr>
-        <p:txBody>
-          <a:bodyPr wrap="square">
-            <a:spAutoFit/>
-          </a:bodyPr>
-          <a:lstStyle/>
-          <a:p>
-            <a:r>
-              <a:rPr lang="ko-KR" altLang="en-US" sz="3200" dirty="0" smtClean="0">
-                <a:solidFill>
-                  <a:srgbClr val="C00000"/>
-                </a:solidFill>
-                <a:latin typeface="LG스마트체2.0 Regular" panose="020B0600000101010101" pitchFamily="50" charset="-127"/>
-                <a:ea typeface="LG스마트체2.0 Regular" panose="020B0600000101010101" pitchFamily="50" charset="-127"/>
-              </a:rPr>
-              <a:t>결과</a:t>
-            </a:r>
-            <a:endParaRPr lang="en-US" altLang="ko-KR" sz="3200" dirty="0" smtClean="0">
-              <a:solidFill>
-                <a:srgbClr val="C00000"/>
-              </a:solidFill>
-              <a:latin typeface="LG스마트체2.0 Regular" panose="020B0600000101010101" pitchFamily="50" charset="-127"/>
-              <a:ea typeface="LG스마트체2.0 Regular" panose="020B0600000101010101" pitchFamily="50" charset="-127"/>
-            </a:endParaRPr>
-          </a:p>
-          <a:p>
-            <a:endParaRPr lang="en-US" altLang="ko-KR" sz="2800" dirty="0" smtClean="0">
-              <a:latin typeface="LG스마트체2.0 Regular" panose="020B0600000101010101" pitchFamily="50" charset="-127"/>
-              <a:ea typeface="LG스마트체2.0 Regular" panose="020B0600000101010101" pitchFamily="50" charset="-127"/>
-            </a:endParaRPr>
-          </a:p>
-          <a:p>
-            <a:pPr marL="514350" indent="-514350">
-              <a:buAutoNum type="arabicPeriod"/>
-            </a:pPr>
-            <a:r>
-              <a:rPr lang="en-US" altLang="ko-KR" sz="2800" dirty="0" smtClean="0">
-                <a:latin typeface="LG스마트체2.0 Regular" panose="020B0600000101010101" pitchFamily="50" charset="-127"/>
-                <a:ea typeface="LG스마트체2.0 Regular" panose="020B0600000101010101" pitchFamily="50" charset="-127"/>
-              </a:rPr>
-              <a:t>Cortex-A MP Core </a:t>
-            </a:r>
-            <a:r>
-              <a:rPr lang="ko-KR" altLang="en-US" sz="2800" smtClean="0">
-                <a:latin typeface="LG스마트체2.0 Regular" panose="020B0600000101010101" pitchFamily="50" charset="-127"/>
-                <a:ea typeface="LG스마트체2.0 Regular" panose="020B0600000101010101" pitchFamily="50" charset="-127"/>
-              </a:rPr>
-              <a:t>시스템에서 멀티 프로세싱 커널</a:t>
-            </a:r>
-            <a:r>
-              <a:rPr lang="en-US" altLang="ko-KR" sz="2800" dirty="0" smtClean="0">
-                <a:latin typeface="LG스마트체2.0 Regular" panose="020B0600000101010101" pitchFamily="50" charset="-127"/>
-                <a:ea typeface="LG스마트체2.0 Regular" panose="020B0600000101010101" pitchFamily="50" charset="-127"/>
-              </a:rPr>
-              <a:t>, </a:t>
-            </a:r>
-            <a:r>
-              <a:rPr lang="ko-KR" altLang="en-US" sz="2800" smtClean="0">
-                <a:latin typeface="LG스마트체2.0 Regular" panose="020B0600000101010101" pitchFamily="50" charset="-127"/>
-                <a:ea typeface="LG스마트체2.0 Regular" panose="020B0600000101010101" pitchFamily="50" charset="-127"/>
-              </a:rPr>
-              <a:t>시스템 콜</a:t>
-            </a:r>
-            <a:r>
-              <a:rPr lang="en-US" altLang="ko-KR" sz="2800" dirty="0" smtClean="0">
-                <a:latin typeface="LG스마트체2.0 Regular" panose="020B0600000101010101" pitchFamily="50" charset="-127"/>
-                <a:ea typeface="LG스마트체2.0 Regular" panose="020B0600000101010101" pitchFamily="50" charset="-127"/>
-              </a:rPr>
-              <a:t>, Demand paging</a:t>
-            </a:r>
-            <a:r>
-              <a:rPr lang="ko-KR" altLang="en-US" sz="2800" smtClean="0">
-                <a:latin typeface="LG스마트체2.0 Regular" panose="020B0600000101010101" pitchFamily="50" charset="-127"/>
-                <a:ea typeface="LG스마트체2.0 Regular" panose="020B0600000101010101" pitchFamily="50" charset="-127"/>
-              </a:rPr>
-              <a:t>을 구현함</a:t>
-            </a:r>
-            <a:endParaRPr lang="en-US" altLang="ko-KR" sz="2800" dirty="0">
-              <a:latin typeface="LG스마트체2.0 Regular" panose="020B0600000101010101" pitchFamily="50" charset="-127"/>
-              <a:ea typeface="LG스마트체2.0 Regular" panose="020B0600000101010101" pitchFamily="50" charset="-127"/>
-            </a:endParaRPr>
-          </a:p>
-          <a:p>
-            <a:pPr marL="514350" indent="-514350">
-              <a:buAutoNum type="arabicPeriod"/>
-            </a:pPr>
-            <a:r>
-              <a:rPr lang="ko-KR" altLang="en-US" sz="2800" dirty="0" smtClean="0">
-                <a:latin typeface="LG스마트체2.0 Regular" panose="020B0600000101010101" pitchFamily="50" charset="-127"/>
-                <a:ea typeface="LG스마트체2.0 Regular" panose="020B0600000101010101" pitchFamily="50" charset="-127"/>
-              </a:rPr>
-              <a:t>멀티 </a:t>
-            </a:r>
-            <a:r>
-              <a:rPr lang="ko-KR" altLang="en-US" sz="2800" dirty="0" err="1" smtClean="0">
-                <a:latin typeface="LG스마트체2.0 Regular" panose="020B0600000101010101" pitchFamily="50" charset="-127"/>
-                <a:ea typeface="LG스마트체2.0 Regular" panose="020B0600000101010101" pitchFamily="50" charset="-127"/>
-              </a:rPr>
-              <a:t>프로세싱</a:t>
-            </a:r>
-            <a:r>
-              <a:rPr lang="ko-KR" altLang="en-US" sz="2800" dirty="0" smtClean="0">
-                <a:latin typeface="LG스마트체2.0 Regular" panose="020B0600000101010101" pitchFamily="50" charset="-127"/>
-                <a:ea typeface="LG스마트체2.0 Regular" panose="020B0600000101010101" pitchFamily="50" charset="-127"/>
-              </a:rPr>
-              <a:t> </a:t>
-            </a:r>
-            <a:r>
-              <a:rPr lang="en-US" altLang="ko-KR" sz="2800" dirty="0" smtClean="0">
-                <a:latin typeface="LG스마트체2.0 Regular" panose="020B0600000101010101" pitchFamily="50" charset="-127"/>
-                <a:ea typeface="LG스마트체2.0 Regular" panose="020B0600000101010101" pitchFamily="50" charset="-127"/>
-              </a:rPr>
-              <a:t>APP </a:t>
-            </a:r>
-            <a:r>
-              <a:rPr lang="ko-KR" altLang="en-US" sz="2800" smtClean="0">
-                <a:latin typeface="LG스마트체2.0 Regular" panose="020B0600000101010101" pitchFamily="50" charset="-127"/>
-                <a:ea typeface="LG스마트체2.0 Regular" panose="020B0600000101010101" pitchFamily="50" charset="-127"/>
-              </a:rPr>
-              <a:t>설계</a:t>
-            </a:r>
-            <a:endParaRPr lang="en-US" altLang="ko-KR" sz="2800" dirty="0" smtClean="0">
-              <a:latin typeface="LG스마트체2.0 Regular" panose="020B0600000101010101" pitchFamily="50" charset="-127"/>
-              <a:ea typeface="LG스마트체2.0 Regular" panose="020B0600000101010101" pitchFamily="50" charset="-127"/>
-            </a:endParaRPr>
-          </a:p>
-          <a:p>
-            <a:pPr marL="971550" lvl="1" indent="-514350">
-              <a:buFont typeface="Arial" panose="020B0604020202020204" pitchFamily="34" charset="0"/>
-              <a:buChar char="•"/>
-            </a:pPr>
-            <a:r>
-              <a:rPr lang="en-US" altLang="ko-KR" sz="2800" dirty="0" smtClean="0">
-                <a:latin typeface="LG스마트체2.0 Regular" panose="020B0600000101010101" pitchFamily="50" charset="-127"/>
-                <a:ea typeface="LG스마트체2.0 Regular" panose="020B0600000101010101" pitchFamily="50" charset="-127"/>
-              </a:rPr>
-              <a:t>APP1: </a:t>
-            </a:r>
-            <a:r>
-              <a:rPr lang="ko-KR" altLang="en-US" sz="2800">
-                <a:latin typeface="LG스마트체2.0 Regular" panose="020B0600000101010101" pitchFamily="50" charset="-127"/>
-                <a:ea typeface="LG스마트체2.0 Regular" panose="020B0600000101010101" pitchFamily="50" charset="-127"/>
-              </a:rPr>
-              <a:t>차량의 속도와 </a:t>
-            </a:r>
-            <a:r>
-              <a:rPr lang="en-US" altLang="ko-KR" sz="2800" dirty="0">
-                <a:latin typeface="LG스마트체2.0 Regular" panose="020B0600000101010101" pitchFamily="50" charset="-127"/>
-                <a:ea typeface="LG스마트체2.0 Regular" panose="020B0600000101010101" pitchFamily="50" charset="-127"/>
-              </a:rPr>
-              <a:t>APP2</a:t>
-            </a:r>
-            <a:r>
-              <a:rPr lang="ko-KR" altLang="en-US" sz="2800">
-                <a:latin typeface="LG스마트체2.0 Regular" panose="020B0600000101010101" pitchFamily="50" charset="-127"/>
-                <a:ea typeface="LG스마트체2.0 Regular" panose="020B0600000101010101" pitchFamily="50" charset="-127"/>
-              </a:rPr>
-              <a:t>의 기능을 시각적으로 </a:t>
-            </a:r>
-            <a:r>
-              <a:rPr lang="ko-KR" altLang="en-US" sz="2800" smtClean="0">
-                <a:latin typeface="LG스마트체2.0 Regular" panose="020B0600000101010101" pitchFamily="50" charset="-127"/>
-                <a:ea typeface="LG스마트체2.0 Regular" panose="020B0600000101010101" pitchFamily="50" charset="-127"/>
-              </a:rPr>
-              <a:t>확인함</a:t>
-            </a:r>
-            <a:endParaRPr lang="en-US" altLang="ko-KR" sz="2800" dirty="0" smtClean="0">
-              <a:latin typeface="LG스마트체2.0 Regular" panose="020B0600000101010101" pitchFamily="50" charset="-127"/>
-              <a:ea typeface="LG스마트체2.0 Regular" panose="020B0600000101010101" pitchFamily="50" charset="-127"/>
-            </a:endParaRPr>
-          </a:p>
-          <a:p>
-            <a:pPr marL="971550" lvl="1" indent="-514350">
-              <a:buFont typeface="Arial" panose="020B0604020202020204" pitchFamily="34" charset="0"/>
-              <a:buChar char="•"/>
-            </a:pPr>
-            <a:r>
-              <a:rPr lang="en-US" altLang="ko-KR" sz="2800" dirty="0" smtClean="0">
-                <a:latin typeface="LG스마트체2.0 Regular" panose="020B0600000101010101" pitchFamily="50" charset="-127"/>
-                <a:ea typeface="LG스마트체2.0 Regular" panose="020B0600000101010101" pitchFamily="50" charset="-127"/>
-              </a:rPr>
-              <a:t>APP2: </a:t>
-            </a:r>
-            <a:r>
-              <a:rPr lang="ko-KR" altLang="en-US" sz="2800">
-                <a:latin typeface="LG스마트체2.0 Regular" panose="020B0600000101010101" pitchFamily="50" charset="-127"/>
-                <a:ea typeface="LG스마트체2.0 Regular" panose="020B0600000101010101" pitchFamily="50" charset="-127"/>
-              </a:rPr>
-              <a:t>급가속 상황에 대해 알림을 전달하여 운전자의 안전을 확보하고 사고를 미연에 </a:t>
-            </a:r>
-            <a:r>
-              <a:rPr lang="ko-KR" altLang="en-US" sz="2800" smtClean="0">
-                <a:latin typeface="LG스마트체2.0 Regular" panose="020B0600000101010101" pitchFamily="50" charset="-127"/>
-                <a:ea typeface="LG스마트체2.0 Regular" panose="020B0600000101010101" pitchFamily="50" charset="-127"/>
-              </a:rPr>
-              <a:t>방지함</a:t>
-            </a:r>
-            <a:endParaRPr lang="en-US" altLang="ko-KR" sz="2800" dirty="0" smtClean="0">
-              <a:latin typeface="LG스마트체2.0 Regular" panose="020B0600000101010101" pitchFamily="50" charset="-127"/>
-              <a:ea typeface="LG스마트체2.0 Regular" panose="020B0600000101010101" pitchFamily="50" charset="-127"/>
-            </a:endParaRPr>
-          </a:p>
-          <a:p>
-            <a:endParaRPr lang="en-US" altLang="ko-KR" sz="2800" dirty="0">
-              <a:latin typeface="LG스마트체2.0 Regular" panose="020B0600000101010101" pitchFamily="50" charset="-127"/>
-              <a:ea typeface="LG스마트체2.0 Regular" panose="020B0600000101010101" pitchFamily="50" charset="-127"/>
-            </a:endParaRPr>
-          </a:p>
-          <a:p>
-            <a:r>
-              <a:rPr lang="ko-KR" altLang="en-US" sz="2800" dirty="0" smtClean="0">
-                <a:solidFill>
-                  <a:srgbClr val="C00000"/>
-                </a:solidFill>
-                <a:latin typeface="LG스마트체2.0 Regular" panose="020B0600000101010101" pitchFamily="50" charset="-127"/>
-                <a:ea typeface="LG스마트체2.0 Regular" panose="020B0600000101010101" pitchFamily="50" charset="-127"/>
-              </a:rPr>
-              <a:t>향후 </a:t>
-            </a:r>
-            <a:r>
-              <a:rPr lang="ko-KR" altLang="en-US" sz="2800" dirty="0">
-                <a:solidFill>
-                  <a:srgbClr val="C00000"/>
-                </a:solidFill>
-                <a:latin typeface="LG스마트체2.0 Regular" panose="020B0600000101010101" pitchFamily="50" charset="-127"/>
-                <a:ea typeface="LG스마트체2.0 Regular" panose="020B0600000101010101" pitchFamily="50" charset="-127"/>
-              </a:rPr>
-              <a:t>활용 가능한 </a:t>
-            </a:r>
-            <a:r>
-              <a:rPr lang="ko-KR" altLang="en-US" sz="2800" dirty="0" smtClean="0">
-                <a:solidFill>
-                  <a:srgbClr val="C00000"/>
-                </a:solidFill>
-                <a:latin typeface="LG스마트체2.0 Regular" panose="020B0600000101010101" pitchFamily="50" charset="-127"/>
-                <a:ea typeface="LG스마트체2.0 Regular" panose="020B0600000101010101" pitchFamily="50" charset="-127"/>
-              </a:rPr>
-              <a:t>기대효과</a:t>
-            </a:r>
-            <a:endParaRPr lang="en-US" altLang="ko-KR" sz="2800" dirty="0" smtClean="0">
-              <a:solidFill>
-                <a:srgbClr val="C00000"/>
-              </a:solidFill>
-              <a:latin typeface="LG스마트체2.0 Regular" panose="020B0600000101010101" pitchFamily="50" charset="-127"/>
-              <a:ea typeface="LG스마트체2.0 Regular" panose="020B0600000101010101" pitchFamily="50" charset="-127"/>
-            </a:endParaRPr>
-          </a:p>
-          <a:p>
-            <a:endParaRPr lang="ko-KR" altLang="en-US" sz="2800" dirty="0">
-              <a:latin typeface="LG스마트체2.0 Regular" panose="020B0600000101010101" pitchFamily="50" charset="-127"/>
-              <a:ea typeface="LG스마트체2.0 Regular" panose="020B0600000101010101" pitchFamily="50" charset="-127"/>
-            </a:endParaRPr>
-          </a:p>
-          <a:p>
-            <a:pPr marL="514350" indent="-514350">
-              <a:buAutoNum type="arabicPeriod"/>
-            </a:pPr>
-            <a:r>
-              <a:rPr lang="ko-KR" altLang="en-US" sz="2800" dirty="0" smtClean="0">
-                <a:latin typeface="LG스마트체2.0 Regular" panose="020B0600000101010101" pitchFamily="50" charset="-127"/>
-                <a:ea typeface="LG스마트체2.0 Regular" panose="020B0600000101010101" pitchFamily="50" charset="-127"/>
-              </a:rPr>
-              <a:t>차량 </a:t>
-            </a:r>
-            <a:r>
-              <a:rPr lang="ko-KR" altLang="en-US" sz="2800" dirty="0" err="1">
-                <a:latin typeface="LG스마트체2.0 Regular" panose="020B0600000101010101" pitchFamily="50" charset="-127"/>
-                <a:ea typeface="LG스마트체2.0 Regular" panose="020B0600000101010101" pitchFamily="50" charset="-127"/>
-              </a:rPr>
-              <a:t>급발진</a:t>
-            </a:r>
-            <a:r>
-              <a:rPr lang="ko-KR" altLang="en-US" sz="2800" dirty="0">
-                <a:latin typeface="LG스마트체2.0 Regular" panose="020B0600000101010101" pitchFamily="50" charset="-127"/>
-                <a:ea typeface="LG스마트체2.0 Regular" panose="020B0600000101010101" pitchFamily="50" charset="-127"/>
-              </a:rPr>
-              <a:t> 사고 및 엑셀 브레이크 혼동 사고를 </a:t>
-            </a:r>
-            <a:r>
-              <a:rPr lang="ko-KR" altLang="en-US" sz="2800" dirty="0" smtClean="0">
-                <a:latin typeface="LG스마트체2.0 Regular" panose="020B0600000101010101" pitchFamily="50" charset="-127"/>
-                <a:ea typeface="LG스마트체2.0 Regular" panose="020B0600000101010101" pitchFamily="50" charset="-127"/>
-              </a:rPr>
-              <a:t>방지함</a:t>
-            </a:r>
-            <a:endParaRPr lang="en-US" altLang="ko-KR" sz="2800" dirty="0" smtClean="0">
-              <a:latin typeface="LG스마트체2.0 Regular" panose="020B0600000101010101" pitchFamily="50" charset="-127"/>
-              <a:ea typeface="LG스마트체2.0 Regular" panose="020B0600000101010101" pitchFamily="50" charset="-127"/>
-            </a:endParaRPr>
-          </a:p>
-        </p:txBody>
-      </p:sp>
-    </p:spTree>
-    <p:extLst>
-      <p:ext uri="{BB962C8B-B14F-4D97-AF65-F5344CB8AC3E}">
-        <p14:creationId xmlns:p14="http://schemas.microsoft.com/office/powerpoint/2010/main" val="2627944656"/>
       </p:ext>
     </p:extLst>
   </p:cSld>
@@ -12389,7 +14420,7 @@
                 <a:latin typeface="LG스마트체2.0 Regular" panose="020B0600000101010101" pitchFamily="50" charset="-127"/>
                 <a:ea typeface="LG스마트체2.0 Regular" panose="020B0600000101010101" pitchFamily="50" charset="-127"/>
               </a:rPr>
-              <a:t>5. </a:t>
+              <a:t>4. </a:t>
             </a:r>
             <a:r>
               <a:rPr lang="ko-KR" altLang="en-US" sz="5400" b="1" dirty="0">
@@ -12399,101 +14430,145 @@
                 <a:latin typeface="LG스마트체2.0 Regular" panose="020B0600000101010101" pitchFamily="50" charset="-127"/>
                 <a:ea typeface="LG스마트체2.0 Regular" panose="020B0600000101010101" pitchFamily="50" charset="-127"/>
               </a:rPr>
-              <a:t>향후 연구 과제</a:t>
+              <a:t>결과 분석 및 기대 효과</a:t>
             </a:r>
           </a:p>
         </p:txBody>
       </p:sp>
       <p:sp>
         <p:nvSpPr>
-          <p:cNvPr id="4" name="TextBox 3"/>
-          <p:cNvSpPr txBox="1"/>
+          <p:cNvPr id="4" name="직사각형 3"/>
+          <p:cNvSpPr/>
           <p:nvPr/>
         </p:nvSpPr>
         <p:spPr>
           <a:xfrm>
-            <a:off x="1497334" y="2154265"/>
-            <a:ext cx="12770604" cy="5138907"/>
+            <a:off x="1007389" y="2184667"/>
+            <a:ext cx="15294155" cy="4462760"/>
           </a:xfrm>
           <a:prstGeom prst="rect">
             <a:avLst/>
           </a:prstGeom>
-          <a:noFill/>
         </p:spPr>
         <p:txBody>
-          <a:bodyPr wrap="square" rtlCol="0">
+          <a:bodyPr wrap="square">
             <a:spAutoFit/>
           </a:bodyPr>
           <a:lstStyle/>
           <a:p>
-            <a:pPr marL="342900" indent="-342900">
-              <a:lnSpc>
-                <a:spcPct val="200000"/>
-              </a:lnSpc>
-              <a:buFont typeface="+mj-lt"/>
-              <a:buAutoNum type="arabicPeriod"/>
-            </a:pPr>
-            <a:r>
-              <a:rPr lang="en-US" altLang="ko-KR" sz="2800" dirty="0" smtClean="0">
-                <a:latin typeface="LG스마트체2.0 Regular" panose="020B0600000101010101" pitchFamily="50" charset="-127"/>
-                <a:ea typeface="LG스마트체2.0 Regular" panose="020B0600000101010101" pitchFamily="50" charset="-127"/>
-              </a:rPr>
-              <a:t>N</a:t>
-            </a:r>
-            <a:r>
-              <a:rPr lang="ko-KR" altLang="en-US" sz="2800" smtClean="0">
-                <a:latin typeface="LG스마트체2.0 Regular" panose="020B0600000101010101" pitchFamily="50" charset="-127"/>
-                <a:ea typeface="LG스마트체2.0 Regular" panose="020B0600000101010101" pitchFamily="50" charset="-127"/>
-              </a:rPr>
-              <a:t>개의 </a:t>
-            </a:r>
-            <a:r>
-              <a:rPr lang="en-US" altLang="ko-KR" sz="2800" dirty="0" smtClean="0">
-                <a:latin typeface="LG스마트체2.0 Regular" panose="020B0600000101010101" pitchFamily="50" charset="-127"/>
-                <a:ea typeface="LG스마트체2.0 Regular" panose="020B0600000101010101" pitchFamily="50" charset="-127"/>
-              </a:rPr>
-              <a:t>APP</a:t>
-            </a:r>
-            <a:r>
-              <a:rPr lang="ko-KR" altLang="en-US" sz="2800" smtClean="0">
-                <a:latin typeface="LG스마트체2.0 Regular" panose="020B0600000101010101" pitchFamily="50" charset="-127"/>
-                <a:ea typeface="LG스마트체2.0 Regular" panose="020B0600000101010101" pitchFamily="50" charset="-127"/>
-              </a:rPr>
-              <a:t>을 관리하는 멀티 프로세싱 </a:t>
-            </a:r>
-            <a:r>
-              <a:rPr lang="en-US" altLang="ko-KR" sz="2800" dirty="0" smtClean="0">
-                <a:latin typeface="LG스마트체2.0 Regular" panose="020B0600000101010101" pitchFamily="50" charset="-127"/>
-                <a:ea typeface="LG스마트체2.0 Regular" panose="020B0600000101010101" pitchFamily="50" charset="-127"/>
-              </a:rPr>
-              <a:t>OS </a:t>
-            </a:r>
-            <a:r>
-              <a:rPr lang="ko-KR" altLang="en-US" sz="2800" smtClean="0">
-                <a:latin typeface="LG스마트체2.0 Regular" panose="020B0600000101010101" pitchFamily="50" charset="-127"/>
-                <a:ea typeface="LG스마트체2.0 Regular" panose="020B0600000101010101" pitchFamily="50" charset="-127"/>
-              </a:rPr>
-              <a:t>설계</a:t>
-            </a:r>
+            <a:r>
+              <a:rPr lang="ko-KR" altLang="en-US" sz="3200" dirty="0" smtClean="0">
+                <a:solidFill>
+                  <a:srgbClr val="C00000"/>
+                </a:solidFill>
+                <a:latin typeface="LG스마트체2.0 Regular" panose="020B0600000101010101" pitchFamily="50" charset="-127"/>
+                <a:ea typeface="LG스마트체2.0 Regular" panose="020B0600000101010101" pitchFamily="50" charset="-127"/>
+              </a:rPr>
+              <a:t>결과</a:t>
+            </a:r>
+            <a:endParaRPr lang="en-US" altLang="ko-KR" sz="3200" dirty="0" smtClean="0">
+              <a:solidFill>
+                <a:srgbClr val="C00000"/>
+              </a:solidFill>
+              <a:latin typeface="LG스마트체2.0 Regular" panose="020B0600000101010101" pitchFamily="50" charset="-127"/>
+              <a:ea typeface="LG스마트체2.0 Regular" panose="020B0600000101010101" pitchFamily="50" charset="-127"/>
+            </a:endParaRPr>
+          </a:p>
+          <a:p>
             <a:endParaRPr lang="en-US" altLang="ko-KR" sz="2800" dirty="0" smtClean="0">
               <a:latin typeface="LG스마트체2.0 Regular" panose="020B0600000101010101" pitchFamily="50" charset="-127"/>
               <a:ea typeface="LG스마트체2.0 Regular" panose="020B0600000101010101" pitchFamily="50" charset="-127"/>
             </a:endParaRPr>
           </a:p>
           <a:p>
-            <a:pPr marL="342900" indent="-342900">
-              <a:lnSpc>
-                <a:spcPct val="200000"/>
-              </a:lnSpc>
-              <a:buFont typeface="+mj-lt"/>
+            <a:pPr marL="514350" indent="-514350">
               <a:buAutoNum type="arabicPeriod"/>
             </a:pPr>
             <a:r>
+              <a:rPr lang="en-US" altLang="ko-KR" sz="2800" dirty="0" smtClean="0">
+                <a:latin typeface="LG스마트체2.0 Regular" panose="020B0600000101010101" pitchFamily="50" charset="-127"/>
+                <a:ea typeface="LG스마트체2.0 Regular" panose="020B0600000101010101" pitchFamily="50" charset="-127"/>
+              </a:rPr>
+              <a:t>Cortex-A MP Core </a:t>
+            </a:r>
+            <a:r>
+              <a:rPr lang="ko-KR" altLang="en-US" sz="2800" smtClean="0">
+                <a:latin typeface="LG스마트체2.0 Regular" panose="020B0600000101010101" pitchFamily="50" charset="-127"/>
+                <a:ea typeface="LG스마트체2.0 Regular" panose="020B0600000101010101" pitchFamily="50" charset="-127"/>
+              </a:rPr>
+              <a:t>시스템에서 멀티 프로세싱 커널</a:t>
+            </a:r>
+            <a:r>
+              <a:rPr lang="en-US" altLang="ko-KR" sz="2800" dirty="0" smtClean="0">
+                <a:latin typeface="LG스마트체2.0 Regular" panose="020B0600000101010101" pitchFamily="50" charset="-127"/>
+                <a:ea typeface="LG스마트체2.0 Regular" panose="020B0600000101010101" pitchFamily="50" charset="-127"/>
+              </a:rPr>
+              <a:t>, </a:t>
+            </a:r>
+            <a:r>
+              <a:rPr lang="ko-KR" altLang="en-US" sz="2800" smtClean="0">
+                <a:latin typeface="LG스마트체2.0 Regular" panose="020B0600000101010101" pitchFamily="50" charset="-127"/>
+                <a:ea typeface="LG스마트체2.0 Regular" panose="020B0600000101010101" pitchFamily="50" charset="-127"/>
+              </a:rPr>
+              <a:t>시스템 콜</a:t>
+            </a:r>
+            <a:r>
+              <a:rPr lang="en-US" altLang="ko-KR" sz="2800" dirty="0" smtClean="0">
+                <a:latin typeface="LG스마트체2.0 Regular" panose="020B0600000101010101" pitchFamily="50" charset="-127"/>
+                <a:ea typeface="LG스마트체2.0 Regular" panose="020B0600000101010101" pitchFamily="50" charset="-127"/>
+              </a:rPr>
+              <a:t>, Demand paging</a:t>
+            </a:r>
+            <a:r>
+              <a:rPr lang="ko-KR" altLang="en-US" sz="2800" smtClean="0">
+                <a:latin typeface="LG스마트체2.0 Regular" panose="020B0600000101010101" pitchFamily="50" charset="-127"/>
+                <a:ea typeface="LG스마트체2.0 Regular" panose="020B0600000101010101" pitchFamily="50" charset="-127"/>
+              </a:rPr>
+              <a:t>을 구현함</a:t>
+            </a:r>
+            <a:endParaRPr lang="en-US" altLang="ko-KR" sz="2800" dirty="0">
+              <a:latin typeface="LG스마트체2.0 Regular" panose="020B0600000101010101" pitchFamily="50" charset="-127"/>
+              <a:ea typeface="LG스마트체2.0 Regular" panose="020B0600000101010101" pitchFamily="50" charset="-127"/>
+            </a:endParaRPr>
+          </a:p>
+          <a:p>
+            <a:pPr marL="514350" indent="-514350">
+              <a:buAutoNum type="arabicPeriod"/>
+            </a:pPr>
+            <a:r>
               <a:rPr lang="ko-KR" altLang="en-US" sz="2800" dirty="0" smtClean="0">
                 <a:latin typeface="LG스마트체2.0 Regular" panose="020B0600000101010101" pitchFamily="50" charset="-127"/>
                 <a:ea typeface="LG스마트체2.0 Regular" panose="020B0600000101010101" pitchFamily="50" charset="-127"/>
               </a:rPr>
-              <a:t>메모리 사용량 및 분기 횟수 최적화를 통한 성능 개선</a:t>
+              <a:t>멀티 </a:t>
+            </a:r>
+            <a:r>
+              <a:rPr lang="ko-KR" altLang="en-US" sz="2800" dirty="0" err="1" smtClean="0">
+                <a:latin typeface="LG스마트체2.0 Regular" panose="020B0600000101010101" pitchFamily="50" charset="-127"/>
+                <a:ea typeface="LG스마트체2.0 Regular" panose="020B0600000101010101" pitchFamily="50" charset="-127"/>
+              </a:rPr>
+              <a:t>프로세싱</a:t>
+            </a:r>
+            <a:r>
+              <a:rPr lang="ko-KR" altLang="en-US" sz="2800" dirty="0" smtClean="0">
+                <a:latin typeface="LG스마트체2.0 Regular" panose="020B0600000101010101" pitchFamily="50" charset="-127"/>
+                <a:ea typeface="LG스마트체2.0 Regular" panose="020B0600000101010101" pitchFamily="50" charset="-127"/>
+              </a:rPr>
+              <a:t> </a:t>
+            </a:r>
+            <a:r>
+              <a:rPr lang="en-US" altLang="ko-KR" sz="2800" dirty="0" smtClean="0">
+                <a:latin typeface="LG스마트체2.0 Regular" panose="020B0600000101010101" pitchFamily="50" charset="-127"/>
+                <a:ea typeface="LG스마트체2.0 Regular" panose="020B0600000101010101" pitchFamily="50" charset="-127"/>
+              </a:rPr>
+              <a:t>APP </a:t>
+            </a:r>
+            <a:r>
+              <a:rPr lang="ko-KR" altLang="en-US" sz="2800" smtClean="0">
+                <a:latin typeface="LG스마트체2.0 Regular" panose="020B0600000101010101" pitchFamily="50" charset="-127"/>
+                <a:ea typeface="LG스마트체2.0 Regular" panose="020B0600000101010101" pitchFamily="50" charset="-127"/>
+              </a:rPr>
+              <a:t>설계</a:t>
             </a:r>
             <a:endParaRPr lang="en-US" altLang="ko-KR" sz="2800" dirty="0" smtClean="0">
               <a:latin typeface="LG스마트체2.0 Regular" panose="020B0600000101010101" pitchFamily="50" charset="-127"/>
@@ -12501,47 +14576,44 @@
             </a:endParaRPr>
           </a:p>
           <a:p>
-            <a:pPr marL="342900" indent="-342900">
-              <a:lnSpc>
-                <a:spcPct val="200000"/>
-              </a:lnSpc>
-              <a:buFont typeface="+mj-lt"/>
-              <a:buAutoNum type="arabicPeriod"/>
+            <a:pPr marL="971550" lvl="1" indent="-514350">
+              <a:buFont typeface="Arial" panose="020B0604020202020204" pitchFamily="34" charset="0"/>
+              <a:buChar char="•"/>
             </a:pPr>
             <a:r>
+              <a:rPr lang="en-US" altLang="ko-KR" sz="2800" dirty="0" smtClean="0">
+                <a:latin typeface="LG스마트체2.0 Regular" panose="020B0600000101010101" pitchFamily="50" charset="-127"/>
+                <a:ea typeface="LG스마트체2.0 Regular" panose="020B0600000101010101" pitchFamily="50" charset="-127"/>
+              </a:rPr>
+              <a:t>APP1: </a:t>
+            </a:r>
+            <a:r>
+              <a:rPr lang="ko-KR" altLang="en-US" sz="2800">
+                <a:latin typeface="LG스마트체2.0 Regular" panose="020B0600000101010101" pitchFamily="50" charset="-127"/>
+                <a:ea typeface="LG스마트체2.0 Regular" panose="020B0600000101010101" pitchFamily="50" charset="-127"/>
+              </a:rPr>
+              <a:t>차량의 속도와 </a:t>
+            </a:r>
+            <a:r>
               <a:rPr lang="en-US" altLang="ko-KR" sz="2800" dirty="0">
                 <a:latin typeface="LG스마트체2.0 Regular" panose="020B0600000101010101" pitchFamily="50" charset="-127"/>
                 <a:ea typeface="LG스마트체2.0 Regular" panose="020B0600000101010101" pitchFamily="50" charset="-127"/>
               </a:rPr>
-              <a:t>MMU</a:t>
+              <a:t>APP2</a:t>
             </a:r>
             <a:r>
               <a:rPr lang="ko-KR" altLang="en-US" sz="2800">
                 <a:latin typeface="LG스마트체2.0 Regular" panose="020B0600000101010101" pitchFamily="50" charset="-127"/>
                 <a:ea typeface="LG스마트체2.0 Regular" panose="020B0600000101010101" pitchFamily="50" charset="-127"/>
               </a:rPr>
-              <a:t>의 </a:t>
-            </a:r>
-            <a:r>
-              <a:rPr lang="en-US" altLang="ko-KR" sz="2800" dirty="0">
-                <a:latin typeface="LG스마트체2.0 Regular" panose="020B0600000101010101" pitchFamily="50" charset="-127"/>
-                <a:ea typeface="LG스마트체2.0 Regular" panose="020B0600000101010101" pitchFamily="50" charset="-127"/>
-              </a:rPr>
-              <a:t>protection </a:t>
-            </a:r>
-            <a:r>
-              <a:rPr lang="ko-KR" altLang="en-US" sz="2800">
-                <a:latin typeface="LG스마트체2.0 Regular" panose="020B0600000101010101" pitchFamily="50" charset="-127"/>
-                <a:ea typeface="LG스마트체2.0 Regular" panose="020B0600000101010101" pitchFamily="50" charset="-127"/>
-              </a:rPr>
-              <a:t>기능 </a:t>
+              <a:t>의 기능을 시각적으로 </a:t>
             </a:r>
             <a:r>
               <a:rPr lang="ko-KR" altLang="en-US" sz="2800" smtClean="0">
                 <a:latin typeface="LG스마트체2.0 Regular" panose="020B0600000101010101" pitchFamily="50" charset="-127"/>
                 <a:ea typeface="LG스마트체2.0 Regular" panose="020B0600000101010101" pitchFamily="50" charset="-127"/>
               </a:rPr>
-              <a:t>및 취약점 분석</a:t>
+              <a:t>확인함</a:t>
             </a:r>
             <a:endParaRPr lang="en-US" altLang="ko-KR" sz="2800" dirty="0" smtClean="0">
               <a:latin typeface="LG스마트체2.0 Regular" panose="020B0600000101010101" pitchFamily="50" charset="-127"/>
@@ -12549,26 +14621,30 @@
             </a:endParaRPr>
           </a:p>
           <a:p>
-            <a:pPr marL="342900" indent="-342900">
-              <a:lnSpc>
-                <a:spcPct val="200000"/>
-              </a:lnSpc>
-              <a:buFont typeface="+mj-lt"/>
-              <a:buAutoNum type="arabicPeriod"/>
+            <a:pPr marL="971550" lvl="1" indent="-514350">
+              <a:buFont typeface="Arial" panose="020B0604020202020204" pitchFamily="34" charset="0"/>
+              <a:buChar char="•"/>
             </a:pPr>
             <a:r>
-              <a:rPr lang="ko-KR" altLang="en-US" sz="2800" dirty="0">
-                <a:latin typeface="LG스마트체2.0 Regular" panose="020B0600000101010101" pitchFamily="50" charset="-127"/>
-                <a:ea typeface="LG스마트체2.0 Regular" panose="020B0600000101010101" pitchFamily="50" charset="-127"/>
-              </a:rPr>
-              <a:t>멀티 코어 활용하여 시스템 성능 </a:t>
-            </a:r>
-            <a:r>
-              <a:rPr lang="ko-KR" altLang="en-US" sz="2800" dirty="0" smtClean="0">
-                <a:latin typeface="LG스마트체2.0 Regular" panose="020B0600000101010101" pitchFamily="50" charset="-127"/>
-                <a:ea typeface="LG스마트체2.0 Regular" panose="020B0600000101010101" pitchFamily="50" charset="-127"/>
-              </a:rPr>
-              <a:t>개선</a:t>
+              <a:rPr lang="en-US" altLang="ko-KR" sz="2800" dirty="0" smtClean="0">
+                <a:latin typeface="LG스마트체2.0 Regular" panose="020B0600000101010101" pitchFamily="50" charset="-127"/>
+                <a:ea typeface="LG스마트체2.0 Regular" panose="020B0600000101010101" pitchFamily="50" charset="-127"/>
+              </a:rPr>
+              <a:t>APP2: </a:t>
+            </a:r>
+            <a:r>
+              <a:rPr lang="ko-KR" altLang="en-US" sz="2800">
+                <a:latin typeface="LG스마트체2.0 Regular" panose="020B0600000101010101" pitchFamily="50" charset="-127"/>
+                <a:ea typeface="LG스마트체2.0 Regular" panose="020B0600000101010101" pitchFamily="50" charset="-127"/>
+              </a:rPr>
+              <a:t>급가속 상황에 대해 알림을 전달하여 운전자의 안전을 확보하고 사고를 미연에 </a:t>
+            </a:r>
+            <a:r>
+              <a:rPr lang="ko-KR" altLang="en-US" sz="2800" smtClean="0">
+                <a:latin typeface="LG스마트체2.0 Regular" panose="020B0600000101010101" pitchFamily="50" charset="-127"/>
+                <a:ea typeface="LG스마트체2.0 Regular" panose="020B0600000101010101" pitchFamily="50" charset="-127"/>
+              </a:rPr>
+              <a:t>방지함</a:t>
             </a:r>
             <a:endParaRPr lang="en-US" altLang="ko-KR" sz="2800" dirty="0" smtClean="0">
               <a:latin typeface="LG스마트체2.0 Regular" panose="020B0600000101010101" pitchFamily="50" charset="-127"/>
@@ -12576,70 +14652,89 @@
             </a:endParaRPr>
           </a:p>
           <a:p>
-            <a:pPr marL="342900" indent="-342900">
-              <a:lnSpc>
-                <a:spcPct val="200000"/>
-              </a:lnSpc>
-              <a:buFont typeface="+mj-lt"/>
+            <a:endParaRPr lang="en-US" altLang="ko-KR" sz="2800" dirty="0">
+              <a:latin typeface="LG스마트체2.0 Regular" panose="020B0600000101010101" pitchFamily="50" charset="-127"/>
+              <a:ea typeface="LG스마트체2.0 Regular" panose="020B0600000101010101" pitchFamily="50" charset="-127"/>
+            </a:endParaRPr>
+          </a:p>
+          <a:p>
+            <a:r>
+              <a:rPr lang="ko-KR" altLang="en-US" sz="2800" dirty="0" smtClean="0">
+                <a:solidFill>
+                  <a:srgbClr val="C00000"/>
+                </a:solidFill>
+                <a:latin typeface="LG스마트체2.0 Regular" panose="020B0600000101010101" pitchFamily="50" charset="-127"/>
+                <a:ea typeface="LG스마트체2.0 Regular" panose="020B0600000101010101" pitchFamily="50" charset="-127"/>
+              </a:rPr>
+              <a:t>향후 </a:t>
+            </a:r>
+            <a:r>
+              <a:rPr lang="ko-KR" altLang="en-US" sz="2800" dirty="0">
+                <a:solidFill>
+                  <a:srgbClr val="C00000"/>
+                </a:solidFill>
+                <a:latin typeface="LG스마트체2.0 Regular" panose="020B0600000101010101" pitchFamily="50" charset="-127"/>
+                <a:ea typeface="LG스마트체2.0 Regular" panose="020B0600000101010101" pitchFamily="50" charset="-127"/>
+              </a:rPr>
+              <a:t>활용 가능한 </a:t>
+            </a:r>
+            <a:r>
+              <a:rPr lang="ko-KR" altLang="en-US" sz="2800" dirty="0" smtClean="0">
+                <a:solidFill>
+                  <a:srgbClr val="C00000"/>
+                </a:solidFill>
+                <a:latin typeface="LG스마트체2.0 Regular" panose="020B0600000101010101" pitchFamily="50" charset="-127"/>
+                <a:ea typeface="LG스마트체2.0 Regular" panose="020B0600000101010101" pitchFamily="50" charset="-127"/>
+              </a:rPr>
+              <a:t>기대효과</a:t>
+            </a:r>
+            <a:endParaRPr lang="en-US" altLang="ko-KR" sz="2800" dirty="0" smtClean="0">
+              <a:solidFill>
+                <a:srgbClr val="C00000"/>
+              </a:solidFill>
+              <a:latin typeface="LG스마트체2.0 Regular" panose="020B0600000101010101" pitchFamily="50" charset="-127"/>
+              <a:ea typeface="LG스마트체2.0 Regular" panose="020B0600000101010101" pitchFamily="50" charset="-127"/>
+            </a:endParaRPr>
+          </a:p>
+          <a:p>
+            <a:endParaRPr lang="ko-KR" altLang="en-US" sz="2800" dirty="0">
+              <a:latin typeface="LG스마트체2.0 Regular" panose="020B0600000101010101" pitchFamily="50" charset="-127"/>
+              <a:ea typeface="LG스마트체2.0 Regular" panose="020B0600000101010101" pitchFamily="50" charset="-127"/>
+            </a:endParaRPr>
+          </a:p>
+          <a:p>
+            <a:pPr marL="514350" indent="-514350">
               <a:buAutoNum type="arabicPeriod"/>
             </a:pPr>
             <a:r>
+              <a:rPr lang="ko-KR" altLang="en-US" sz="2800" dirty="0" smtClean="0">
+                <a:latin typeface="LG스마트체2.0 Regular" panose="020B0600000101010101" pitchFamily="50" charset="-127"/>
+                <a:ea typeface="LG스마트체2.0 Regular" panose="020B0600000101010101" pitchFamily="50" charset="-127"/>
+              </a:rPr>
+              <a:t>차량 </a:t>
+            </a:r>
+            <a:r>
+              <a:rPr lang="ko-KR" altLang="en-US" sz="2800" dirty="0" err="1">
+                <a:latin typeface="LG스마트체2.0 Regular" panose="020B0600000101010101" pitchFamily="50" charset="-127"/>
+                <a:ea typeface="LG스마트체2.0 Regular" panose="020B0600000101010101" pitchFamily="50" charset="-127"/>
+              </a:rPr>
+              <a:t>급발진</a:t>
+            </a:r>
+            <a:r>
               <a:rPr lang="ko-KR" altLang="en-US" sz="2800" dirty="0">
                 <a:latin typeface="LG스마트체2.0 Regular" panose="020B0600000101010101" pitchFamily="50" charset="-127"/>
                 <a:ea typeface="LG스마트체2.0 Regular" panose="020B0600000101010101" pitchFamily="50" charset="-127"/>
               </a:rPr>
-              <a:t>실제 클러스터에 적용되는 기능의 개발이 가능하다면 </a:t>
-            </a:r>
-            <a:r>
-              <a:rPr lang="ko-KR" altLang="en-US" sz="2800" dirty="0" err="1">
-                <a:latin typeface="LG스마트체2.0 Regular" panose="020B0600000101010101" pitchFamily="50" charset="-127"/>
-                <a:ea typeface="LG스마트체2.0 Regular" panose="020B0600000101010101" pitchFamily="50" charset="-127"/>
-              </a:rPr>
-              <a:t>급발진</a:t>
-            </a:r>
-            <a:r>
-              <a:rPr lang="en-US" altLang="ko-KR" sz="2800" dirty="0">
-                <a:latin typeface="LG스마트체2.0 Regular" panose="020B0600000101010101" pitchFamily="50" charset="-127"/>
-                <a:ea typeface="LG스마트체2.0 Regular" panose="020B0600000101010101" pitchFamily="50" charset="-127"/>
-              </a:rPr>
-              <a:t>, </a:t>
-            </a:r>
-            <a:r>
-              <a:rPr lang="ko-KR" altLang="en-US" sz="2800">
-                <a:latin typeface="LG스마트체2.0 Regular" panose="020B0600000101010101" pitchFamily="50" charset="-127"/>
-                <a:ea typeface="LG스마트체2.0 Regular" panose="020B0600000101010101" pitchFamily="50" charset="-127"/>
-              </a:rPr>
-              <a:t>엑셀</a:t>
-            </a:r>
-            <a:r>
-              <a:rPr lang="en-US" altLang="ko-KR" sz="2800" dirty="0">
-                <a:latin typeface="LG스마트체2.0 Regular" panose="020B0600000101010101" pitchFamily="50" charset="-127"/>
-                <a:ea typeface="LG스마트체2.0 Regular" panose="020B0600000101010101" pitchFamily="50" charset="-127"/>
-              </a:rPr>
-              <a:t>-</a:t>
-            </a:r>
-            <a:r>
-              <a:rPr lang="ko-KR" altLang="en-US" sz="2800">
-                <a:latin typeface="LG스마트체2.0 Regular" panose="020B0600000101010101" pitchFamily="50" charset="-127"/>
-                <a:ea typeface="LG스마트체2.0 Regular" panose="020B0600000101010101" pitchFamily="50" charset="-127"/>
-              </a:rPr>
-              <a:t>브레이크 혼동 문제를 해결할 수 있는 근본적인 </a:t>
-            </a:r>
-            <a:r>
-              <a:rPr lang="ko-KR" altLang="en-US" sz="2800">
-                <a:latin typeface="LG스마트체2.0 Regular" panose="020B0600000101010101" pitchFamily="50" charset="-127"/>
-                <a:ea typeface="LG스마트체2.0 Regular" panose="020B0600000101010101" pitchFamily="50" charset="-127"/>
-              </a:rPr>
-              <a:t>해결책을 </a:t>
-            </a:r>
-            <a:r>
-              <a:rPr lang="ko-KR" altLang="en-US" sz="2800" smtClean="0">
-                <a:latin typeface="LG스마트체2.0 Regular" panose="020B0600000101010101" pitchFamily="50" charset="-127"/>
-                <a:ea typeface="LG스마트체2.0 Regular" panose="020B0600000101010101" pitchFamily="50" charset="-127"/>
-              </a:rPr>
-              <a:t>제안</a:t>
-            </a:r>
-            <a:endParaRPr lang="ko-KR" altLang="en-US" sz="2800" dirty="0">
+              <a:t> 사고 및 엑셀 브레이크 혼동 사고를 </a:t>
+            </a:r>
+            <a:r>
+              <a:rPr lang="ko-KR" altLang="en-US" sz="2800" dirty="0" smtClean="0">
+                <a:latin typeface="LG스마트체2.0 Regular" panose="020B0600000101010101" pitchFamily="50" charset="-127"/>
+                <a:ea typeface="LG스마트체2.0 Regular" panose="020B0600000101010101" pitchFamily="50" charset="-127"/>
+              </a:rPr>
+              <a:t>방지함</a:t>
+            </a:r>
+            <a:endParaRPr lang="en-US" altLang="ko-KR" sz="2800" dirty="0" smtClean="0">
               <a:latin typeface="LG스마트체2.0 Regular" panose="020B0600000101010101" pitchFamily="50" charset="-127"/>
               <a:ea typeface="LG스마트체2.0 Regular" panose="020B0600000101010101" pitchFamily="50" charset="-127"/>
             </a:endParaRPr>
@@ -12649,7 +14744,7 @@
     </p:spTree>
     <p:extLst>
       <p:ext uri="{BB962C8B-B14F-4D97-AF65-F5344CB8AC3E}">
-        <p14:creationId xmlns:p14="http://schemas.microsoft.com/office/powerpoint/2010/main" val="3019012668"/>
+        <p14:creationId xmlns:p14="http://schemas.microsoft.com/office/powerpoint/2010/main" val="2627944656"/>
       </p:ext>
     </p:extLst>
   </p:cSld>
@@ -12713,6 +14808,323 @@
                 <a:latin typeface="LG스마트체2.0 Regular" panose="020B0600000101010101" pitchFamily="50" charset="-127"/>
                 <a:ea typeface="LG스마트체2.0 Regular" panose="020B0600000101010101" pitchFamily="50" charset="-127"/>
               </a:rPr>
+              <a:t>5. </a:t>
+            </a:r>
+            <a:r>
+              <a:rPr lang="ko-KR" altLang="en-US" sz="5400" b="1" dirty="0">
+                <a:solidFill>
+                  <a:schemeClr val="bg1"/>
+                </a:solidFill>
+                <a:latin typeface="LG스마트체2.0 Regular" panose="020B0600000101010101" pitchFamily="50" charset="-127"/>
+                <a:ea typeface="LG스마트체2.0 Regular" panose="020B0600000101010101" pitchFamily="50" charset="-127"/>
+              </a:rPr>
+              <a:t>향후 연구 과제</a:t>
+            </a:r>
+          </a:p>
+        </p:txBody>
+      </p:sp>
+      <p:sp>
+        <p:nvSpPr>
+          <p:cNvPr id="4" name="TextBox 3"/>
+          <p:cNvSpPr txBox="1"/>
+          <p:nvPr/>
+        </p:nvSpPr>
+        <p:spPr>
+          <a:xfrm>
+            <a:off x="1497334" y="2154265"/>
+            <a:ext cx="12770604" cy="5138907"/>
+          </a:xfrm>
+          <a:prstGeom prst="rect">
+            <a:avLst/>
+          </a:prstGeom>
+          <a:noFill/>
+        </p:spPr>
+        <p:txBody>
+          <a:bodyPr wrap="square" rtlCol="0">
+            <a:spAutoFit/>
+          </a:bodyPr>
+          <a:lstStyle/>
+          <a:p>
+            <a:pPr marL="342900" indent="-342900">
+              <a:lnSpc>
+                <a:spcPct val="200000"/>
+              </a:lnSpc>
+              <a:buFont typeface="+mj-lt"/>
+              <a:buAutoNum type="arabicPeriod"/>
+            </a:pPr>
+            <a:r>
+              <a:rPr lang="en-US" altLang="ko-KR" sz="2800" dirty="0" smtClean="0">
+                <a:latin typeface="LG스마트체2.0 Regular" panose="020B0600000101010101" pitchFamily="50" charset="-127"/>
+                <a:ea typeface="LG스마트체2.0 Regular" panose="020B0600000101010101" pitchFamily="50" charset="-127"/>
+              </a:rPr>
+              <a:t>N</a:t>
+            </a:r>
+            <a:r>
+              <a:rPr lang="ko-KR" altLang="en-US" sz="2800" smtClean="0">
+                <a:latin typeface="LG스마트체2.0 Regular" panose="020B0600000101010101" pitchFamily="50" charset="-127"/>
+                <a:ea typeface="LG스마트체2.0 Regular" panose="020B0600000101010101" pitchFamily="50" charset="-127"/>
+              </a:rPr>
+              <a:t>개의 </a:t>
+            </a:r>
+            <a:r>
+              <a:rPr lang="en-US" altLang="ko-KR" sz="2800" dirty="0" smtClean="0">
+                <a:latin typeface="LG스마트체2.0 Regular" panose="020B0600000101010101" pitchFamily="50" charset="-127"/>
+                <a:ea typeface="LG스마트체2.0 Regular" panose="020B0600000101010101" pitchFamily="50" charset="-127"/>
+              </a:rPr>
+              <a:t>APP</a:t>
+            </a:r>
+            <a:r>
+              <a:rPr lang="ko-KR" altLang="en-US" sz="2800" smtClean="0">
+                <a:latin typeface="LG스마트체2.0 Regular" panose="020B0600000101010101" pitchFamily="50" charset="-127"/>
+                <a:ea typeface="LG스마트체2.0 Regular" panose="020B0600000101010101" pitchFamily="50" charset="-127"/>
+              </a:rPr>
+              <a:t>을 관리하는 멀티 프로세싱 </a:t>
+            </a:r>
+            <a:r>
+              <a:rPr lang="en-US" altLang="ko-KR" sz="2800" dirty="0" smtClean="0">
+                <a:latin typeface="LG스마트체2.0 Regular" panose="020B0600000101010101" pitchFamily="50" charset="-127"/>
+                <a:ea typeface="LG스마트체2.0 Regular" panose="020B0600000101010101" pitchFamily="50" charset="-127"/>
+              </a:rPr>
+              <a:t>OS </a:t>
+            </a:r>
+            <a:r>
+              <a:rPr lang="ko-KR" altLang="en-US" sz="2800" smtClean="0">
+                <a:latin typeface="LG스마트체2.0 Regular" panose="020B0600000101010101" pitchFamily="50" charset="-127"/>
+                <a:ea typeface="LG스마트체2.0 Regular" panose="020B0600000101010101" pitchFamily="50" charset="-127"/>
+              </a:rPr>
+              <a:t>설계</a:t>
+            </a:r>
+            <a:endParaRPr lang="en-US" altLang="ko-KR" sz="2800" dirty="0" smtClean="0">
+              <a:latin typeface="LG스마트체2.0 Regular" panose="020B0600000101010101" pitchFamily="50" charset="-127"/>
+              <a:ea typeface="LG스마트체2.0 Regular" panose="020B0600000101010101" pitchFamily="50" charset="-127"/>
+            </a:endParaRPr>
+          </a:p>
+          <a:p>
+            <a:pPr marL="342900" indent="-342900">
+              <a:lnSpc>
+                <a:spcPct val="200000"/>
+              </a:lnSpc>
+              <a:buFont typeface="+mj-lt"/>
+              <a:buAutoNum type="arabicPeriod"/>
+            </a:pPr>
+            <a:r>
+              <a:rPr lang="ko-KR" altLang="en-US" sz="2800" dirty="0" smtClean="0">
+                <a:latin typeface="LG스마트체2.0 Regular" panose="020B0600000101010101" pitchFamily="50" charset="-127"/>
+                <a:ea typeface="LG스마트체2.0 Regular" panose="020B0600000101010101" pitchFamily="50" charset="-127"/>
+              </a:rPr>
+              <a:t>메모리 사용량 및 분기 횟수 최적화를 통한 성능 개선</a:t>
+            </a:r>
+            <a:endParaRPr lang="en-US" altLang="ko-KR" sz="2800" dirty="0" smtClean="0">
+              <a:latin typeface="LG스마트체2.0 Regular" panose="020B0600000101010101" pitchFamily="50" charset="-127"/>
+              <a:ea typeface="LG스마트체2.0 Regular" panose="020B0600000101010101" pitchFamily="50" charset="-127"/>
+            </a:endParaRPr>
+          </a:p>
+          <a:p>
+            <a:pPr marL="342900" indent="-342900">
+              <a:lnSpc>
+                <a:spcPct val="200000"/>
+              </a:lnSpc>
+              <a:buFont typeface="+mj-lt"/>
+              <a:buAutoNum type="arabicPeriod"/>
+            </a:pPr>
+            <a:r>
+              <a:rPr lang="en-US" altLang="ko-KR" sz="2800" dirty="0">
+                <a:latin typeface="LG스마트체2.0 Regular" panose="020B0600000101010101" pitchFamily="50" charset="-127"/>
+                <a:ea typeface="LG스마트체2.0 Regular" panose="020B0600000101010101" pitchFamily="50" charset="-127"/>
+              </a:rPr>
+              <a:t>MMU</a:t>
+            </a:r>
+            <a:r>
+              <a:rPr lang="ko-KR" altLang="en-US" sz="2800">
+                <a:latin typeface="LG스마트체2.0 Regular" panose="020B0600000101010101" pitchFamily="50" charset="-127"/>
+                <a:ea typeface="LG스마트체2.0 Regular" panose="020B0600000101010101" pitchFamily="50" charset="-127"/>
+              </a:rPr>
+              <a:t>의 </a:t>
+            </a:r>
+            <a:r>
+              <a:rPr lang="en-US" altLang="ko-KR" sz="2800" dirty="0">
+                <a:latin typeface="LG스마트체2.0 Regular" panose="020B0600000101010101" pitchFamily="50" charset="-127"/>
+                <a:ea typeface="LG스마트체2.0 Regular" panose="020B0600000101010101" pitchFamily="50" charset="-127"/>
+              </a:rPr>
+              <a:t>protection </a:t>
+            </a:r>
+            <a:r>
+              <a:rPr lang="ko-KR" altLang="en-US" sz="2800">
+                <a:latin typeface="LG스마트체2.0 Regular" panose="020B0600000101010101" pitchFamily="50" charset="-127"/>
+                <a:ea typeface="LG스마트체2.0 Regular" panose="020B0600000101010101" pitchFamily="50" charset="-127"/>
+              </a:rPr>
+              <a:t>기능 </a:t>
+            </a:r>
+            <a:r>
+              <a:rPr lang="ko-KR" altLang="en-US" sz="2800" smtClean="0">
+                <a:latin typeface="LG스마트체2.0 Regular" panose="020B0600000101010101" pitchFamily="50" charset="-127"/>
+                <a:ea typeface="LG스마트체2.0 Regular" panose="020B0600000101010101" pitchFamily="50" charset="-127"/>
+              </a:rPr>
+              <a:t>및 취약점 분석</a:t>
+            </a:r>
+            <a:endParaRPr lang="en-US" altLang="ko-KR" sz="2800" dirty="0" smtClean="0">
+              <a:latin typeface="LG스마트체2.0 Regular" panose="020B0600000101010101" pitchFamily="50" charset="-127"/>
+              <a:ea typeface="LG스마트체2.0 Regular" panose="020B0600000101010101" pitchFamily="50" charset="-127"/>
+            </a:endParaRPr>
+          </a:p>
+          <a:p>
+            <a:pPr marL="342900" indent="-342900">
+              <a:lnSpc>
+                <a:spcPct val="200000"/>
+              </a:lnSpc>
+              <a:buFont typeface="+mj-lt"/>
+              <a:buAutoNum type="arabicPeriod"/>
+            </a:pPr>
+            <a:r>
+              <a:rPr lang="ko-KR" altLang="en-US" sz="2800" dirty="0">
+                <a:latin typeface="LG스마트체2.0 Regular" panose="020B0600000101010101" pitchFamily="50" charset="-127"/>
+                <a:ea typeface="LG스마트체2.0 Regular" panose="020B0600000101010101" pitchFamily="50" charset="-127"/>
+              </a:rPr>
+              <a:t>멀티 코어 활용하여 시스템 성능 </a:t>
+            </a:r>
+            <a:r>
+              <a:rPr lang="ko-KR" altLang="en-US" sz="2800" dirty="0" smtClean="0">
+                <a:latin typeface="LG스마트체2.0 Regular" panose="020B0600000101010101" pitchFamily="50" charset="-127"/>
+                <a:ea typeface="LG스마트체2.0 Regular" panose="020B0600000101010101" pitchFamily="50" charset="-127"/>
+              </a:rPr>
+              <a:t>개선</a:t>
+            </a:r>
+            <a:endParaRPr lang="en-US" altLang="ko-KR" sz="2800" dirty="0" smtClean="0">
+              <a:latin typeface="LG스마트체2.0 Regular" panose="020B0600000101010101" pitchFamily="50" charset="-127"/>
+              <a:ea typeface="LG스마트체2.0 Regular" panose="020B0600000101010101" pitchFamily="50" charset="-127"/>
+            </a:endParaRPr>
+          </a:p>
+          <a:p>
+            <a:pPr marL="342900" indent="-342900">
+              <a:lnSpc>
+                <a:spcPct val="200000"/>
+              </a:lnSpc>
+              <a:buFont typeface="+mj-lt"/>
+              <a:buAutoNum type="arabicPeriod"/>
+            </a:pPr>
+            <a:r>
+              <a:rPr lang="ko-KR" altLang="en-US" sz="2800" dirty="0">
+                <a:latin typeface="LG스마트체2.0 Regular" panose="020B0600000101010101" pitchFamily="50" charset="-127"/>
+                <a:ea typeface="LG스마트체2.0 Regular" panose="020B0600000101010101" pitchFamily="50" charset="-127"/>
+              </a:rPr>
+              <a:t>실제 클러스터에 적용되는 기능의 개발이 가능하다면 </a:t>
+            </a:r>
+            <a:r>
+              <a:rPr lang="ko-KR" altLang="en-US" sz="2800" dirty="0" err="1">
+                <a:latin typeface="LG스마트체2.0 Regular" panose="020B0600000101010101" pitchFamily="50" charset="-127"/>
+                <a:ea typeface="LG스마트체2.0 Regular" panose="020B0600000101010101" pitchFamily="50" charset="-127"/>
+              </a:rPr>
+              <a:t>급발진</a:t>
+            </a:r>
+            <a:r>
+              <a:rPr lang="en-US" altLang="ko-KR" sz="2800" dirty="0">
+                <a:latin typeface="LG스마트체2.0 Regular" panose="020B0600000101010101" pitchFamily="50" charset="-127"/>
+                <a:ea typeface="LG스마트체2.0 Regular" panose="020B0600000101010101" pitchFamily="50" charset="-127"/>
+              </a:rPr>
+              <a:t>, </a:t>
+            </a:r>
+            <a:r>
+              <a:rPr lang="ko-KR" altLang="en-US" sz="2800">
+                <a:latin typeface="LG스마트체2.0 Regular" panose="020B0600000101010101" pitchFamily="50" charset="-127"/>
+                <a:ea typeface="LG스마트체2.0 Regular" panose="020B0600000101010101" pitchFamily="50" charset="-127"/>
+              </a:rPr>
+              <a:t>엑셀</a:t>
+            </a:r>
+            <a:r>
+              <a:rPr lang="en-US" altLang="ko-KR" sz="2800" dirty="0">
+                <a:latin typeface="LG스마트체2.0 Regular" panose="020B0600000101010101" pitchFamily="50" charset="-127"/>
+                <a:ea typeface="LG스마트체2.0 Regular" panose="020B0600000101010101" pitchFamily="50" charset="-127"/>
+              </a:rPr>
+              <a:t>-</a:t>
+            </a:r>
+            <a:r>
+              <a:rPr lang="ko-KR" altLang="en-US" sz="2800">
+                <a:latin typeface="LG스마트체2.0 Regular" panose="020B0600000101010101" pitchFamily="50" charset="-127"/>
+                <a:ea typeface="LG스마트체2.0 Regular" panose="020B0600000101010101" pitchFamily="50" charset="-127"/>
+              </a:rPr>
+              <a:t>브레이크 혼동 문제를 해결할 수 있는 근본적인 해결책을 </a:t>
+            </a:r>
+            <a:r>
+              <a:rPr lang="ko-KR" altLang="en-US" sz="2800" smtClean="0">
+                <a:latin typeface="LG스마트체2.0 Regular" panose="020B0600000101010101" pitchFamily="50" charset="-127"/>
+                <a:ea typeface="LG스마트체2.0 Regular" panose="020B0600000101010101" pitchFamily="50" charset="-127"/>
+              </a:rPr>
+              <a:t>제안</a:t>
+            </a:r>
+            <a:endParaRPr lang="ko-KR" altLang="en-US" sz="2800" dirty="0">
+              <a:latin typeface="LG스마트체2.0 Regular" panose="020B0600000101010101" pitchFamily="50" charset="-127"/>
+              <a:ea typeface="LG스마트체2.0 Regular" panose="020B0600000101010101" pitchFamily="50" charset="-127"/>
+            </a:endParaRPr>
+          </a:p>
+        </p:txBody>
+      </p:sp>
+    </p:spTree>
+    <p:extLst>
+      <p:ext uri="{BB962C8B-B14F-4D97-AF65-F5344CB8AC3E}">
+        <p14:creationId xmlns:p14="http://schemas.microsoft.com/office/powerpoint/2010/main" val="3019012668"/>
+      </p:ext>
+    </p:extLst>
+  </p:cSld>
+  <p:clrMapOvr>
+    <a:masterClrMapping/>
+  </p:clrMapOvr>
+  <p:timing>
+    <p:tnLst>
+      <p:par>
+        <p:cTn id="1" dur="indefinite" restart="never" nodeType="tmRoot"/>
+      </p:par>
+    </p:tnLst>
+  </p:timing>
+</p:sld>
+</file>
+
+<file path=ppt/slides/slide18.xml><?xml version="1.0" encoding="utf-8"?>
+<p:sld xmlns:a="http://schemas.openxmlformats.org/drawingml/2006/main" xmlns:r="http://schemas.openxmlformats.org/officeDocument/2006/relationships" xmlns:p="http://schemas.openxmlformats.org/presentationml/2006/main">
+  <p:cSld>
+    <p:spTree>
+      <p:nvGrpSpPr>
+        <p:cNvPr id="1" name=""/>
+        <p:cNvGrpSpPr/>
+        <p:nvPr/>
+      </p:nvGrpSpPr>
+      <p:grpSpPr>
+        <a:xfrm>
+          <a:off x="0" y="0"/>
+          <a:ext cx="0" cy="0"/>
+          <a:chOff x="0" y="0"/>
+          <a:chExt cx="0" cy="0"/>
+        </a:xfrm>
+      </p:grpSpPr>
+      <p:sp>
+        <p:nvSpPr>
+          <p:cNvPr id="2" name="TextBox 1"/>
+          <p:cNvSpPr txBox="1"/>
+          <p:nvPr/>
+        </p:nvSpPr>
+        <p:spPr>
+          <a:xfrm>
+            <a:off x="244862" y="238662"/>
+            <a:ext cx="14190667" cy="923330"/>
+          </a:xfrm>
+          <a:prstGeom prst="rect">
+            <a:avLst/>
+          </a:prstGeom>
+          <a:noFill/>
+        </p:spPr>
+        <p:txBody>
+          <a:bodyPr wrap="square" rtlCol="0">
+            <a:spAutoFit/>
+          </a:bodyPr>
+          <a:lstStyle/>
+          <a:p>
+            <a:r>
+              <a:rPr lang="en-US" altLang="ko-KR" sz="5400" b="1" dirty="0">
+                <a:solidFill>
+                  <a:schemeClr val="bg1"/>
+                </a:solidFill>
+                <a:latin typeface="LG스마트체2.0 Regular" panose="020B0600000101010101" pitchFamily="50" charset="-127"/>
+                <a:ea typeface="LG스마트체2.0 Regular" panose="020B0600000101010101" pitchFamily="50" charset="-127"/>
+              </a:rPr>
               <a:t>6. </a:t>
             </a:r>
             <a:r>
@@ -12829,14 +15241,7 @@
                 <a:latin typeface="LG스마트체2.0 Regular" panose="020B0600000101010101" pitchFamily="50" charset="-127"/>
                 <a:ea typeface="LG스마트체2.0 Regular" panose="020B0600000101010101" pitchFamily="50" charset="-127"/>
               </a:rPr>
-              <a:t>또한 개념이 부족하면 올바르게 설계되지 않아 코드를 불안정하게 짤 수 밖에 없다는 점을 </a:t>
-            </a:r>
-            <a:r>
-              <a:rPr lang="ko-KR" altLang="en-US">
-                <a:latin typeface="LG스마트체2.0 Regular" panose="020B0600000101010101" pitchFamily="50" charset="-127"/>
-                <a:ea typeface="LG스마트체2.0 Regular" panose="020B0600000101010101" pitchFamily="50" charset="-127"/>
-              </a:rPr>
-              <a:t>깨달았습니다</a:t>
+              <a:t>또한 개념이 부족하면 올바르게 설계되지 않아 코드를 불안정하게 짤 수 밖에 없다는 점을 깨달았습니다</a:t>
             </a:r>
             <a:r>
               <a:rPr lang="en-US" altLang="ko-KR" dirty="0" smtClean="0">
@@ -12905,70 +15310,56 @@
                 <a:latin typeface="LG스마트체2.0 Regular" panose="020B0600000101010101" pitchFamily="50" charset="-127"/>
                 <a:ea typeface="LG스마트체2.0 Regular" panose="020B0600000101010101" pitchFamily="50" charset="-127"/>
               </a:rPr>
-              <a:t>테스트를 생각해내고 적용하는 것이 어려웠던 것 </a:t>
+              <a:t>테스트를 생각해내고 적용하는 것이 어려웠던 것 같습니다</a:t>
+            </a:r>
+            <a:r>
+              <a:rPr lang="en-US" altLang="ko-KR" dirty="0" smtClean="0">
+                <a:latin typeface="LG스마트체2.0 Regular" panose="020B0600000101010101" pitchFamily="50" charset="-127"/>
+                <a:ea typeface="LG스마트체2.0 Regular" panose="020B0600000101010101" pitchFamily="50" charset="-127"/>
+              </a:rPr>
+              <a:t>. </a:t>
+            </a:r>
+            <a:r>
+              <a:rPr lang="ko-KR" altLang="en-US" smtClean="0">
+                <a:latin typeface="LG스마트체2.0 Regular" panose="020B0600000101010101" pitchFamily="50" charset="-127"/>
+                <a:ea typeface="LG스마트체2.0 Regular" panose="020B0600000101010101" pitchFamily="50" charset="-127"/>
+              </a:rPr>
+              <a:t>또한 </a:t>
             </a:r>
             <a:r>
               <a:rPr lang="ko-KR" altLang="en-US">
                 <a:latin typeface="LG스마트체2.0 Regular" panose="020B0600000101010101" pitchFamily="50" charset="-127"/>
                 <a:ea typeface="LG스마트체2.0 Regular" panose="020B0600000101010101" pitchFamily="50" charset="-127"/>
               </a:rPr>
-              <a:t>같습니다</a:t>
-            </a:r>
-            <a:r>
-              <a:rPr lang="en-US" altLang="ko-KR" dirty="0" smtClean="0">
+              <a:t>디버깅이 힘들기 때문에 개념을 잘 확립하고 코딩해야되는 점 또한 힘들면서도 특별한 개발 과정이었던 것 같습니다</a:t>
+            </a:r>
+            <a:r>
+              <a:rPr lang="en-US" altLang="ko-KR" dirty="0">
                 <a:latin typeface="LG스마트체2.0 Regular" panose="020B0600000101010101" pitchFamily="50" charset="-127"/>
                 <a:ea typeface="LG스마트체2.0 Regular" panose="020B0600000101010101" pitchFamily="50" charset="-127"/>
               </a:rPr>
               <a:t>. </a:t>
             </a:r>
             <a:r>
-              <a:rPr lang="ko-KR" altLang="en-US" smtClean="0">
-                <a:latin typeface="LG스마트체2.0 Regular" panose="020B0600000101010101" pitchFamily="50" charset="-127"/>
-                <a:ea typeface="LG스마트체2.0 Regular" panose="020B0600000101010101" pitchFamily="50" charset="-127"/>
-              </a:rPr>
-              <a:t>또한 </a:t>
-            </a:r>
-            <a:r>
               <a:rPr lang="ko-KR" altLang="en-US">
                 <a:latin typeface="LG스마트체2.0 Regular" panose="020B0600000101010101" pitchFamily="50" charset="-127"/>
                 <a:ea typeface="LG스마트체2.0 Regular" panose="020B0600000101010101" pitchFamily="50" charset="-127"/>
               </a:rPr>
-              <a:t>디버깅이 힘들기 때문에 개념을 잘 확립하고 코딩해야되는 점 또한 힘들면서도 특별한 개발 과정이었던 것 같습니다</a:t>
+              <a:t>팀원들과 하나하나 개념을 적립해나가면서</a:t>
             </a:r>
             <a:r>
               <a:rPr lang="en-US" altLang="ko-KR" dirty="0">
                 <a:latin typeface="LG스마트체2.0 Regular" panose="020B0600000101010101" pitchFamily="50" charset="-127"/>
                 <a:ea typeface="LG스마트체2.0 Regular" panose="020B0600000101010101" pitchFamily="50" charset="-127"/>
               </a:rPr>
-              <a:t>. </a:t>
+              <a:t>, </a:t>
             </a:r>
             <a:r>
               <a:rPr lang="ko-KR" altLang="en-US">
                 <a:latin typeface="LG스마트체2.0 Regular" panose="020B0600000101010101" pitchFamily="50" charset="-127"/>
                 <a:ea typeface="LG스마트체2.0 Regular" panose="020B0600000101010101" pitchFamily="50" charset="-127"/>
               </a:rPr>
-              <a:t>팀원들과 하나하나 개념을 적립해나가면서</a:t>
-            </a:r>
-            <a:r>
-              <a:rPr lang="en-US" altLang="ko-KR" dirty="0">
-                <a:latin typeface="LG스마트체2.0 Regular" panose="020B0600000101010101" pitchFamily="50" charset="-127"/>
-                <a:ea typeface="LG스마트체2.0 Regular" panose="020B0600000101010101" pitchFamily="50" charset="-127"/>
-              </a:rPr>
-              <a:t>, </a:t>
-            </a:r>
-            <a:r>
-              <a:rPr lang="ko-KR" altLang="en-US">
-                <a:latin typeface="LG스마트체2.0 Regular" panose="020B0600000101010101" pitchFamily="50" charset="-127"/>
-                <a:ea typeface="LG스마트체2.0 Regular" panose="020B0600000101010101" pitchFamily="50" charset="-127"/>
-              </a:rPr>
-              <a:t>디버깅 방법을 생각해내고 프로그램을 돌아보는 과정이 큰 기억에 남을 것 </a:t>
-            </a:r>
-            <a:r>
-              <a:rPr lang="ko-KR" altLang="en-US">
-                <a:latin typeface="LG스마트체2.0 Regular" panose="020B0600000101010101" pitchFamily="50" charset="-127"/>
-                <a:ea typeface="LG스마트체2.0 Regular" panose="020B0600000101010101" pitchFamily="50" charset="-127"/>
-              </a:rPr>
-              <a:t>같습니다</a:t>
+              <a:t>디버깅 방법을 생각해내고 프로그램을 돌아보는 과정이 큰 기억에 남을 것 같습니다</a:t>
             </a:r>
             <a:r>
               <a:rPr lang="en-US" altLang="ko-KR" dirty="0" smtClean="0">
@@ -13192,14 +15583,7 @@
                 <a:latin typeface="LG스마트체2.0 Regular" panose="020B0600000101010101" pitchFamily="50" charset="-127"/>
                 <a:ea typeface="LG스마트체2.0 Regular" panose="020B0600000101010101" pitchFamily="50" charset="-127"/>
               </a:rPr>
-              <a:t>다양한 기능들을 구현하는 과정이 힘들지만 많이 배워갈 수 </a:t>
-            </a:r>
-            <a:r>
-              <a:rPr lang="ko-KR" altLang="en-US">
-                <a:latin typeface="LG스마트체2.0 Regular" panose="020B0600000101010101" pitchFamily="50" charset="-127"/>
-                <a:ea typeface="LG스마트체2.0 Regular" panose="020B0600000101010101" pitchFamily="50" charset="-127"/>
-              </a:rPr>
-              <a:t>있었습니다</a:t>
+              <a:t>다양한 기능들을 구현하는 과정이 힘들지만 많이 배워갈 수 있었습니다</a:t>
             </a:r>
             <a:r>
               <a:rPr lang="en-US" altLang="ko-KR" dirty="0" smtClean="0">
@@ -13261,14 +15645,7 @@
                 <a:latin typeface="LG스마트체2.0 Regular" panose="020B0600000101010101" pitchFamily="50" charset="-127"/>
                 <a:ea typeface="LG스마트체2.0 Regular" panose="020B0600000101010101" pitchFamily="50" charset="-127"/>
               </a:rPr>
-              <a:t>과정 중 오류를 분석하는 과정이 쉽지 않은 점이었고 해당 과정은 팀원과 이론을 되짚어 보는 과정을 통해 해결해 </a:t>
-            </a:r>
-            <a:r>
-              <a:rPr lang="ko-KR" altLang="en-US">
-                <a:latin typeface="LG스마트체2.0 Regular" panose="020B0600000101010101" pitchFamily="50" charset="-127"/>
-                <a:ea typeface="LG스마트체2.0 Regular" panose="020B0600000101010101" pitchFamily="50" charset="-127"/>
-              </a:rPr>
-              <a:t>나갔습니다</a:t>
+              <a:t>과정 중 오류를 분석하는 과정이 쉽지 않은 점이었고 해당 과정은 팀원과 이론을 되짚어 보는 과정을 통해 해결해 나갔습니다</a:t>
             </a:r>
             <a:r>
               <a:rPr lang="en-US" altLang="ko-KR" dirty="0" smtClean="0">
@@ -13443,14 +15820,7 @@
                 <a:latin typeface="LG스마트체2.0 Regular" panose="020B0600000101010101" pitchFamily="50" charset="-127"/>
                 <a:ea typeface="LG스마트체2.0 Regular" panose="020B0600000101010101" pitchFamily="50" charset="-127"/>
               </a:rPr>
-              <a:t>가 해당 영역에 접근할 수 있도록 설계하는 과정을 통해 메모리 실제 접근 방식을 확실하게 배운 것 </a:t>
-            </a:r>
-            <a:r>
-              <a:rPr lang="ko-KR" altLang="en-US">
-                <a:latin typeface="LG스마트체2.0 Regular" panose="020B0600000101010101" pitchFamily="50" charset="-127"/>
-                <a:ea typeface="LG스마트체2.0 Regular" panose="020B0600000101010101" pitchFamily="50" charset="-127"/>
-              </a:rPr>
-              <a:t>같습니다</a:t>
+              <a:t>가 해당 영역에 접근할 수 있도록 설계하는 과정을 통해 메모리 실제 접근 방식을 확실하게 배운 것 같습니다</a:t>
             </a:r>
             <a:r>
               <a:rPr lang="en-US" altLang="ko-KR" dirty="0" smtClean="0">
@@ -13554,14 +15924,7 @@
                 <a:latin typeface="LG스마트체2.0 Regular" panose="020B0600000101010101" pitchFamily="50" charset="-127"/>
                 <a:ea typeface="LG스마트체2.0 Regular" panose="020B0600000101010101" pitchFamily="50" charset="-127"/>
               </a:rPr>
-              <a:t>해당 이슈로 인해 디맨드 페이징 프로젝트의 마지막에 캐시가 되지 않아 문제를 해결하고자 많은 시간을 투자하면서 프로젝트 완료에 어려움이 </a:t>
-            </a:r>
-            <a:r>
-              <a:rPr lang="ko-KR" altLang="en-US">
-                <a:latin typeface="LG스마트체2.0 Regular" panose="020B0600000101010101" pitchFamily="50" charset="-127"/>
-                <a:ea typeface="LG스마트체2.0 Regular" panose="020B0600000101010101" pitchFamily="50" charset="-127"/>
-              </a:rPr>
-              <a:t>있었습니다</a:t>
+              <a:t>해당 이슈로 인해 디맨드 페이징 프로젝트의 마지막에 캐시가 되지 않아 문제를 해결하고자 많은 시간을 투자하면서 프로젝트 완료에 어려움이 있었습니다</a:t>
             </a:r>
             <a:r>
               <a:rPr lang="en-US" altLang="ko-KR" dirty="0" smtClean="0">
@@ -14771,17 +17134,7 @@
                 <a:latin typeface="LG스마트체2.0 Regular" panose="020B0600000101010101" pitchFamily="50" charset="-127"/>
                 <a:ea typeface="LG스마트체2.0 Regular" panose="020B0600000101010101" pitchFamily="50" charset="-127"/>
               </a:rPr>
-              <a:t>이 일정 시간마다 번갈아서 실행되도록 하여 동시에 실행되는 것처럼 </a:t>
-            </a:r>
-            <a:r>
-              <a:rPr lang="ko-KR" altLang="ko-KR" sz="2400">
-                <a:solidFill>
-                  <a:srgbClr val="000000"/>
-                </a:solidFill>
-                <a:latin typeface="LG스마트체2.0 Regular" panose="020B0600000101010101" pitchFamily="50" charset="-127"/>
-                <a:ea typeface="LG스마트체2.0 Regular" panose="020B0600000101010101" pitchFamily="50" charset="-127"/>
-              </a:rPr>
-              <a:t>보이게 </a:t>
+              <a:t>이 일정 시간마다 번갈아서 실행되도록 하여 동시에 실행되는 것처럼 보이게 </a:t>
             </a:r>
             <a:r>
               <a:rPr lang="ko-KR" altLang="en-US" sz="2400" smtClean="0">
@@ -14937,17 +17290,7 @@
                 <a:latin typeface="LG스마트체2.0 Regular" panose="020B0600000101010101" pitchFamily="50" charset="-127"/>
                 <a:ea typeface="LG스마트체2.0 Regular" panose="020B0600000101010101" pitchFamily="50" charset="-127"/>
               </a:rPr>
-              <a:t>모든 동작을 시스템콜을 </a:t>
-            </a:r>
-            <a:r>
-              <a:rPr lang="ko-KR" altLang="ko-KR" sz="2400">
-                <a:solidFill>
-                  <a:srgbClr val="000000"/>
-                </a:solidFill>
-                <a:latin typeface="LG스마트체2.0 Regular" panose="020B0600000101010101" pitchFamily="50" charset="-127"/>
-                <a:ea typeface="LG스마트체2.0 Regular" panose="020B0600000101010101" pitchFamily="50" charset="-127"/>
-              </a:rPr>
-              <a:t>통해 </a:t>
+              <a:t>모든 동작을 시스템콜을 통해 </a:t>
             </a:r>
             <a:r>
               <a:rPr lang="ko-KR" altLang="ko-KR" sz="2400" smtClean="0">
@@ -15179,17 +17522,7 @@
                 <a:latin typeface="LG스마트체2.0 Regular" panose="020B0600000101010101" pitchFamily="50" charset="-127"/>
                 <a:ea typeface="LG스마트체2.0 Regular" panose="020B0600000101010101" pitchFamily="50" charset="-127"/>
               </a:rPr>
-              <a:t>에 </a:t>
-            </a:r>
-            <a:r>
-              <a:rPr lang="ko-KR" altLang="ko-KR" sz="2400">
-                <a:solidFill>
-                  <a:srgbClr val="000000"/>
-                </a:solidFill>
-                <a:latin typeface="LG스마트체2.0 Regular" panose="020B0600000101010101" pitchFamily="50" charset="-127"/>
-                <a:ea typeface="LG스마트체2.0 Regular" panose="020B0600000101010101" pitchFamily="50" charset="-127"/>
-              </a:rPr>
-              <a:t>로드하고 </a:t>
+              <a:t>에 로드하고 </a:t>
             </a:r>
             <a:r>
               <a:rPr lang="ko-KR" altLang="ko-KR" sz="2400" smtClean="0">
@@ -15455,7 +17788,7 @@
           <p:cNvPr id="14" name="직사각형 13">
             <a:extLst>
               <a:ext uri="{FF2B5EF4-FFF2-40B4-BE49-F238E27FC236}">
-                <a16:creationId xmlns:a16="http://schemas.microsoft.com/office/drawing/2014/main" xmlns="" id="{3EB52F87-C376-6A70-DBAC-DE08D56833BA}"/>
+                <a16:creationId xmlns="" xmlns:a16="http://schemas.microsoft.com/office/drawing/2014/main" id="{3EB52F87-C376-6A70-DBAC-DE08D56833BA}"/>
               </a:ext>
             </a:extLst>
           </p:cNvPr>
@@ -15504,7 +17837,7 @@
           <p:cNvPr id="15" name="그림 14">
             <a:extLst>
               <a:ext uri="{FF2B5EF4-FFF2-40B4-BE49-F238E27FC236}">
-                <a16:creationId xmlns:a16="http://schemas.microsoft.com/office/drawing/2014/main" xmlns="" id="{98DD43F2-8C0C-AB26-2F5C-690952C6C08E}"/>
+                <a16:creationId xmlns="" xmlns:a16="http://schemas.microsoft.com/office/drawing/2014/main" id="{98DD43F2-8C0C-AB26-2F5C-690952C6C08E}"/>
               </a:ext>
             </a:extLst>
           </p:cNvPr>
@@ -15534,7 +17867,7 @@
           <p:cNvPr id="17" name="TextBox 16">
             <a:extLst>
               <a:ext uri="{FF2B5EF4-FFF2-40B4-BE49-F238E27FC236}">
-                <a16:creationId xmlns:a16="http://schemas.microsoft.com/office/drawing/2014/main" xmlns="" id="{970F9048-48CE-0230-198B-AD9A1E5208A4}"/>
+                <a16:creationId xmlns="" xmlns:a16="http://schemas.microsoft.com/office/drawing/2014/main" id="{970F9048-48CE-0230-198B-AD9A1E5208A4}"/>
               </a:ext>
             </a:extLst>
           </p:cNvPr>
@@ -15583,7 +17916,7 @@
           <p:cNvPr id="25" name="직사각형 24">
             <a:extLst>
               <a:ext uri="{FF2B5EF4-FFF2-40B4-BE49-F238E27FC236}">
-                <a16:creationId xmlns:a16="http://schemas.microsoft.com/office/drawing/2014/main" xmlns="" id="{831597D2-AE4C-D8E6-AD57-E0305D57DFDA}"/>
+                <a16:creationId xmlns="" xmlns:a16="http://schemas.microsoft.com/office/drawing/2014/main" id="{831597D2-AE4C-D8E6-AD57-E0305D57DFDA}"/>
               </a:ext>
             </a:extLst>
           </p:cNvPr>
@@ -15632,7 +17965,7 @@
           <p:cNvPr id="26" name="그림 25">
             <a:extLst>
               <a:ext uri="{FF2B5EF4-FFF2-40B4-BE49-F238E27FC236}">
-                <a16:creationId xmlns:a16="http://schemas.microsoft.com/office/drawing/2014/main" xmlns="" id="{5DB1ADFA-F798-384F-2821-6AB0A55D6477}"/>
+                <a16:creationId xmlns="" xmlns:a16="http://schemas.microsoft.com/office/drawing/2014/main" id="{5DB1ADFA-F798-384F-2821-6AB0A55D6477}"/>
               </a:ext>
             </a:extLst>
           </p:cNvPr>
@@ -15662,7 +17995,7 @@
           <p:cNvPr id="30" name="직사각형 29">
             <a:extLst>
               <a:ext uri="{FF2B5EF4-FFF2-40B4-BE49-F238E27FC236}">
-                <a16:creationId xmlns:a16="http://schemas.microsoft.com/office/drawing/2014/main" xmlns="" id="{ED3F7117-72D1-C2FB-0D82-1E6D50DEC11B}"/>
+                <a16:creationId xmlns="" xmlns:a16="http://schemas.microsoft.com/office/drawing/2014/main" id="{ED3F7117-72D1-C2FB-0D82-1E6D50DEC11B}"/>
               </a:ext>
             </a:extLst>
           </p:cNvPr>
@@ -15711,7 +18044,7 @@
           <p:cNvPr id="31" name="그림 30">
             <a:extLst>
               <a:ext uri="{FF2B5EF4-FFF2-40B4-BE49-F238E27FC236}">
-                <a16:creationId xmlns:a16="http://schemas.microsoft.com/office/drawing/2014/main" xmlns="" id="{4BCF7F5D-970C-7B27-F32C-4799E551A011}"/>
+                <a16:creationId xmlns="" xmlns:a16="http://schemas.microsoft.com/office/drawing/2014/main" id="{4BCF7F5D-970C-7B27-F32C-4799E551A011}"/>
               </a:ext>
             </a:extLst>
           </p:cNvPr>
@@ -15741,7 +18074,7 @@
           <p:cNvPr id="22" name="TextBox 21">
             <a:extLst>
               <a:ext uri="{FF2B5EF4-FFF2-40B4-BE49-F238E27FC236}">
-                <a16:creationId xmlns:a16="http://schemas.microsoft.com/office/drawing/2014/main" xmlns="" id="{8FDFCF23-A28F-B376-1079-4D537FC082DB}"/>
+                <a16:creationId xmlns="" xmlns:a16="http://schemas.microsoft.com/office/drawing/2014/main" id="{8FDFCF23-A28F-B376-1079-4D537FC082DB}"/>
               </a:ext>
             </a:extLst>
           </p:cNvPr>
@@ -15830,7 +18163,7 @@
           <p:cNvPr id="9" name="TextBox 8">
             <a:extLst>
               <a:ext uri="{FF2B5EF4-FFF2-40B4-BE49-F238E27FC236}">
-                <a16:creationId xmlns:a16="http://schemas.microsoft.com/office/drawing/2014/main" xmlns="" id="{05EEA6A9-F70A-255D-9F66-9FE2C7D32EED}"/>
+                <a16:creationId xmlns="" xmlns:a16="http://schemas.microsoft.com/office/drawing/2014/main" id="{05EEA6A9-F70A-255D-9F66-9FE2C7D32EED}"/>
               </a:ext>
             </a:extLst>
           </p:cNvPr>
@@ -15879,7 +18212,7 @@
           <p:cNvPr id="19" name="직사각형 18">
             <a:extLst>
               <a:ext uri="{FF2B5EF4-FFF2-40B4-BE49-F238E27FC236}">
-                <a16:creationId xmlns:a16="http://schemas.microsoft.com/office/drawing/2014/main" xmlns="" id="{0D7AE04A-8D2E-BFDF-206B-B043559B62E4}"/>
+                <a16:creationId xmlns="" xmlns:a16="http://schemas.microsoft.com/office/drawing/2014/main" id="{0D7AE04A-8D2E-BFDF-206B-B043559B62E4}"/>
               </a:ext>
             </a:extLst>
           </p:cNvPr>
@@ -16004,7 +18337,7 @@
           <p:cNvPr id="20" name="직사각형 19">
             <a:extLst>
               <a:ext uri="{FF2B5EF4-FFF2-40B4-BE49-F238E27FC236}">
-                <a16:creationId xmlns:a16="http://schemas.microsoft.com/office/drawing/2014/main" xmlns="" id="{AA571611-5C24-6D1D-D980-1354DD559497}"/>
+                <a16:creationId xmlns="" xmlns:a16="http://schemas.microsoft.com/office/drawing/2014/main" id="{AA571611-5C24-6D1D-D980-1354DD559497}"/>
               </a:ext>
             </a:extLst>
           </p:cNvPr>
@@ -16113,7 +18446,7 @@
           <p:cNvPr id="21" name="직사각형 20">
             <a:extLst>
               <a:ext uri="{FF2B5EF4-FFF2-40B4-BE49-F238E27FC236}">
-                <a16:creationId xmlns:a16="http://schemas.microsoft.com/office/drawing/2014/main" xmlns="" id="{7BB94F6D-7C7D-C84F-8529-E35117E13674}"/>
+                <a16:creationId xmlns="" xmlns:a16="http://schemas.microsoft.com/office/drawing/2014/main" id="{7BB94F6D-7C7D-C84F-8529-E35117E13674}"/>
               </a:ext>
             </a:extLst>
           </p:cNvPr>
@@ -16214,7 +18547,7 @@
           <p:cNvPr id="32" name="TextBox 31">
             <a:extLst>
               <a:ext uri="{FF2B5EF4-FFF2-40B4-BE49-F238E27FC236}">
-                <a16:creationId xmlns:a16="http://schemas.microsoft.com/office/drawing/2014/main" xmlns="" id="{6D475AAA-2B2E-11C6-F7E7-C7E1D75DBB3B}"/>
+                <a16:creationId xmlns="" xmlns:a16="http://schemas.microsoft.com/office/drawing/2014/main" id="{6D475AAA-2B2E-11C6-F7E7-C7E1D75DBB3B}"/>
               </a:ext>
             </a:extLst>
           </p:cNvPr>
@@ -16303,7 +18636,7 @@
           <p:cNvPr id="33" name="TextBox 32">
             <a:extLst>
               <a:ext uri="{FF2B5EF4-FFF2-40B4-BE49-F238E27FC236}">
-                <a16:creationId xmlns:a16="http://schemas.microsoft.com/office/drawing/2014/main" xmlns="" id="{50AB93B8-4A9E-7BAC-7B83-2E47495CB19A}"/>
+                <a16:creationId xmlns="" xmlns:a16="http://schemas.microsoft.com/office/drawing/2014/main" id="{50AB93B8-4A9E-7BAC-7B83-2E47495CB19A}"/>
               </a:ext>
             </a:extLst>
           </p:cNvPr>
@@ -16352,7 +18685,7 @@
           <p:cNvPr id="36" name="화살표: 오른쪽 35">
             <a:extLst>
               <a:ext uri="{FF2B5EF4-FFF2-40B4-BE49-F238E27FC236}">
-                <a16:creationId xmlns:a16="http://schemas.microsoft.com/office/drawing/2014/main" xmlns="" id="{642E6B3C-CB3F-BEB1-A384-084F00CA142E}"/>
+                <a16:creationId xmlns="" xmlns:a16="http://schemas.microsoft.com/office/drawing/2014/main" id="{642E6B3C-CB3F-BEB1-A384-084F00CA142E}"/>
               </a:ext>
             </a:extLst>
           </p:cNvPr>
@@ -16406,7 +18739,7 @@
           <p:cNvPr id="38" name="화살표: 오른쪽 37">
             <a:extLst>
               <a:ext uri="{FF2B5EF4-FFF2-40B4-BE49-F238E27FC236}">
-                <a16:creationId xmlns:a16="http://schemas.microsoft.com/office/drawing/2014/main" xmlns="" id="{7E22588F-4725-2192-61CE-627C018B4628}"/>
+                <a16:creationId xmlns="" xmlns:a16="http://schemas.microsoft.com/office/drawing/2014/main" id="{7E22588F-4725-2192-61CE-627C018B4628}"/>
               </a:ext>
             </a:extLst>
           </p:cNvPr>
@@ -16460,7 +18793,7 @@
           <p:cNvPr id="40" name="화살표: 오른쪽 39">
             <a:extLst>
               <a:ext uri="{FF2B5EF4-FFF2-40B4-BE49-F238E27FC236}">
-                <a16:creationId xmlns:a16="http://schemas.microsoft.com/office/drawing/2014/main" xmlns="" id="{297395CA-B8D6-B3F9-DE3E-AD763530B361}"/>
+                <a16:creationId xmlns="" xmlns:a16="http://schemas.microsoft.com/office/drawing/2014/main" id="{297395CA-B8D6-B3F9-DE3E-AD763530B361}"/>
               </a:ext>
             </a:extLst>
           </p:cNvPr>
@@ -16514,7 +18847,7 @@
           <p:cNvPr id="41" name="화살표: 오른쪽 40">
             <a:extLst>
               <a:ext uri="{FF2B5EF4-FFF2-40B4-BE49-F238E27FC236}">
-                <a16:creationId xmlns:a16="http://schemas.microsoft.com/office/drawing/2014/main" xmlns="" id="{CD79A2FA-B1AD-EAA6-1DD1-D98C1A41E911}"/>
+                <a16:creationId xmlns="" xmlns:a16="http://schemas.microsoft.com/office/drawing/2014/main" id="{CD79A2FA-B1AD-EAA6-1DD1-D98C1A41E911}"/>
               </a:ext>
             </a:extLst>
           </p:cNvPr>
@@ -16568,7 +18901,7 @@
           <p:cNvPr id="42" name="TextBox 41">
             <a:extLst>
               <a:ext uri="{FF2B5EF4-FFF2-40B4-BE49-F238E27FC236}">
-                <a16:creationId xmlns:a16="http://schemas.microsoft.com/office/drawing/2014/main" xmlns="" id="{1B85AA5F-8210-DFEF-F340-78BB3A92D2F5}"/>
+                <a16:creationId xmlns="" xmlns:a16="http://schemas.microsoft.com/office/drawing/2014/main" id="{1B85AA5F-8210-DFEF-F340-78BB3A92D2F5}"/>
               </a:ext>
             </a:extLst>
           </p:cNvPr>
@@ -16617,7 +18950,7 @@
           <p:cNvPr id="43" name="TextBox 42">
             <a:extLst>
               <a:ext uri="{FF2B5EF4-FFF2-40B4-BE49-F238E27FC236}">
-                <a16:creationId xmlns:a16="http://schemas.microsoft.com/office/drawing/2014/main" xmlns="" id="{E5339535-312D-365F-2221-726D66062656}"/>
+                <a16:creationId xmlns="" xmlns:a16="http://schemas.microsoft.com/office/drawing/2014/main" id="{E5339535-312D-365F-2221-726D66062656}"/>
               </a:ext>
             </a:extLst>
           </p:cNvPr>
@@ -16666,7 +18999,7 @@
           <p:cNvPr id="44" name="TextBox 43">
             <a:extLst>
               <a:ext uri="{FF2B5EF4-FFF2-40B4-BE49-F238E27FC236}">
-                <a16:creationId xmlns:a16="http://schemas.microsoft.com/office/drawing/2014/main" xmlns="" id="{92F0DDCF-DF24-BACC-5283-CE65B26C579F}"/>
+                <a16:creationId xmlns="" xmlns:a16="http://schemas.microsoft.com/office/drawing/2014/main" id="{92F0DDCF-DF24-BACC-5283-CE65B26C579F}"/>
               </a:ext>
             </a:extLst>
           </p:cNvPr>
@@ -16797,7 +19130,7 @@
           <p:cNvPr id="14" name="직사각형 13">
             <a:extLst>
               <a:ext uri="{FF2B5EF4-FFF2-40B4-BE49-F238E27FC236}">
-                <a16:creationId xmlns:a16="http://schemas.microsoft.com/office/drawing/2014/main" xmlns="" id="{3EB52F87-C376-6A70-DBAC-DE08D56833BA}"/>
+                <a16:creationId xmlns="" xmlns:a16="http://schemas.microsoft.com/office/drawing/2014/main" id="{3EB52F87-C376-6A70-DBAC-DE08D56833BA}"/>
               </a:ext>
             </a:extLst>
           </p:cNvPr>
@@ -16846,7 +19179,7 @@
           <p:cNvPr id="15" name="그림 14">
             <a:extLst>
               <a:ext uri="{FF2B5EF4-FFF2-40B4-BE49-F238E27FC236}">
-                <a16:creationId xmlns:a16="http://schemas.microsoft.com/office/drawing/2014/main" xmlns="" id="{98DD43F2-8C0C-AB26-2F5C-690952C6C08E}"/>
+                <a16:creationId xmlns="" xmlns:a16="http://schemas.microsoft.com/office/drawing/2014/main" id="{98DD43F2-8C0C-AB26-2F5C-690952C6C08E}"/>
               </a:ext>
             </a:extLst>
           </p:cNvPr>
@@ -16876,7 +19209,7 @@
           <p:cNvPr id="17" name="TextBox 16">
             <a:extLst>
               <a:ext uri="{FF2B5EF4-FFF2-40B4-BE49-F238E27FC236}">
-                <a16:creationId xmlns:a16="http://schemas.microsoft.com/office/drawing/2014/main" xmlns="" id="{970F9048-48CE-0230-198B-AD9A1E5208A4}"/>
+                <a16:creationId xmlns="" xmlns:a16="http://schemas.microsoft.com/office/drawing/2014/main" id="{970F9048-48CE-0230-198B-AD9A1E5208A4}"/>
               </a:ext>
             </a:extLst>
           </p:cNvPr>
@@ -16925,7 +19258,7 @@
           <p:cNvPr id="23" name="직사각형 22">
             <a:extLst>
               <a:ext uri="{FF2B5EF4-FFF2-40B4-BE49-F238E27FC236}">
-                <a16:creationId xmlns:a16="http://schemas.microsoft.com/office/drawing/2014/main" xmlns="" id="{4987E1F6-F21D-4B8C-DCBF-675FD39BF643}"/>
+                <a16:creationId xmlns="" xmlns:a16="http://schemas.microsoft.com/office/drawing/2014/main" id="{4987E1F6-F21D-4B8C-DCBF-675FD39BF643}"/>
               </a:ext>
             </a:extLst>
           </p:cNvPr>
@@ -17042,7 +19375,7 @@
           <p:cNvPr id="25" name="직사각형 24">
             <a:extLst>
               <a:ext uri="{FF2B5EF4-FFF2-40B4-BE49-F238E27FC236}">
-                <a16:creationId xmlns:a16="http://schemas.microsoft.com/office/drawing/2014/main" xmlns="" id="{831597D2-AE4C-D8E6-AD57-E0305D57DFDA}"/>
+                <a16:creationId xmlns="" xmlns:a16="http://schemas.microsoft.com/office/drawing/2014/main" id="{831597D2-AE4C-D8E6-AD57-E0305D57DFDA}"/>
               </a:ext>
             </a:extLst>
           </p:cNvPr>
@@ -17091,7 +19424,7 @@
           <p:cNvPr id="26" name="그림 25">
             <a:extLst>
               <a:ext uri="{FF2B5EF4-FFF2-40B4-BE49-F238E27FC236}">
-                <a16:creationId xmlns:a16="http://schemas.microsoft.com/office/drawing/2014/main" xmlns="" id="{5DB1ADFA-F798-384F-2821-6AB0A55D6477}"/>
+                <a16:creationId xmlns="" xmlns:a16="http://schemas.microsoft.com/office/drawing/2014/main" id="{5DB1ADFA-F798-384F-2821-6AB0A55D6477}"/>
               </a:ext>
             </a:extLst>
           </p:cNvPr>
@@ -17121,7 +19454,7 @@
           <p:cNvPr id="27" name="직사각형 26">
             <a:extLst>
               <a:ext uri="{FF2B5EF4-FFF2-40B4-BE49-F238E27FC236}">
-                <a16:creationId xmlns:a16="http://schemas.microsoft.com/office/drawing/2014/main" xmlns="" id="{D58C3A9D-1438-14B9-9179-D0C0F383043E}"/>
+                <a16:creationId xmlns="" xmlns:a16="http://schemas.microsoft.com/office/drawing/2014/main" id="{D58C3A9D-1438-14B9-9179-D0C0F383043E}"/>
               </a:ext>
             </a:extLst>
           </p:cNvPr>
@@ -17238,7 +19571,7 @@
           <p:cNvPr id="28" name="직사각형 27">
             <a:extLst>
               <a:ext uri="{FF2B5EF4-FFF2-40B4-BE49-F238E27FC236}">
-                <a16:creationId xmlns:a16="http://schemas.microsoft.com/office/drawing/2014/main" xmlns="" id="{A6CDDA3F-1AB1-9705-DB2A-9D0D787EA1F5}"/>
+                <a16:creationId xmlns="" xmlns:a16="http://schemas.microsoft.com/office/drawing/2014/main" id="{A6CDDA3F-1AB1-9705-DB2A-9D0D787EA1F5}"/>
               </a:ext>
             </a:extLst>
           </p:cNvPr>
@@ -17339,7 +19672,7 @@
           <p:cNvPr id="30" name="직사각형 29">
             <a:extLst>
               <a:ext uri="{FF2B5EF4-FFF2-40B4-BE49-F238E27FC236}">
-                <a16:creationId xmlns:a16="http://schemas.microsoft.com/office/drawing/2014/main" xmlns="" id="{ED3F7117-72D1-C2FB-0D82-1E6D50DEC11B}"/>
+                <a16:creationId xmlns="" xmlns:a16="http://schemas.microsoft.com/office/drawing/2014/main" id="{ED3F7117-72D1-C2FB-0D82-1E6D50DEC11B}"/>
               </a:ext>
             </a:extLst>
           </p:cNvPr>
@@ -17388,7 +19721,7 @@
           <p:cNvPr id="31" name="그림 30">
             <a:extLst>
               <a:ext uri="{FF2B5EF4-FFF2-40B4-BE49-F238E27FC236}">
-                <a16:creationId xmlns:a16="http://schemas.microsoft.com/office/drawing/2014/main" xmlns="" id="{4BCF7F5D-970C-7B27-F32C-4799E551A011}"/>
+                <a16:creationId xmlns="" xmlns:a16="http://schemas.microsoft.com/office/drawing/2014/main" id="{4BCF7F5D-970C-7B27-F32C-4799E551A011}"/>
               </a:ext>
             </a:extLst>
           </p:cNvPr>
@@ -17418,7 +19751,7 @@
           <p:cNvPr id="22" name="TextBox 21">
             <a:extLst>
               <a:ext uri="{FF2B5EF4-FFF2-40B4-BE49-F238E27FC236}">
-                <a16:creationId xmlns:a16="http://schemas.microsoft.com/office/drawing/2014/main" xmlns="" id="{8FDFCF23-A28F-B376-1079-4D537FC082DB}"/>
+                <a16:creationId xmlns="" xmlns:a16="http://schemas.microsoft.com/office/drawing/2014/main" id="{8FDFCF23-A28F-B376-1079-4D537FC082DB}"/>
               </a:ext>
             </a:extLst>
           </p:cNvPr>
@@ -17507,7 +19840,7 @@
           <p:cNvPr id="3" name="TextBox 2">
             <a:extLst>
               <a:ext uri="{FF2B5EF4-FFF2-40B4-BE49-F238E27FC236}">
-                <a16:creationId xmlns:a16="http://schemas.microsoft.com/office/drawing/2014/main" xmlns="" id="{844079FD-F483-1DD5-121C-B2FCF6CBE507}"/>
+                <a16:creationId xmlns="" xmlns:a16="http://schemas.microsoft.com/office/drawing/2014/main" id="{844079FD-F483-1DD5-121C-B2FCF6CBE507}"/>
               </a:ext>
             </a:extLst>
           </p:cNvPr>
@@ -17596,7 +19929,7 @@
           <p:cNvPr id="8" name="TextBox 7">
             <a:extLst>
               <a:ext uri="{FF2B5EF4-FFF2-40B4-BE49-F238E27FC236}">
-                <a16:creationId xmlns:a16="http://schemas.microsoft.com/office/drawing/2014/main" xmlns="" id="{9AE6C817-4971-CCF1-85CD-192FCF630B64}"/>
+                <a16:creationId xmlns="" xmlns:a16="http://schemas.microsoft.com/office/drawing/2014/main" id="{9AE6C817-4971-CCF1-85CD-192FCF630B64}"/>
               </a:ext>
             </a:extLst>
           </p:cNvPr>
@@ -17645,7 +19978,7 @@
           <p:cNvPr id="9" name="TextBox 8">
             <a:extLst>
               <a:ext uri="{FF2B5EF4-FFF2-40B4-BE49-F238E27FC236}">
-                <a16:creationId xmlns:a16="http://schemas.microsoft.com/office/drawing/2014/main" xmlns="" id="{05EEA6A9-F70A-255D-9F66-9FE2C7D32EED}"/>
+                <a16:creationId xmlns="" xmlns:a16="http://schemas.microsoft.com/office/drawing/2014/main" id="{05EEA6A9-F70A-255D-9F66-9FE2C7D32EED}"/>
               </a:ext>
             </a:extLst>
           </p:cNvPr>
@@ -17694,7 +20027,7 @@
           <p:cNvPr id="4" name="화살표: 오른쪽 3">
             <a:extLst>
               <a:ext uri="{FF2B5EF4-FFF2-40B4-BE49-F238E27FC236}">
-                <a16:creationId xmlns:a16="http://schemas.microsoft.com/office/drawing/2014/main" xmlns="" id="{F563BC3B-6099-6918-BF81-D4B8DE49380B}"/>
+                <a16:creationId xmlns="" xmlns:a16="http://schemas.microsoft.com/office/drawing/2014/main" id="{F563BC3B-6099-6918-BF81-D4B8DE49380B}"/>
               </a:ext>
             </a:extLst>
           </p:cNvPr>
@@ -17748,7 +20081,7 @@
           <p:cNvPr id="7" name="화살표: 오른쪽 6">
             <a:extLst>
               <a:ext uri="{FF2B5EF4-FFF2-40B4-BE49-F238E27FC236}">
-                <a16:creationId xmlns:a16="http://schemas.microsoft.com/office/drawing/2014/main" xmlns="" id="{FB014D80-F3A3-98BB-7BE1-09C4B39FDD37}"/>
+                <a16:creationId xmlns="" xmlns:a16="http://schemas.microsoft.com/office/drawing/2014/main" id="{FB014D80-F3A3-98BB-7BE1-09C4B39FDD37}"/>
               </a:ext>
             </a:extLst>
           </p:cNvPr>
@@ -17802,7 +20135,7 @@
           <p:cNvPr id="10" name="화살표: 오른쪽 9">
             <a:extLst>
               <a:ext uri="{FF2B5EF4-FFF2-40B4-BE49-F238E27FC236}">
-                <a16:creationId xmlns:a16="http://schemas.microsoft.com/office/drawing/2014/main" xmlns="" id="{71F8F5A9-6451-1F0F-FB22-7629235D0A3F}"/>
+                <a16:creationId xmlns="" xmlns:a16="http://schemas.microsoft.com/office/drawing/2014/main" id="{71F8F5A9-6451-1F0F-FB22-7629235D0A3F}"/>
               </a:ext>
             </a:extLst>
           </p:cNvPr>
@@ -17856,7 +20189,7 @@
           <p:cNvPr id="11" name="TextBox 10">
             <a:extLst>
               <a:ext uri="{FF2B5EF4-FFF2-40B4-BE49-F238E27FC236}">
-                <a16:creationId xmlns:a16="http://schemas.microsoft.com/office/drawing/2014/main" xmlns="" id="{A36C8759-DD6C-92DB-55AD-A3C4A811D06F}"/>
+                <a16:creationId xmlns="" xmlns:a16="http://schemas.microsoft.com/office/drawing/2014/main" id="{A36C8759-DD6C-92DB-55AD-A3C4A811D06F}"/>
               </a:ext>
             </a:extLst>
           </p:cNvPr>
@@ -17905,7 +20238,7 @@
           <p:cNvPr id="12" name="TextBox 11">
             <a:extLst>
               <a:ext uri="{FF2B5EF4-FFF2-40B4-BE49-F238E27FC236}">
-                <a16:creationId xmlns:a16="http://schemas.microsoft.com/office/drawing/2014/main" xmlns="" id="{106EB8B6-0AAC-4D18-EE2E-0FA1C9EBF118}"/>
+                <a16:creationId xmlns="" xmlns:a16="http://schemas.microsoft.com/office/drawing/2014/main" id="{106EB8B6-0AAC-4D18-EE2E-0FA1C9EBF118}"/>
               </a:ext>
             </a:extLst>
           </p:cNvPr>
@@ -17954,7 +20287,7 @@
           <p:cNvPr id="13" name="TextBox 12">
             <a:extLst>
               <a:ext uri="{FF2B5EF4-FFF2-40B4-BE49-F238E27FC236}">
-                <a16:creationId xmlns:a16="http://schemas.microsoft.com/office/drawing/2014/main" xmlns="" id="{3647A2A3-CED9-3714-0972-2B45EEEEB9B1}"/>
+                <a16:creationId xmlns="" xmlns:a16="http://schemas.microsoft.com/office/drawing/2014/main" id="{3647A2A3-CED9-3714-0972-2B45EEEEB9B1}"/>
               </a:ext>
             </a:extLst>
           </p:cNvPr>
@@ -18040,7 +20373,7 @@
           <p:cNvPr id="16" name="직사각형 15">
             <a:extLst>
               <a:ext uri="{FF2B5EF4-FFF2-40B4-BE49-F238E27FC236}">
-                <a16:creationId xmlns:a16="http://schemas.microsoft.com/office/drawing/2014/main" xmlns="" id="{11877263-632B-FB5A-1457-F4FE9F987E18}"/>
+                <a16:creationId xmlns="" xmlns:a16="http://schemas.microsoft.com/office/drawing/2014/main" id="{11877263-632B-FB5A-1457-F4FE9F987E18}"/>
               </a:ext>
             </a:extLst>
           </p:cNvPr>
@@ -18092,7 +20425,7 @@
           <p:cNvPr id="18" name="그림 17">
             <a:extLst>
               <a:ext uri="{FF2B5EF4-FFF2-40B4-BE49-F238E27FC236}">
-                <a16:creationId xmlns:a16="http://schemas.microsoft.com/office/drawing/2014/main" xmlns="" id="{CA3A4252-7BE4-A38E-C9E2-CE38BCF92FE3}"/>
+                <a16:creationId xmlns="" xmlns:a16="http://schemas.microsoft.com/office/drawing/2014/main" id="{CA3A4252-7BE4-A38E-C9E2-CE38BCF92FE3}"/>
               </a:ext>
             </a:extLst>
           </p:cNvPr>
@@ -18167,7 +20500,7 @@
           <p:cNvPr id="14" name="직사각형 13">
             <a:extLst>
               <a:ext uri="{FF2B5EF4-FFF2-40B4-BE49-F238E27FC236}">
-                <a16:creationId xmlns:a16="http://schemas.microsoft.com/office/drawing/2014/main" xmlns="" id="{3EB52F87-C376-6A70-DBAC-DE08D56833BA}"/>
+                <a16:creationId xmlns="" xmlns:a16="http://schemas.microsoft.com/office/drawing/2014/main" id="{3EB52F87-C376-6A70-DBAC-DE08D56833BA}"/>
               </a:ext>
             </a:extLst>
           </p:cNvPr>
@@ -18216,7 +20549,7 @@
           <p:cNvPr id="15" name="그림 14">
             <a:extLst>
               <a:ext uri="{FF2B5EF4-FFF2-40B4-BE49-F238E27FC236}">
-                <a16:creationId xmlns:a16="http://schemas.microsoft.com/office/drawing/2014/main" xmlns="" id="{98DD43F2-8C0C-AB26-2F5C-690952C6C08E}"/>
+                <a16:creationId xmlns="" xmlns:a16="http://schemas.microsoft.com/office/drawing/2014/main" id="{98DD43F2-8C0C-AB26-2F5C-690952C6C08E}"/>
               </a:ext>
             </a:extLst>
           </p:cNvPr>
@@ -18246,7 +20579,7 @@
           <p:cNvPr id="25" name="직사각형 24">
             <a:extLst>
               <a:ext uri="{FF2B5EF4-FFF2-40B4-BE49-F238E27FC236}">
-                <a16:creationId xmlns:a16="http://schemas.microsoft.com/office/drawing/2014/main" xmlns="" id="{831597D2-AE4C-D8E6-AD57-E0305D57DFDA}"/>
+                <a16:creationId xmlns="" xmlns:a16="http://schemas.microsoft.com/office/drawing/2014/main" id="{831597D2-AE4C-D8E6-AD57-E0305D57DFDA}"/>
               </a:ext>
             </a:extLst>
           </p:cNvPr>
@@ -18295,7 +20628,7 @@
           <p:cNvPr id="26" name="그림 25">
             <a:extLst>
               <a:ext uri="{FF2B5EF4-FFF2-40B4-BE49-F238E27FC236}">
-                <a16:creationId xmlns:a16="http://schemas.microsoft.com/office/drawing/2014/main" xmlns="" id="{5DB1ADFA-F798-384F-2821-6AB0A55D6477}"/>
+                <a16:creationId xmlns="" xmlns:a16="http://schemas.microsoft.com/office/drawing/2014/main" id="{5DB1ADFA-F798-384F-2821-6AB0A55D6477}"/>
               </a:ext>
             </a:extLst>
           </p:cNvPr>
@@ -18325,7 +20658,7 @@
           <p:cNvPr id="3" name="TextBox 2">
             <a:extLst>
               <a:ext uri="{FF2B5EF4-FFF2-40B4-BE49-F238E27FC236}">
-                <a16:creationId xmlns:a16="http://schemas.microsoft.com/office/drawing/2014/main" xmlns="" id="{844079FD-F483-1DD5-121C-B2FCF6CBE507}"/>
+                <a16:creationId xmlns="" xmlns:a16="http://schemas.microsoft.com/office/drawing/2014/main" id="{844079FD-F483-1DD5-121C-B2FCF6CBE507}"/>
               </a:ext>
             </a:extLst>
           </p:cNvPr>
@@ -18350,7 +20683,7 @@
           <a:p>
             <a:pPr algn="ctr"/>
             <a:r>
-              <a:rPr lang="en-US" altLang="ko-KR" sz="3200">
+              <a:rPr lang="en-US" altLang="ko-KR" sz="3200" dirty="0">
                 <a:solidFill>
                   <a:schemeClr val="bg1"/>
                 </a:solidFill>
@@ -18370,7 +20703,7 @@
               <a:t> </a:t>
             </a:r>
             <a:r>
-              <a:rPr lang="en-US" altLang="ko-KR" sz="3200">
+              <a:rPr lang="en-US" altLang="ko-KR" sz="3200" dirty="0">
                 <a:solidFill>
                   <a:schemeClr val="bg1"/>
                 </a:solidFill>
@@ -18390,7 +20723,7 @@
               <a:t> </a:t>
             </a:r>
             <a:r>
-              <a:rPr lang="en-US" altLang="ko-KR" sz="3200">
+              <a:rPr lang="en-US" altLang="ko-KR" sz="3200" dirty="0">
                 <a:solidFill>
                   <a:schemeClr val="bg1"/>
                 </a:solidFill>
@@ -18414,7 +20747,7 @@
           <p:cNvPr id="6" name="화살표: 오른쪽 5">
             <a:extLst>
               <a:ext uri="{FF2B5EF4-FFF2-40B4-BE49-F238E27FC236}">
-                <a16:creationId xmlns:a16="http://schemas.microsoft.com/office/drawing/2014/main" xmlns="" id="{A3B1CA37-40B5-C956-AFE8-AA8BA230E46E}"/>
+                <a16:creationId xmlns="" xmlns:a16="http://schemas.microsoft.com/office/drawing/2014/main" id="{A3B1CA37-40B5-C956-AFE8-AA8BA230E46E}"/>
               </a:ext>
             </a:extLst>
           </p:cNvPr>
@@ -18468,7 +20801,7 @@
           <p:cNvPr id="5" name="직사각형 4">
             <a:extLst>
               <a:ext uri="{FF2B5EF4-FFF2-40B4-BE49-F238E27FC236}">
-                <a16:creationId xmlns:a16="http://schemas.microsoft.com/office/drawing/2014/main" xmlns="" id="{43751AB4-F82E-0641-40D2-ACA5F3F0C588}"/>
+                <a16:creationId xmlns="" xmlns:a16="http://schemas.microsoft.com/office/drawing/2014/main" id="{43751AB4-F82E-0641-40D2-ACA5F3F0C588}"/>
               </a:ext>
             </a:extLst>
           </p:cNvPr>
@@ -18577,7 +20910,7 @@
           <p:cNvPr id="7" name="직사각형 6">
             <a:extLst>
               <a:ext uri="{FF2B5EF4-FFF2-40B4-BE49-F238E27FC236}">
-                <a16:creationId xmlns:a16="http://schemas.microsoft.com/office/drawing/2014/main" xmlns="" id="{C1128DEA-EAE6-656C-A462-0DD4DC0B21D4}"/>
+                <a16:creationId xmlns="" xmlns:a16="http://schemas.microsoft.com/office/drawing/2014/main" id="{C1128DEA-EAE6-656C-A462-0DD4DC0B21D4}"/>
               </a:ext>
             </a:extLst>
           </p:cNvPr>
@@ -18694,7 +21027,7 @@
           <p:cNvPr id="10" name="직사각형 9">
             <a:extLst>
               <a:ext uri="{FF2B5EF4-FFF2-40B4-BE49-F238E27FC236}">
-                <a16:creationId xmlns:a16="http://schemas.microsoft.com/office/drawing/2014/main" xmlns="" id="{02E47208-64C7-B767-51DC-75928894F86D}"/>
+                <a16:creationId xmlns="" xmlns:a16="http://schemas.microsoft.com/office/drawing/2014/main" id="{02E47208-64C7-B767-51DC-75928894F86D}"/>
               </a:ext>
             </a:extLst>
           </p:cNvPr>
@@ -18795,7 +21128,7 @@
           <p:cNvPr id="11" name="TextBox 10">
             <a:extLst>
               <a:ext uri="{FF2B5EF4-FFF2-40B4-BE49-F238E27FC236}">
-                <a16:creationId xmlns:a16="http://schemas.microsoft.com/office/drawing/2014/main" xmlns="" id="{9959CD32-DC7B-6183-56F6-F4B59ED0DC2C}"/>
+                <a16:creationId xmlns="" xmlns:a16="http://schemas.microsoft.com/office/drawing/2014/main" id="{9959CD32-DC7B-6183-56F6-F4B59ED0DC2C}"/>
               </a:ext>
             </a:extLst>
           </p:cNvPr>
@@ -18820,39 +21153,49 @@
           <a:p>
             <a:pPr algn="ctr"/>
             <a:r>
-              <a:rPr lang="ko-KR" altLang="en-US" sz="3200">
+              <a:rPr lang="ko-KR" altLang="en-US" sz="3200" dirty="0" err="1">
                 <a:solidFill>
                   <a:schemeClr val="bg1"/>
                 </a:solidFill>
                 <a:latin typeface="LG스마트체 Regular" panose="020B0600000101010101" pitchFamily="50" charset="-127"/>
                 <a:ea typeface="LG스마트체 Regular" panose="020B0600000101010101" pitchFamily="50" charset="-127"/>
               </a:rPr>
-              <a:t>급발진 상황 발생 </a:t>
-            </a:r>
-            <a:r>
-              <a:rPr lang="en-US" altLang="ko-KR" sz="3200">
+              <a:t>급발진</a:t>
+            </a:r>
+            <a:r>
+              <a:rPr lang="ko-KR" altLang="en-US" sz="3200" dirty="0">
                 <a:solidFill>
                   <a:schemeClr val="bg1"/>
                 </a:solidFill>
                 <a:latin typeface="LG스마트체 Regular" panose="020B0600000101010101" pitchFamily="50" charset="-127"/>
                 <a:ea typeface="LG스마트체 Regular" panose="020B0600000101010101" pitchFamily="50" charset="-127"/>
               </a:rPr>
-              <a:t>!!</a:t>
-            </a:r>
-          </a:p>
-          <a:p>
-            <a:pPr algn="ctr"/>
-            <a:r>
-              <a:rPr lang="ko-KR" altLang="en-US" sz="3200">
+              <a:t> 상황 발생 </a:t>
+            </a:r>
+            <a:r>
+              <a:rPr lang="en-US" altLang="ko-KR" sz="3200" dirty="0">
                 <a:solidFill>
                   <a:schemeClr val="bg1"/>
                 </a:solidFill>
                 <a:latin typeface="LG스마트체 Regular" panose="020B0600000101010101" pitchFamily="50" charset="-127"/>
                 <a:ea typeface="LG스마트체 Regular" panose="020B0600000101010101" pitchFamily="50" charset="-127"/>
               </a:rPr>
+              <a:t>!!</a:t>
+            </a:r>
+          </a:p>
+          <a:p>
+            <a:pPr algn="ctr"/>
+            <a:r>
+              <a:rPr lang="ko-KR" altLang="en-US" sz="3200">
+                <a:solidFill>
+                  <a:schemeClr val="bg1"/>
+                </a:solidFill>
+                <a:latin typeface="LG스마트체 Regular" panose="020B0600000101010101" pitchFamily="50" charset="-127"/>
+                <a:ea typeface="LG스마트체 Regular" panose="020B0600000101010101" pitchFamily="50" charset="-127"/>
+              </a:rPr>
               <a:t>브레이크가 작동하지</a:t>
             </a:r>
-            <a:endParaRPr lang="en-US" altLang="ko-KR" sz="3200">
+            <a:endParaRPr lang="en-US" altLang="ko-KR" sz="3200" dirty="0">
               <a:solidFill>
                 <a:schemeClr val="bg1"/>
               </a:solidFill>
@@ -18863,7 +21206,7 @@
           <a:p>
             <a:pPr algn="ctr"/>
             <a:r>
-              <a:rPr lang="ko-KR" altLang="en-US" sz="3200">
+              <a:rPr lang="ko-KR" altLang="en-US" sz="3200" dirty="0">
                 <a:solidFill>
                   <a:schemeClr val="bg1"/>
                 </a:solidFill>
@@ -18873,7 +21216,7 @@
               <a:t>않습니다</a:t>
             </a:r>
             <a:r>
-              <a:rPr lang="en-US" altLang="ko-KR" sz="3200">
+              <a:rPr lang="en-US" altLang="ko-KR" sz="3200" dirty="0">
                 <a:solidFill>
                   <a:schemeClr val="bg1"/>
                 </a:solidFill>
@@ -18897,7 +21240,7 @@
           <p:cNvPr id="12" name="TextBox 11">
             <a:extLst>
               <a:ext uri="{FF2B5EF4-FFF2-40B4-BE49-F238E27FC236}">
-                <a16:creationId xmlns:a16="http://schemas.microsoft.com/office/drawing/2014/main" xmlns="" id="{25E09C9A-EFEF-1EA7-7D36-BE5B74A96E4E}"/>
+                <a16:creationId xmlns="" xmlns:a16="http://schemas.microsoft.com/office/drawing/2014/main" id="{25E09C9A-EFEF-1EA7-7D36-BE5B74A96E4E}"/>
               </a:ext>
             </a:extLst>
           </p:cNvPr>
@@ -18922,7 +21265,7 @@
           <a:p>
             <a:pPr algn="ctr"/>
             <a:r>
-              <a:rPr lang="ko-KR" altLang="en-US" sz="3200">
+              <a:rPr lang="ko-KR" altLang="en-US" sz="3200" dirty="0">
                 <a:solidFill>
                   <a:schemeClr val="bg1"/>
                 </a:solidFill>
@@ -18932,7 +21275,7 @@
               <a:t>오작동 발생</a:t>
             </a:r>
             <a:r>
-              <a:rPr lang="en-US" altLang="ko-KR" sz="3200">
+              <a:rPr lang="en-US" altLang="ko-KR" sz="3200" dirty="0">
                 <a:solidFill>
                   <a:schemeClr val="bg1"/>
                 </a:solidFill>
@@ -18945,7 +21288,7 @@
           <a:p>
             <a:pPr algn="ctr"/>
             <a:r>
-              <a:rPr lang="ko-KR" altLang="en-US" sz="3200">
+              <a:rPr lang="ko-KR" altLang="en-US" sz="3200" dirty="0">
                 <a:solidFill>
                   <a:schemeClr val="bg1"/>
                 </a:solidFill>
@@ -18962,7 +21305,7 @@
           <p:cNvPr id="13" name="TextBox 12">
             <a:extLst>
               <a:ext uri="{FF2B5EF4-FFF2-40B4-BE49-F238E27FC236}">
-                <a16:creationId xmlns:a16="http://schemas.microsoft.com/office/drawing/2014/main" xmlns="" id="{D8FD2CCF-6B9C-3E5A-FB57-6CE3CBFC3DDC}"/>
+                <a16:creationId xmlns="" xmlns:a16="http://schemas.microsoft.com/office/drawing/2014/main" id="{D8FD2CCF-6B9C-3E5A-FB57-6CE3CBFC3DDC}"/>
               </a:ext>
             </a:extLst>
           </p:cNvPr>
@@ -19051,7 +21394,7 @@
           <p:cNvPr id="22" name="TextBox 21">
             <a:extLst>
               <a:ext uri="{FF2B5EF4-FFF2-40B4-BE49-F238E27FC236}">
-                <a16:creationId xmlns:a16="http://schemas.microsoft.com/office/drawing/2014/main" xmlns="" id="{8FDFCF23-A28F-B376-1079-4D537FC082DB}"/>
+                <a16:creationId xmlns="" xmlns:a16="http://schemas.microsoft.com/office/drawing/2014/main" id="{8FDFCF23-A28F-B376-1079-4D537FC082DB}"/>
               </a:ext>
             </a:extLst>
           </p:cNvPr>
@@ -19140,7 +21483,7 @@
           <p:cNvPr id="19" name="화살표: 오른쪽 18">
             <a:extLst>
               <a:ext uri="{FF2B5EF4-FFF2-40B4-BE49-F238E27FC236}">
-                <a16:creationId xmlns:a16="http://schemas.microsoft.com/office/drawing/2014/main" xmlns="" id="{0303442F-DCE9-2116-2E5F-9288D1376CBC}"/>
+                <a16:creationId xmlns="" xmlns:a16="http://schemas.microsoft.com/office/drawing/2014/main" id="{0303442F-DCE9-2116-2E5F-9288D1376CBC}"/>
               </a:ext>
             </a:extLst>
           </p:cNvPr>
@@ -19194,7 +21537,7 @@
           <p:cNvPr id="20" name="화살표: 오른쪽 19">
             <a:extLst>
               <a:ext uri="{FF2B5EF4-FFF2-40B4-BE49-F238E27FC236}">
-                <a16:creationId xmlns:a16="http://schemas.microsoft.com/office/drawing/2014/main" xmlns="" id="{D87C641A-A732-DB6F-FFAC-C1B6EE9721B7}"/>
+                <a16:creationId xmlns="" xmlns:a16="http://schemas.microsoft.com/office/drawing/2014/main" id="{D87C641A-A732-DB6F-FFAC-C1B6EE9721B7}"/>
               </a:ext>
             </a:extLst>
           </p:cNvPr>
@@ -19248,7 +21591,7 @@
           <p:cNvPr id="21" name="화살표: 오른쪽 20">
             <a:extLst>
               <a:ext uri="{FF2B5EF4-FFF2-40B4-BE49-F238E27FC236}">
-                <a16:creationId xmlns:a16="http://schemas.microsoft.com/office/drawing/2014/main" xmlns="" id="{CE61227F-9B83-DFB9-E295-C97431191176}"/>
+                <a16:creationId xmlns="" xmlns:a16="http://schemas.microsoft.com/office/drawing/2014/main" id="{CE61227F-9B83-DFB9-E295-C97431191176}"/>
               </a:ext>
             </a:extLst>
           </p:cNvPr>
@@ -19302,7 +21645,7 @@
           <p:cNvPr id="24" name="화살표: 오른쪽 23">
             <a:extLst>
               <a:ext uri="{FF2B5EF4-FFF2-40B4-BE49-F238E27FC236}">
-                <a16:creationId xmlns:a16="http://schemas.microsoft.com/office/drawing/2014/main" xmlns="" id="{57067448-0DF4-229E-B8F1-175B84C74056}"/>
+                <a16:creationId xmlns="" xmlns:a16="http://schemas.microsoft.com/office/drawing/2014/main" id="{57067448-0DF4-229E-B8F1-175B84C74056}"/>
               </a:ext>
             </a:extLst>
           </p:cNvPr>
@@ -19356,7 +21699,7 @@
           <p:cNvPr id="29" name="TextBox 28">
             <a:extLst>
               <a:ext uri="{FF2B5EF4-FFF2-40B4-BE49-F238E27FC236}">
-                <a16:creationId xmlns:a16="http://schemas.microsoft.com/office/drawing/2014/main" xmlns="" id="{688D855A-51B1-F875-2055-006C7828A4C5}"/>
+                <a16:creationId xmlns="" xmlns:a16="http://schemas.microsoft.com/office/drawing/2014/main" id="{688D855A-51B1-F875-2055-006C7828A4C5}"/>
               </a:ext>
             </a:extLst>
           </p:cNvPr>
@@ -19405,7 +21748,7 @@
           <p:cNvPr id="32" name="TextBox 31">
             <a:extLst>
               <a:ext uri="{FF2B5EF4-FFF2-40B4-BE49-F238E27FC236}">
-                <a16:creationId xmlns:a16="http://schemas.microsoft.com/office/drawing/2014/main" xmlns="" id="{493AA7D8-77B6-3D11-CE93-BED6238531AA}"/>
+                <a16:creationId xmlns="" xmlns:a16="http://schemas.microsoft.com/office/drawing/2014/main" id="{493AA7D8-77B6-3D11-CE93-BED6238531AA}"/>
               </a:ext>
             </a:extLst>
           </p:cNvPr>
@@ -19454,7 +21797,7 @@
           <p:cNvPr id="33" name="TextBox 32">
             <a:extLst>
               <a:ext uri="{FF2B5EF4-FFF2-40B4-BE49-F238E27FC236}">
-                <a16:creationId xmlns:a16="http://schemas.microsoft.com/office/drawing/2014/main" xmlns="" id="{4D3D5EEC-69CA-659F-710C-028228B8A093}"/>
+                <a16:creationId xmlns="" xmlns:a16="http://schemas.microsoft.com/office/drawing/2014/main" id="{4D3D5EEC-69CA-659F-710C-028228B8A093}"/>
               </a:ext>
             </a:extLst>
           </p:cNvPr>
@@ -22317,14 +24660,7 @@
                 <a:latin typeface="Courier New" panose="02070309020205020404" pitchFamily="49" charset="0"/>
                 <a:cs typeface="Courier New" panose="02070309020205020404" pitchFamily="49" charset="0"/>
               </a:rPr>
-              <a:t>분기할 </a:t>
-            </a:r>
-            <a:r>
-              <a:rPr lang="ko-KR" altLang="en-US" sz="2000" dirty="0" smtClean="0">
-                <a:latin typeface="Courier New" panose="02070309020205020404" pitchFamily="49" charset="0"/>
-                <a:cs typeface="Courier New" panose="02070309020205020404" pitchFamily="49" charset="0"/>
-              </a:rPr>
-              <a:t>함수 주소 </a:t>
+              <a:t>분기할 함수 주소 </a:t>
             </a:r>
             <a:r>
               <a:rPr lang="en-US" altLang="ko-KR" sz="2000" dirty="0" smtClean="0">
